--- a/docs/img/PublicResults/RouterSetup.pptx
+++ b/docs/img/PublicResults/RouterSetup.pptx
@@ -11,6 +11,8 @@
     <p:sldId id="265" r:id="rId5"/>
     <p:sldId id="267" r:id="rId6"/>
     <p:sldId id="266" r:id="rId7"/>
+    <p:sldId id="270" r:id="rId8"/>
+    <p:sldId id="271" r:id="rId9"/>
   </p:sldIdLst>
   <p:sldSz cx="12192000" cy="6858000"/>
   <p:notesSz cx="6858000" cy="9144000"/>
@@ -305,7 +307,7 @@
               <a:pPr>
                 <a:defRPr/>
               </a:pPr>
-              <a:t>2021-11-30</a:t>
+              <a:t>2022-02-28</a:t>
             </a:fld>
             <a:endParaRPr lang="fr-CA"/>
           </a:p>
@@ -520,7 +522,7 @@
               <a:pPr>
                 <a:defRPr/>
               </a:pPr>
-              <a:t>2021-11-30</a:t>
+              <a:t>2022-02-28</a:t>
             </a:fld>
             <a:endParaRPr lang="fr-CA"/>
           </a:p>
@@ -745,7 +747,7 @@
               <a:pPr>
                 <a:defRPr/>
               </a:pPr>
-              <a:t>2021-11-30</a:t>
+              <a:t>2022-02-28</a:t>
             </a:fld>
             <a:endParaRPr lang="fr-CA"/>
           </a:p>
@@ -960,7 +962,7 @@
               <a:pPr>
                 <a:defRPr/>
               </a:pPr>
-              <a:t>2021-11-30</a:t>
+              <a:t>2022-02-28</a:t>
             </a:fld>
             <a:endParaRPr lang="fr-CA"/>
           </a:p>
@@ -1251,7 +1253,7 @@
               <a:pPr>
                 <a:defRPr/>
               </a:pPr>
-              <a:t>2021-11-30</a:t>
+              <a:t>2022-02-28</a:t>
             </a:fld>
             <a:endParaRPr lang="fr-CA"/>
           </a:p>
@@ -1528,7 +1530,7 @@
               <a:pPr>
                 <a:defRPr/>
               </a:pPr>
-              <a:t>2021-11-30</a:t>
+              <a:t>2022-02-28</a:t>
             </a:fld>
             <a:endParaRPr lang="fr-CA"/>
           </a:p>
@@ -1940,7 +1942,7 @@
               <a:pPr>
                 <a:defRPr/>
               </a:pPr>
-              <a:t>2021-11-30</a:t>
+              <a:t>2022-02-28</a:t>
             </a:fld>
             <a:endParaRPr lang="fr-CA"/>
           </a:p>
@@ -2103,7 +2105,7 @@
               <a:pPr>
                 <a:defRPr/>
               </a:pPr>
-              <a:t>2021-11-30</a:t>
+              <a:t>2022-02-28</a:t>
             </a:fld>
             <a:endParaRPr lang="fr-CA"/>
           </a:p>
@@ -2243,7 +2245,7 @@
               <a:pPr>
                 <a:defRPr/>
               </a:pPr>
-              <a:t>2021-11-30</a:t>
+              <a:t>2022-02-28</a:t>
             </a:fld>
             <a:endParaRPr lang="fr-CA"/>
           </a:p>
@@ -2565,7 +2567,7 @@
               <a:pPr>
                 <a:defRPr/>
               </a:pPr>
-              <a:t>2021-11-30</a:t>
+              <a:t>2022-02-28</a:t>
             </a:fld>
             <a:endParaRPr lang="fr-CA"/>
           </a:p>
@@ -2866,7 +2868,7 @@
               <a:pPr>
                 <a:defRPr/>
               </a:pPr>
-              <a:t>2021-11-30</a:t>
+              <a:t>2022-02-28</a:t>
             </a:fld>
             <a:endParaRPr lang="fr-CA"/>
           </a:p>
@@ -3193,7 +3195,7 @@
               <a:pPr>
                 <a:defRPr/>
               </a:pPr>
-              <a:t>2021-11-30</a:t>
+              <a:t>2022-02-28</a:t>
             </a:fld>
             <a:endParaRPr lang="fr-CA"/>
           </a:p>
@@ -10428,6 +10430,91 @@
           </a:p>
         </p:txBody>
       </p:sp>
+      <p:sp>
+        <p:nvSpPr>
+          <p:cNvPr id="59" name="TextBox 58">
+            <a:extLst>
+              <a:ext uri="{FF2B5EF4-FFF2-40B4-BE49-F238E27FC236}">
+                <a16:creationId xmlns:a16="http://schemas.microsoft.com/office/drawing/2014/main" id="{B1191B27-4E26-4EDB-A46D-C90725CD0B2C}"/>
+              </a:ext>
+            </a:extLst>
+          </p:cNvPr>
+          <p:cNvSpPr txBox="1"/>
+          <p:nvPr/>
+        </p:nvSpPr>
+        <p:spPr>
+          <a:xfrm>
+            <a:off x="8264624" y="1587166"/>
+            <a:ext cx="3456383" cy="3139321"/>
+          </a:xfrm>
+          <a:prstGeom prst="rect">
+            <a:avLst/>
+          </a:prstGeom>
+          <a:noFill/>
+        </p:spPr>
+        <p:txBody>
+          <a:bodyPr wrap="square" rtlCol="0">
+            <a:spAutoFit/>
+          </a:bodyPr>
+          <a:lstStyle/>
+          <a:p>
+            <a:r>
+              <a:rPr lang="en-CA" dirty="0"/>
+              <a:t>Distant room using routers</a:t>
+            </a:r>
+          </a:p>
+          <a:p>
+            <a:pPr marL="285750" indent="-285750">
+              <a:buFont typeface="Arial" panose="020B0604020202020204" pitchFamily="34" charset="0"/>
+              <a:buChar char="•"/>
+            </a:pPr>
+            <a:r>
+              <a:rPr lang="en-CA" dirty="0"/>
+              <a:t>You can connect a router to any of the LAN ports</a:t>
+            </a:r>
+          </a:p>
+          <a:p>
+            <a:pPr marL="285750" indent="-285750">
+              <a:buFont typeface="Arial" panose="020B0604020202020204" pitchFamily="34" charset="0"/>
+              <a:buChar char="•"/>
+            </a:pPr>
+            <a:r>
+              <a:rPr lang="en-CA" dirty="0"/>
+              <a:t>On the secondary router(s)</a:t>
+            </a:r>
+          </a:p>
+          <a:p>
+            <a:pPr marL="742950" lvl="1" indent="-285750">
+              <a:buFont typeface="Arial" panose="020B0604020202020204" pitchFamily="34" charset="0"/>
+              <a:buChar char="•"/>
+            </a:pPr>
+            <a:r>
+              <a:rPr lang="en-CA" dirty="0"/>
+              <a:t>For simplicity use different names for each Wi-Fi networks</a:t>
+            </a:r>
+          </a:p>
+          <a:p>
+            <a:pPr marL="742950" lvl="1" indent="-285750">
+              <a:buFont typeface="Arial" panose="020B0604020202020204" pitchFamily="34" charset="0"/>
+              <a:buChar char="•"/>
+            </a:pPr>
+            <a:r>
+              <a:rPr lang="en-CA" dirty="0"/>
+              <a:t>Ideally, change the Wi-Fi channel to be different</a:t>
+            </a:r>
+          </a:p>
+          <a:p>
+            <a:pPr marL="285750" indent="-285750">
+              <a:buFont typeface="Arial" panose="020B0604020202020204" pitchFamily="34" charset="0"/>
+              <a:buChar char="•"/>
+            </a:pPr>
+            <a:r>
+              <a:rPr lang="en-CA" dirty="0"/>
+              <a:t>This should work “plug and play”</a:t>
+            </a:r>
+          </a:p>
+        </p:txBody>
+      </p:sp>
     </p:spTree>
     <p:extLst>
       <p:ext uri="{BB962C8B-B14F-4D97-AF65-F5344CB8AC3E}">
@@ -18810,6 +18897,7472 @@
     <p:extLst>
       <p:ext uri="{BB962C8B-B14F-4D97-AF65-F5344CB8AC3E}">
         <p14:creationId xmlns:p14="http://schemas.microsoft.com/office/powerpoint/2010/main" val="331674897"/>
+      </p:ext>
+    </p:extLst>
+  </p:cSld>
+  <p:clrMapOvr>
+    <a:masterClrMapping/>
+  </p:clrMapOvr>
+</p:sld>
+</file>
+
+<file path=ppt/slides/slide7.xml><?xml version="1.0" encoding="utf-8"?>
+<p:sld xmlns:a="http://schemas.openxmlformats.org/drawingml/2006/main" xmlns:r="http://schemas.openxmlformats.org/officeDocument/2006/relationships" xmlns:p="http://schemas.openxmlformats.org/presentationml/2006/main">
+  <p:cSld>
+    <p:spTree>
+      <p:nvGrpSpPr>
+        <p:cNvPr id="1" name=""/>
+        <p:cNvGrpSpPr/>
+        <p:nvPr/>
+      </p:nvGrpSpPr>
+      <p:grpSpPr>
+        <a:xfrm>
+          <a:off x="0" y="0"/>
+          <a:ext cx="0" cy="0"/>
+          <a:chOff x="0" y="0"/>
+          <a:chExt cx="0" cy="0"/>
+        </a:xfrm>
+      </p:grpSpPr>
+      <p:sp>
+        <p:nvSpPr>
+          <p:cNvPr id="30" name="Rectangle 29">
+            <a:extLst>
+              <a:ext uri="{FF2B5EF4-FFF2-40B4-BE49-F238E27FC236}">
+                <a16:creationId xmlns:a16="http://schemas.microsoft.com/office/drawing/2014/main" id="{4AE8A8C7-6B1F-4CFB-9A86-513007DC18E8}"/>
+              </a:ext>
+            </a:extLst>
+          </p:cNvPr>
+          <p:cNvSpPr/>
+          <p:nvPr/>
+        </p:nvSpPr>
+        <p:spPr>
+          <a:xfrm>
+            <a:off x="8250168" y="2461301"/>
+            <a:ext cx="2448272" cy="356761"/>
+          </a:xfrm>
+          <a:prstGeom prst="rect">
+            <a:avLst/>
+          </a:prstGeom>
+        </p:spPr>
+        <p:style>
+          <a:lnRef idx="2">
+            <a:schemeClr val="accent1">
+              <a:shade val="50000"/>
+            </a:schemeClr>
+          </a:lnRef>
+          <a:fillRef idx="1">
+            <a:schemeClr val="accent1"/>
+          </a:fillRef>
+          <a:effectRef idx="0">
+            <a:schemeClr val="accent1"/>
+          </a:effectRef>
+          <a:fontRef idx="minor">
+            <a:schemeClr val="lt1"/>
+          </a:fontRef>
+        </p:style>
+        <p:txBody>
+          <a:bodyPr rtlCol="0" anchor="ctr"/>
+          <a:lstStyle/>
+          <a:p>
+            <a:pPr algn="ctr"/>
+            <a:endParaRPr lang="en-CA" dirty="0"/>
+          </a:p>
+        </p:txBody>
+      </p:sp>
+      <p:sp>
+        <p:nvSpPr>
+          <p:cNvPr id="31" name="Rectangle 30">
+            <a:extLst>
+              <a:ext uri="{FF2B5EF4-FFF2-40B4-BE49-F238E27FC236}">
+                <a16:creationId xmlns:a16="http://schemas.microsoft.com/office/drawing/2014/main" id="{AB49C974-EC28-4703-9B50-1A09E758AD16}"/>
+              </a:ext>
+            </a:extLst>
+          </p:cNvPr>
+          <p:cNvSpPr/>
+          <p:nvPr/>
+        </p:nvSpPr>
+        <p:spPr>
+          <a:xfrm>
+            <a:off x="8610208" y="2818062"/>
+            <a:ext cx="216024" cy="72008"/>
+          </a:xfrm>
+          <a:prstGeom prst="rect">
+            <a:avLst/>
+          </a:prstGeom>
+        </p:spPr>
+        <p:style>
+          <a:lnRef idx="2">
+            <a:schemeClr val="accent1">
+              <a:shade val="50000"/>
+            </a:schemeClr>
+          </a:lnRef>
+          <a:fillRef idx="1">
+            <a:schemeClr val="accent1"/>
+          </a:fillRef>
+          <a:effectRef idx="0">
+            <a:schemeClr val="accent1"/>
+          </a:effectRef>
+          <a:fontRef idx="minor">
+            <a:schemeClr val="lt1"/>
+          </a:fontRef>
+        </p:style>
+        <p:txBody>
+          <a:bodyPr rtlCol="0" anchor="ctr"/>
+          <a:lstStyle/>
+          <a:p>
+            <a:pPr algn="ctr"/>
+            <a:endParaRPr lang="en-CA" dirty="0"/>
+          </a:p>
+        </p:txBody>
+      </p:sp>
+      <p:sp>
+        <p:nvSpPr>
+          <p:cNvPr id="32" name="Rectangle 31">
+            <a:extLst>
+              <a:ext uri="{FF2B5EF4-FFF2-40B4-BE49-F238E27FC236}">
+                <a16:creationId xmlns:a16="http://schemas.microsoft.com/office/drawing/2014/main" id="{A80BD3E2-353C-4ED5-8BE7-3CF7DD4CEE1D}"/>
+              </a:ext>
+            </a:extLst>
+          </p:cNvPr>
+          <p:cNvSpPr/>
+          <p:nvPr/>
+        </p:nvSpPr>
+        <p:spPr>
+          <a:xfrm>
+            <a:off x="9114264" y="2815594"/>
+            <a:ext cx="216024" cy="72008"/>
+          </a:xfrm>
+          <a:prstGeom prst="rect">
+            <a:avLst/>
+          </a:prstGeom>
+        </p:spPr>
+        <p:style>
+          <a:lnRef idx="2">
+            <a:schemeClr val="accent1">
+              <a:shade val="50000"/>
+            </a:schemeClr>
+          </a:lnRef>
+          <a:fillRef idx="1">
+            <a:schemeClr val="accent1"/>
+          </a:fillRef>
+          <a:effectRef idx="0">
+            <a:schemeClr val="accent1"/>
+          </a:effectRef>
+          <a:fontRef idx="minor">
+            <a:schemeClr val="lt1"/>
+          </a:fontRef>
+        </p:style>
+        <p:txBody>
+          <a:bodyPr rtlCol="0" anchor="ctr"/>
+          <a:lstStyle/>
+          <a:p>
+            <a:pPr algn="ctr"/>
+            <a:endParaRPr lang="en-CA" dirty="0"/>
+          </a:p>
+        </p:txBody>
+      </p:sp>
+      <p:sp>
+        <p:nvSpPr>
+          <p:cNvPr id="33" name="Rectangle 32">
+            <a:extLst>
+              <a:ext uri="{FF2B5EF4-FFF2-40B4-BE49-F238E27FC236}">
+                <a16:creationId xmlns:a16="http://schemas.microsoft.com/office/drawing/2014/main" id="{A513EBEA-DCCC-412B-8008-7A2A599574B6}"/>
+              </a:ext>
+            </a:extLst>
+          </p:cNvPr>
+          <p:cNvSpPr/>
+          <p:nvPr/>
+        </p:nvSpPr>
+        <p:spPr>
+          <a:xfrm>
+            <a:off x="9618320" y="2813126"/>
+            <a:ext cx="216024" cy="72008"/>
+          </a:xfrm>
+          <a:prstGeom prst="rect">
+            <a:avLst/>
+          </a:prstGeom>
+        </p:spPr>
+        <p:style>
+          <a:lnRef idx="2">
+            <a:schemeClr val="accent1">
+              <a:shade val="50000"/>
+            </a:schemeClr>
+          </a:lnRef>
+          <a:fillRef idx="1">
+            <a:schemeClr val="accent1"/>
+          </a:fillRef>
+          <a:effectRef idx="0">
+            <a:schemeClr val="accent1"/>
+          </a:effectRef>
+          <a:fontRef idx="minor">
+            <a:schemeClr val="lt1"/>
+          </a:fontRef>
+        </p:style>
+        <p:txBody>
+          <a:bodyPr rtlCol="0" anchor="ctr"/>
+          <a:lstStyle/>
+          <a:p>
+            <a:pPr algn="ctr"/>
+            <a:endParaRPr lang="en-CA" dirty="0"/>
+          </a:p>
+        </p:txBody>
+      </p:sp>
+      <p:sp>
+        <p:nvSpPr>
+          <p:cNvPr id="34" name="Rectangle 33">
+            <a:extLst>
+              <a:ext uri="{FF2B5EF4-FFF2-40B4-BE49-F238E27FC236}">
+                <a16:creationId xmlns:a16="http://schemas.microsoft.com/office/drawing/2014/main" id="{1CE25822-A37E-4C5A-94C0-CBE954404DF2}"/>
+              </a:ext>
+            </a:extLst>
+          </p:cNvPr>
+          <p:cNvSpPr/>
+          <p:nvPr/>
+        </p:nvSpPr>
+        <p:spPr>
+          <a:xfrm>
+            <a:off x="10145802" y="2810658"/>
+            <a:ext cx="216024" cy="72008"/>
+          </a:xfrm>
+          <a:prstGeom prst="rect">
+            <a:avLst/>
+          </a:prstGeom>
+        </p:spPr>
+        <p:style>
+          <a:lnRef idx="2">
+            <a:schemeClr val="accent1">
+              <a:shade val="50000"/>
+            </a:schemeClr>
+          </a:lnRef>
+          <a:fillRef idx="1">
+            <a:schemeClr val="accent1"/>
+          </a:fillRef>
+          <a:effectRef idx="0">
+            <a:schemeClr val="accent1"/>
+          </a:effectRef>
+          <a:fontRef idx="minor">
+            <a:schemeClr val="lt1"/>
+          </a:fontRef>
+        </p:style>
+        <p:txBody>
+          <a:bodyPr rtlCol="0" anchor="ctr"/>
+          <a:lstStyle/>
+          <a:p>
+            <a:pPr algn="ctr"/>
+            <a:endParaRPr lang="en-CA" dirty="0"/>
+          </a:p>
+        </p:txBody>
+      </p:sp>
+      <p:sp>
+        <p:nvSpPr>
+          <p:cNvPr id="35" name="Rectangle 34">
+            <a:extLst>
+              <a:ext uri="{FF2B5EF4-FFF2-40B4-BE49-F238E27FC236}">
+                <a16:creationId xmlns:a16="http://schemas.microsoft.com/office/drawing/2014/main" id="{796E87CD-873D-4D91-811C-744B2DF51BCB}"/>
+              </a:ext>
+            </a:extLst>
+          </p:cNvPr>
+          <p:cNvSpPr/>
+          <p:nvPr/>
+        </p:nvSpPr>
+        <p:spPr>
+          <a:xfrm>
+            <a:off x="10050416" y="2097982"/>
+            <a:ext cx="216024" cy="72008"/>
+          </a:xfrm>
+          <a:prstGeom prst="rect">
+            <a:avLst/>
+          </a:prstGeom>
+          <a:solidFill>
+            <a:schemeClr val="accent6">
+              <a:lumMod val="60000"/>
+              <a:lumOff val="40000"/>
+            </a:schemeClr>
+          </a:solidFill>
+        </p:spPr>
+        <p:style>
+          <a:lnRef idx="2">
+            <a:schemeClr val="accent1">
+              <a:shade val="50000"/>
+            </a:schemeClr>
+          </a:lnRef>
+          <a:fillRef idx="1">
+            <a:schemeClr val="accent1"/>
+          </a:fillRef>
+          <a:effectRef idx="0">
+            <a:schemeClr val="accent1"/>
+          </a:effectRef>
+          <a:fontRef idx="minor">
+            <a:schemeClr val="lt1"/>
+          </a:fontRef>
+        </p:style>
+        <p:txBody>
+          <a:bodyPr rtlCol="0" anchor="ctr"/>
+          <a:lstStyle/>
+          <a:p>
+            <a:pPr algn="ctr"/>
+            <a:endParaRPr lang="en-CA" dirty="0"/>
+          </a:p>
+        </p:txBody>
+      </p:sp>
+      <p:sp>
+        <p:nvSpPr>
+          <p:cNvPr id="36" name="Rectangle 35">
+            <a:extLst>
+              <a:ext uri="{FF2B5EF4-FFF2-40B4-BE49-F238E27FC236}">
+                <a16:creationId xmlns:a16="http://schemas.microsoft.com/office/drawing/2014/main" id="{88222FCC-8ECC-4E30-95B2-D716BB11A3E8}"/>
+              </a:ext>
+            </a:extLst>
+          </p:cNvPr>
+          <p:cNvSpPr/>
+          <p:nvPr/>
+        </p:nvSpPr>
+        <p:spPr>
+          <a:xfrm>
+            <a:off x="9618320" y="2169990"/>
+            <a:ext cx="1080120" cy="295435"/>
+          </a:xfrm>
+          <a:prstGeom prst="rect">
+            <a:avLst/>
+          </a:prstGeom>
+          <a:solidFill>
+            <a:schemeClr val="accent6">
+              <a:lumMod val="60000"/>
+              <a:lumOff val="40000"/>
+            </a:schemeClr>
+          </a:solidFill>
+        </p:spPr>
+        <p:style>
+          <a:lnRef idx="2">
+            <a:schemeClr val="accent1">
+              <a:shade val="50000"/>
+            </a:schemeClr>
+          </a:lnRef>
+          <a:fillRef idx="1">
+            <a:schemeClr val="accent1"/>
+          </a:fillRef>
+          <a:effectRef idx="0">
+            <a:schemeClr val="accent1"/>
+          </a:effectRef>
+          <a:fontRef idx="minor">
+            <a:schemeClr val="lt1"/>
+          </a:fontRef>
+        </p:style>
+        <p:txBody>
+          <a:bodyPr rtlCol="0" anchor="ctr"/>
+          <a:lstStyle/>
+          <a:p>
+            <a:pPr algn="ctr"/>
+            <a:endParaRPr lang="en-CA" dirty="0"/>
+          </a:p>
+        </p:txBody>
+      </p:sp>
+      <p:cxnSp>
+        <p:nvCxnSpPr>
+          <p:cNvPr id="62" name="Connector: Elbow 61">
+            <a:extLst>
+              <a:ext uri="{FF2B5EF4-FFF2-40B4-BE49-F238E27FC236}">
+                <a16:creationId xmlns:a16="http://schemas.microsoft.com/office/drawing/2014/main" id="{E507EDF3-5B0B-45E6-A7BC-CE2C7215129E}"/>
+              </a:ext>
+            </a:extLst>
+          </p:cNvPr>
+          <p:cNvCxnSpPr>
+            <a:stCxn id="45" idx="0"/>
+            <a:endCxn id="31" idx="2"/>
+          </p:cNvCxnSpPr>
+          <p:nvPr/>
+        </p:nvCxnSpPr>
+        <p:spPr>
+          <a:xfrm rot="16200000" flipH="1">
+            <a:off x="6182433" y="354283"/>
+            <a:ext cx="613198" cy="4458376"/>
+          </a:xfrm>
+          <a:prstGeom prst="bentConnector5">
+            <a:avLst>
+              <a:gd name="adj1" fmla="val -37280"/>
+              <a:gd name="adj2" fmla="val 50000"/>
+              <a:gd name="adj3" fmla="val 137280"/>
+            </a:avLst>
+          </a:prstGeom>
+          <a:ln>
+            <a:tailEnd type="triangle"/>
+          </a:ln>
+        </p:spPr>
+        <p:style>
+          <a:lnRef idx="1">
+            <a:schemeClr val="accent1"/>
+          </a:lnRef>
+          <a:fillRef idx="0">
+            <a:schemeClr val="accent1"/>
+          </a:fillRef>
+          <a:effectRef idx="0">
+            <a:schemeClr val="accent1"/>
+          </a:effectRef>
+          <a:fontRef idx="minor">
+            <a:schemeClr val="tx1"/>
+          </a:fontRef>
+        </p:style>
+      </p:cxnSp>
+      <p:grpSp>
+        <p:nvGrpSpPr>
+          <p:cNvPr id="78" name="Group 77">
+            <a:extLst>
+              <a:ext uri="{FF2B5EF4-FFF2-40B4-BE49-F238E27FC236}">
+                <a16:creationId xmlns:a16="http://schemas.microsoft.com/office/drawing/2014/main" id="{C09B12F5-3A08-4030-9EB0-24C36005F479}"/>
+              </a:ext>
+            </a:extLst>
+          </p:cNvPr>
+          <p:cNvGrpSpPr/>
+          <p:nvPr/>
+        </p:nvGrpSpPr>
+        <p:grpSpPr>
+          <a:xfrm flipV="1">
+            <a:off x="862973" y="5758130"/>
+            <a:ext cx="2448272" cy="428769"/>
+            <a:chOff x="4780743" y="4587645"/>
+            <a:chExt cx="2448272" cy="428769"/>
+          </a:xfrm>
+        </p:grpSpPr>
+        <p:sp>
+          <p:nvSpPr>
+            <p:cNvPr id="79" name="Rectangle 78">
+              <a:extLst>
+                <a:ext uri="{FF2B5EF4-FFF2-40B4-BE49-F238E27FC236}">
+                  <a16:creationId xmlns:a16="http://schemas.microsoft.com/office/drawing/2014/main" id="{CAA13C98-962C-42A2-B0B1-75BC1B2E70AE}"/>
+                </a:ext>
+              </a:extLst>
+            </p:cNvPr>
+            <p:cNvSpPr/>
+            <p:nvPr/>
+          </p:nvSpPr>
+          <p:spPr>
+            <a:xfrm>
+              <a:off x="4780743" y="4587645"/>
+              <a:ext cx="2448272" cy="356761"/>
+            </a:xfrm>
+            <a:prstGeom prst="rect">
+              <a:avLst/>
+            </a:prstGeom>
+          </p:spPr>
+          <p:style>
+            <a:lnRef idx="2">
+              <a:schemeClr val="accent1">
+                <a:shade val="50000"/>
+              </a:schemeClr>
+            </a:lnRef>
+            <a:fillRef idx="1">
+              <a:schemeClr val="accent1"/>
+            </a:fillRef>
+            <a:effectRef idx="0">
+              <a:schemeClr val="accent1"/>
+            </a:effectRef>
+            <a:fontRef idx="minor">
+              <a:schemeClr val="lt1"/>
+            </a:fontRef>
+          </p:style>
+          <p:txBody>
+            <a:bodyPr rtlCol="0" anchor="ctr"/>
+            <a:lstStyle/>
+            <a:p>
+              <a:pPr algn="ctr"/>
+              <a:endParaRPr lang="en-CA" dirty="0"/>
+            </a:p>
+          </p:txBody>
+        </p:sp>
+        <p:sp>
+          <p:nvSpPr>
+            <p:cNvPr id="80" name="Rectangle 79">
+              <a:extLst>
+                <a:ext uri="{FF2B5EF4-FFF2-40B4-BE49-F238E27FC236}">
+                  <a16:creationId xmlns:a16="http://schemas.microsoft.com/office/drawing/2014/main" id="{EDE4E674-54F1-42DD-9B82-C2CFDC3C66C5}"/>
+                </a:ext>
+              </a:extLst>
+            </p:cNvPr>
+            <p:cNvSpPr/>
+            <p:nvPr/>
+          </p:nvSpPr>
+          <p:spPr>
+            <a:xfrm>
+              <a:off x="5140783" y="4944406"/>
+              <a:ext cx="216024" cy="72008"/>
+            </a:xfrm>
+            <a:prstGeom prst="rect">
+              <a:avLst/>
+            </a:prstGeom>
+          </p:spPr>
+          <p:style>
+            <a:lnRef idx="2">
+              <a:schemeClr val="accent1">
+                <a:shade val="50000"/>
+              </a:schemeClr>
+            </a:lnRef>
+            <a:fillRef idx="1">
+              <a:schemeClr val="accent1"/>
+            </a:fillRef>
+            <a:effectRef idx="0">
+              <a:schemeClr val="accent1"/>
+            </a:effectRef>
+            <a:fontRef idx="minor">
+              <a:schemeClr val="lt1"/>
+            </a:fontRef>
+          </p:style>
+          <p:txBody>
+            <a:bodyPr rtlCol="0" anchor="ctr"/>
+            <a:lstStyle/>
+            <a:p>
+              <a:pPr algn="ctr"/>
+              <a:endParaRPr lang="en-CA" dirty="0"/>
+            </a:p>
+          </p:txBody>
+        </p:sp>
+        <p:sp>
+          <p:nvSpPr>
+            <p:cNvPr id="81" name="Rectangle 80">
+              <a:extLst>
+                <a:ext uri="{FF2B5EF4-FFF2-40B4-BE49-F238E27FC236}">
+                  <a16:creationId xmlns:a16="http://schemas.microsoft.com/office/drawing/2014/main" id="{99C9EEC0-3B2A-45B5-89BD-89241625A9EF}"/>
+                </a:ext>
+              </a:extLst>
+            </p:cNvPr>
+            <p:cNvSpPr/>
+            <p:nvPr/>
+          </p:nvSpPr>
+          <p:spPr>
+            <a:xfrm>
+              <a:off x="5644839" y="4941938"/>
+              <a:ext cx="216024" cy="72008"/>
+            </a:xfrm>
+            <a:prstGeom prst="rect">
+              <a:avLst/>
+            </a:prstGeom>
+          </p:spPr>
+          <p:style>
+            <a:lnRef idx="2">
+              <a:schemeClr val="accent1">
+                <a:shade val="50000"/>
+              </a:schemeClr>
+            </a:lnRef>
+            <a:fillRef idx="1">
+              <a:schemeClr val="accent1"/>
+            </a:fillRef>
+            <a:effectRef idx="0">
+              <a:schemeClr val="accent1"/>
+            </a:effectRef>
+            <a:fontRef idx="minor">
+              <a:schemeClr val="lt1"/>
+            </a:fontRef>
+          </p:style>
+          <p:txBody>
+            <a:bodyPr rtlCol="0" anchor="ctr"/>
+            <a:lstStyle/>
+            <a:p>
+              <a:pPr algn="ctr"/>
+              <a:endParaRPr lang="en-CA" dirty="0"/>
+            </a:p>
+          </p:txBody>
+        </p:sp>
+        <p:sp>
+          <p:nvSpPr>
+            <p:cNvPr id="82" name="Rectangle 81">
+              <a:extLst>
+                <a:ext uri="{FF2B5EF4-FFF2-40B4-BE49-F238E27FC236}">
+                  <a16:creationId xmlns:a16="http://schemas.microsoft.com/office/drawing/2014/main" id="{429051E5-381A-4A0B-955C-DF79D7C66381}"/>
+                </a:ext>
+              </a:extLst>
+            </p:cNvPr>
+            <p:cNvSpPr/>
+            <p:nvPr/>
+          </p:nvSpPr>
+          <p:spPr>
+            <a:xfrm>
+              <a:off x="6148895" y="4939470"/>
+              <a:ext cx="216024" cy="72008"/>
+            </a:xfrm>
+            <a:prstGeom prst="rect">
+              <a:avLst/>
+            </a:prstGeom>
+          </p:spPr>
+          <p:style>
+            <a:lnRef idx="2">
+              <a:schemeClr val="accent1">
+                <a:shade val="50000"/>
+              </a:schemeClr>
+            </a:lnRef>
+            <a:fillRef idx="1">
+              <a:schemeClr val="accent1"/>
+            </a:fillRef>
+            <a:effectRef idx="0">
+              <a:schemeClr val="accent1"/>
+            </a:effectRef>
+            <a:fontRef idx="minor">
+              <a:schemeClr val="lt1"/>
+            </a:fontRef>
+          </p:style>
+          <p:txBody>
+            <a:bodyPr rtlCol="0" anchor="ctr"/>
+            <a:lstStyle/>
+            <a:p>
+              <a:pPr algn="ctr"/>
+              <a:endParaRPr lang="en-CA" dirty="0"/>
+            </a:p>
+          </p:txBody>
+        </p:sp>
+        <p:sp>
+          <p:nvSpPr>
+            <p:cNvPr id="83" name="Rectangle 82">
+              <a:extLst>
+                <a:ext uri="{FF2B5EF4-FFF2-40B4-BE49-F238E27FC236}">
+                  <a16:creationId xmlns:a16="http://schemas.microsoft.com/office/drawing/2014/main" id="{01306FD8-B11D-4E55-88EE-27DB148E0DA8}"/>
+                </a:ext>
+              </a:extLst>
+            </p:cNvPr>
+            <p:cNvSpPr/>
+            <p:nvPr/>
+          </p:nvSpPr>
+          <p:spPr>
+            <a:xfrm>
+              <a:off x="6652951" y="4937002"/>
+              <a:ext cx="216024" cy="72008"/>
+            </a:xfrm>
+            <a:prstGeom prst="rect">
+              <a:avLst/>
+            </a:prstGeom>
+          </p:spPr>
+          <p:style>
+            <a:lnRef idx="2">
+              <a:schemeClr val="accent1">
+                <a:shade val="50000"/>
+              </a:schemeClr>
+            </a:lnRef>
+            <a:fillRef idx="1">
+              <a:schemeClr val="accent1"/>
+            </a:fillRef>
+            <a:effectRef idx="0">
+              <a:schemeClr val="accent1"/>
+            </a:effectRef>
+            <a:fontRef idx="minor">
+              <a:schemeClr val="lt1"/>
+            </a:fontRef>
+          </p:style>
+          <p:txBody>
+            <a:bodyPr rtlCol="0" anchor="ctr"/>
+            <a:lstStyle/>
+            <a:p>
+              <a:pPr algn="ctr"/>
+              <a:endParaRPr lang="en-CA" dirty="0"/>
+            </a:p>
+          </p:txBody>
+        </p:sp>
+      </p:grpSp>
+      <p:sp>
+        <p:nvSpPr>
+          <p:cNvPr id="86" name="Thought Bubble: Cloud 85">
+            <a:extLst>
+              <a:ext uri="{FF2B5EF4-FFF2-40B4-BE49-F238E27FC236}">
+                <a16:creationId xmlns:a16="http://schemas.microsoft.com/office/drawing/2014/main" id="{015244E2-5618-4B8B-8BFA-D45976ABD90D}"/>
+              </a:ext>
+            </a:extLst>
+          </p:cNvPr>
+          <p:cNvSpPr/>
+          <p:nvPr/>
+        </p:nvSpPr>
+        <p:spPr>
+          <a:xfrm>
+            <a:off x="9450586" y="1196752"/>
+            <a:ext cx="1415587" cy="522833"/>
+          </a:xfrm>
+          <a:prstGeom prst="cloudCallout">
+            <a:avLst>
+              <a:gd name="adj1" fmla="val -7169"/>
+              <a:gd name="adj2" fmla="val 32230"/>
+            </a:avLst>
+          </a:prstGeom>
+        </p:spPr>
+        <p:style>
+          <a:lnRef idx="2">
+            <a:schemeClr val="accent1">
+              <a:shade val="50000"/>
+            </a:schemeClr>
+          </a:lnRef>
+          <a:fillRef idx="1">
+            <a:schemeClr val="accent1"/>
+          </a:fillRef>
+          <a:effectRef idx="0">
+            <a:schemeClr val="accent1"/>
+          </a:effectRef>
+          <a:fontRef idx="minor">
+            <a:schemeClr val="lt1"/>
+          </a:fontRef>
+        </p:style>
+        <p:txBody>
+          <a:bodyPr rtlCol="0" anchor="ctr"/>
+          <a:lstStyle/>
+          <a:p>
+            <a:pPr algn="ctr"/>
+            <a:endParaRPr lang="en-CA" dirty="0"/>
+          </a:p>
+        </p:txBody>
+      </p:sp>
+      <p:cxnSp>
+        <p:nvCxnSpPr>
+          <p:cNvPr id="88" name="Straight Arrow Connector 87">
+            <a:extLst>
+              <a:ext uri="{FF2B5EF4-FFF2-40B4-BE49-F238E27FC236}">
+                <a16:creationId xmlns:a16="http://schemas.microsoft.com/office/drawing/2014/main" id="{E8D38BCD-6C5A-440C-85F3-EC475A271956}"/>
+              </a:ext>
+            </a:extLst>
+          </p:cNvPr>
+          <p:cNvCxnSpPr>
+            <a:cxnSpLocks/>
+            <a:stCxn id="35" idx="0"/>
+            <a:endCxn id="86" idx="1"/>
+          </p:cNvCxnSpPr>
+          <p:nvPr/>
+        </p:nvCxnSpPr>
+        <p:spPr>
+          <a:xfrm flipH="1" flipV="1">
+            <a:off x="10158380" y="1719028"/>
+            <a:ext cx="48" cy="378954"/>
+          </a:xfrm>
+          <a:prstGeom prst="straightConnector1">
+            <a:avLst/>
+          </a:prstGeom>
+          <a:ln>
+            <a:tailEnd type="triangle"/>
+          </a:ln>
+        </p:spPr>
+        <p:style>
+          <a:lnRef idx="1">
+            <a:schemeClr val="accent1"/>
+          </a:lnRef>
+          <a:fillRef idx="0">
+            <a:schemeClr val="accent1"/>
+          </a:fillRef>
+          <a:effectRef idx="0">
+            <a:schemeClr val="accent1"/>
+          </a:effectRef>
+          <a:fontRef idx="minor">
+            <a:schemeClr val="tx1"/>
+          </a:fontRef>
+        </p:style>
+      </p:cxnSp>
+      <p:sp>
+        <p:nvSpPr>
+          <p:cNvPr id="92" name="TextBox 91">
+            <a:extLst>
+              <a:ext uri="{FF2B5EF4-FFF2-40B4-BE49-F238E27FC236}">
+                <a16:creationId xmlns:a16="http://schemas.microsoft.com/office/drawing/2014/main" id="{EA0319E4-3195-4BEC-B9FD-61CD453B997C}"/>
+              </a:ext>
+            </a:extLst>
+          </p:cNvPr>
+          <p:cNvSpPr txBox="1"/>
+          <p:nvPr/>
+        </p:nvSpPr>
+        <p:spPr>
+          <a:xfrm>
+            <a:off x="9656478" y="2207145"/>
+            <a:ext cx="1003801" cy="246221"/>
+          </a:xfrm>
+          <a:prstGeom prst="rect">
+            <a:avLst/>
+          </a:prstGeom>
+          <a:noFill/>
+        </p:spPr>
+        <p:txBody>
+          <a:bodyPr wrap="none" rtlCol="0">
+            <a:spAutoFit/>
+          </a:bodyPr>
+          <a:lstStyle/>
+          <a:p>
+            <a:r>
+              <a:rPr lang="en-CA" sz="1000" dirty="0">
+                <a:effectLst/>
+              </a:rPr>
+              <a:t>107.171.217.85</a:t>
+            </a:r>
+            <a:endParaRPr lang="en-CA" sz="1000" dirty="0"/>
+          </a:p>
+        </p:txBody>
+      </p:sp>
+      <p:sp>
+        <p:nvSpPr>
+          <p:cNvPr id="94" name="TextBox 93">
+            <a:extLst>
+              <a:ext uri="{FF2B5EF4-FFF2-40B4-BE49-F238E27FC236}">
+                <a16:creationId xmlns:a16="http://schemas.microsoft.com/office/drawing/2014/main" id="{9BC7811A-D426-477A-8F80-33FE8D47415C}"/>
+              </a:ext>
+            </a:extLst>
+          </p:cNvPr>
+          <p:cNvSpPr txBox="1"/>
+          <p:nvPr/>
+        </p:nvSpPr>
+        <p:spPr>
+          <a:xfrm>
+            <a:off x="9313589" y="2514526"/>
+            <a:ext cx="609462" cy="246221"/>
+          </a:xfrm>
+          <a:prstGeom prst="rect">
+            <a:avLst/>
+          </a:prstGeom>
+          <a:noFill/>
+        </p:spPr>
+        <p:txBody>
+          <a:bodyPr wrap="none" rtlCol="0">
+            <a:spAutoFit/>
+          </a:bodyPr>
+          <a:lstStyle/>
+          <a:p>
+            <a:r>
+              <a:rPr lang="en-CA" sz="1000" dirty="0">
+                <a:effectLst/>
+              </a:rPr>
+              <a:t>10.0.0.1</a:t>
+            </a:r>
+            <a:endParaRPr lang="en-CA" sz="1000" dirty="0"/>
+          </a:p>
+        </p:txBody>
+      </p:sp>
+      <p:grpSp>
+        <p:nvGrpSpPr>
+          <p:cNvPr id="105" name="Group 104">
+            <a:extLst>
+              <a:ext uri="{FF2B5EF4-FFF2-40B4-BE49-F238E27FC236}">
+                <a16:creationId xmlns:a16="http://schemas.microsoft.com/office/drawing/2014/main" id="{D58E914C-2D3F-4B4F-8E3B-1F77EA9102DE}"/>
+              </a:ext>
+            </a:extLst>
+          </p:cNvPr>
+          <p:cNvGrpSpPr/>
+          <p:nvPr/>
+        </p:nvGrpSpPr>
+        <p:grpSpPr>
+          <a:xfrm>
+            <a:off x="8250144" y="2178276"/>
+            <a:ext cx="1368152" cy="285087"/>
+            <a:chOff x="1085069" y="2104442"/>
+            <a:chExt cx="1368152" cy="295435"/>
+          </a:xfrm>
+        </p:grpSpPr>
+        <p:sp>
+          <p:nvSpPr>
+            <p:cNvPr id="106" name="Rectangle 105">
+              <a:extLst>
+                <a:ext uri="{FF2B5EF4-FFF2-40B4-BE49-F238E27FC236}">
+                  <a16:creationId xmlns:a16="http://schemas.microsoft.com/office/drawing/2014/main" id="{5FA13817-4A0D-49C0-980F-DC2C3FFE02E4}"/>
+                </a:ext>
+              </a:extLst>
+            </p:cNvPr>
+            <p:cNvSpPr/>
+            <p:nvPr/>
+          </p:nvSpPr>
+          <p:spPr>
+            <a:xfrm>
+              <a:off x="1085069" y="2104442"/>
+              <a:ext cx="1368152" cy="295435"/>
+            </a:xfrm>
+            <a:prstGeom prst="rect">
+              <a:avLst/>
+            </a:prstGeom>
+            <a:solidFill>
+              <a:schemeClr val="accent5">
+                <a:lumMod val="60000"/>
+                <a:lumOff val="40000"/>
+              </a:schemeClr>
+            </a:solidFill>
+          </p:spPr>
+          <p:style>
+            <a:lnRef idx="2">
+              <a:schemeClr val="accent1">
+                <a:shade val="50000"/>
+              </a:schemeClr>
+            </a:lnRef>
+            <a:fillRef idx="1">
+              <a:schemeClr val="accent1"/>
+            </a:fillRef>
+            <a:effectRef idx="0">
+              <a:schemeClr val="accent1"/>
+            </a:effectRef>
+            <a:fontRef idx="minor">
+              <a:schemeClr val="lt1"/>
+            </a:fontRef>
+          </p:style>
+          <p:txBody>
+            <a:bodyPr rtlCol="0" anchor="ctr"/>
+            <a:lstStyle/>
+            <a:p>
+              <a:pPr algn="ctr"/>
+              <a:endParaRPr lang="en-CA" dirty="0"/>
+            </a:p>
+          </p:txBody>
+        </p:sp>
+        <p:pic>
+          <p:nvPicPr>
+            <p:cNvPr id="107" name="Picture 106">
+              <a:extLst>
+                <a:ext uri="{FF2B5EF4-FFF2-40B4-BE49-F238E27FC236}">
+                  <a16:creationId xmlns:a16="http://schemas.microsoft.com/office/drawing/2014/main" id="{8E2E8399-FA69-4B89-8031-C2F1B3C0365B}"/>
+                </a:ext>
+              </a:extLst>
+            </p:cNvPr>
+            <p:cNvPicPr>
+              <a:picLocks noChangeAspect="1"/>
+            </p:cNvPicPr>
+            <p:nvPr/>
+          </p:nvPicPr>
+          <p:blipFill>
+            <a:blip r:embed="rId2">
+              <a:extLst>
+                <a:ext uri="{28A0092B-C50C-407E-A947-70E740481C1C}">
+                  <a14:useLocalDpi xmlns:a14="http://schemas.microsoft.com/office/drawing/2010/main" val="0"/>
+                </a:ext>
+                <a:ext uri="{837473B0-CC2E-450A-ABE3-18F120FF3D39}">
+                  <a1611:picAttrSrcUrl xmlns:a1611="http://schemas.microsoft.com/office/drawing/2016/11/main" r:id="rId3"/>
+                </a:ext>
+              </a:extLst>
+            </a:blip>
+            <a:stretch>
+              <a:fillRect/>
+            </a:stretch>
+          </p:blipFill>
+          <p:spPr>
+            <a:xfrm>
+              <a:off x="1691850" y="2187014"/>
+              <a:ext cx="182880" cy="134684"/>
+            </a:xfrm>
+            <a:prstGeom prst="rect">
+              <a:avLst/>
+            </a:prstGeom>
+          </p:spPr>
+        </p:pic>
+      </p:grpSp>
+      <p:sp>
+        <p:nvSpPr>
+          <p:cNvPr id="108" name="TextBox 107">
+            <a:extLst>
+              <a:ext uri="{FF2B5EF4-FFF2-40B4-BE49-F238E27FC236}">
+                <a16:creationId xmlns:a16="http://schemas.microsoft.com/office/drawing/2014/main" id="{80355986-CD43-4C65-A070-86A2CF35CE57}"/>
+              </a:ext>
+            </a:extLst>
+          </p:cNvPr>
+          <p:cNvSpPr txBox="1"/>
+          <p:nvPr/>
+        </p:nvSpPr>
+        <p:spPr>
+          <a:xfrm>
+            <a:off x="8256302" y="1803887"/>
+            <a:ext cx="1312667" cy="307777"/>
+          </a:xfrm>
+          <a:prstGeom prst="rect">
+            <a:avLst/>
+          </a:prstGeom>
+          <a:noFill/>
+        </p:spPr>
+        <p:txBody>
+          <a:bodyPr wrap="none" rtlCol="0">
+            <a:spAutoFit/>
+          </a:bodyPr>
+          <a:lstStyle/>
+          <a:p>
+            <a:r>
+              <a:rPr lang="en-CA" sz="1400" dirty="0"/>
+              <a:t>Internet Router</a:t>
+            </a:r>
+          </a:p>
+        </p:txBody>
+      </p:sp>
+      <p:pic>
+        <p:nvPicPr>
+          <p:cNvPr id="110" name="Graphic 6" descr="Laptop">
+            <a:extLst>
+              <a:ext uri="{FF2B5EF4-FFF2-40B4-BE49-F238E27FC236}">
+                <a16:creationId xmlns:a16="http://schemas.microsoft.com/office/drawing/2014/main" id="{0821E5EE-91D3-45FD-8FF0-11AB2164C23D}"/>
+              </a:ext>
+            </a:extLst>
+          </p:cNvPr>
+          <p:cNvPicPr>
+            <a:picLocks noChangeAspect="1" noChangeArrowheads="1"/>
+          </p:cNvPicPr>
+          <p:nvPr/>
+        </p:nvPicPr>
+        <p:blipFill>
+          <a:blip r:embed="rId4">
+            <a:extLst>
+              <a:ext uri="{28A0092B-C50C-407E-A947-70E740481C1C}">
+                <a14:useLocalDpi xmlns:a14="http://schemas.microsoft.com/office/drawing/2010/main" val="0"/>
+              </a:ext>
+            </a:extLst>
+          </a:blip>
+          <a:srcRect/>
+          <a:stretch>
+            <a:fillRect/>
+          </a:stretch>
+        </p:blipFill>
+        <p:spPr bwMode="auto">
+          <a:xfrm>
+            <a:off x="8996375" y="3365063"/>
+            <a:ext cx="457204" cy="457204"/>
+          </a:xfrm>
+          <a:prstGeom prst="rect">
+            <a:avLst/>
+          </a:prstGeom>
+          <a:noFill/>
+          <a:ln>
+            <a:noFill/>
+          </a:ln>
+          <a:extLst>
+            <a:ext uri="{909E8E84-426E-40DD-AFC4-6F175D3DCCD1}">
+              <a14:hiddenFill xmlns:a14="http://schemas.microsoft.com/office/drawing/2010/main">
+                <a:solidFill>
+                  <a:srgbClr val="FFFFFF"/>
+                </a:solidFill>
+              </a14:hiddenFill>
+            </a:ext>
+            <a:ext uri="{91240B29-F687-4F45-9708-019B960494DF}">
+              <a14:hiddenLine xmlns:a14="http://schemas.microsoft.com/office/drawing/2010/main" w="9525">
+                <a:solidFill>
+                  <a:srgbClr val="000000"/>
+                </a:solidFill>
+                <a:miter lim="800000"/>
+                <a:headEnd/>
+                <a:tailEnd/>
+              </a14:hiddenLine>
+            </a:ext>
+          </a:extLst>
+        </p:spPr>
+      </p:pic>
+      <p:grpSp>
+        <p:nvGrpSpPr>
+          <p:cNvPr id="16" name="Group 15">
+            <a:extLst>
+              <a:ext uri="{FF2B5EF4-FFF2-40B4-BE49-F238E27FC236}">
+                <a16:creationId xmlns:a16="http://schemas.microsoft.com/office/drawing/2014/main" id="{5E7A9EB4-582B-4052-9281-A83C8301F35F}"/>
+              </a:ext>
+            </a:extLst>
+          </p:cNvPr>
+          <p:cNvGrpSpPr/>
+          <p:nvPr/>
+        </p:nvGrpSpPr>
+        <p:grpSpPr>
+          <a:xfrm>
+            <a:off x="5331622" y="4018421"/>
+            <a:ext cx="1234632" cy="850739"/>
+            <a:chOff x="5932259" y="3738627"/>
+            <a:chExt cx="1234632" cy="850739"/>
+          </a:xfrm>
+        </p:grpSpPr>
+        <p:pic>
+          <p:nvPicPr>
+            <p:cNvPr id="113" name="Graphic 6" descr="Laptop">
+              <a:extLst>
+                <a:ext uri="{FF2B5EF4-FFF2-40B4-BE49-F238E27FC236}">
+                  <a16:creationId xmlns:a16="http://schemas.microsoft.com/office/drawing/2014/main" id="{CF7B2BCB-B358-4AE4-82F4-DC0932CD7187}"/>
+                </a:ext>
+              </a:extLst>
+            </p:cNvPr>
+            <p:cNvPicPr>
+              <a:picLocks noChangeAspect="1" noChangeArrowheads="1"/>
+            </p:cNvPicPr>
+            <p:nvPr/>
+          </p:nvPicPr>
+          <p:blipFill>
+            <a:blip r:embed="rId4">
+              <a:duotone>
+                <a:prstClr val="black"/>
+                <a:srgbClr val="7030A0">
+                  <a:tint val="45000"/>
+                  <a:satMod val="400000"/>
+                </a:srgbClr>
+              </a:duotone>
+              <a:extLst>
+                <a:ext uri="{28A0092B-C50C-407E-A947-70E740481C1C}">
+                  <a14:useLocalDpi xmlns:a14="http://schemas.microsoft.com/office/drawing/2010/main" val="0"/>
+                </a:ext>
+              </a:extLst>
+            </a:blip>
+            <a:srcRect/>
+            <a:stretch>
+              <a:fillRect/>
+            </a:stretch>
+          </p:blipFill>
+          <p:spPr bwMode="auto">
+            <a:xfrm>
+              <a:off x="6305952" y="3738627"/>
+              <a:ext cx="457204" cy="457204"/>
+            </a:xfrm>
+            <a:prstGeom prst="rect">
+              <a:avLst/>
+            </a:prstGeom>
+            <a:noFill/>
+            <a:ln>
+              <a:noFill/>
+            </a:ln>
+            <a:extLst>
+              <a:ext uri="{909E8E84-426E-40DD-AFC4-6F175D3DCCD1}">
+                <a14:hiddenFill xmlns:a14="http://schemas.microsoft.com/office/drawing/2010/main">
+                  <a:solidFill>
+                    <a:srgbClr val="FFFFFF"/>
+                  </a:solidFill>
+                </a14:hiddenFill>
+              </a:ext>
+              <a:ext uri="{91240B29-F687-4F45-9708-019B960494DF}">
+                <a14:hiddenLine xmlns:a14="http://schemas.microsoft.com/office/drawing/2010/main" w="9525">
+                  <a:solidFill>
+                    <a:srgbClr val="000000"/>
+                  </a:solidFill>
+                  <a:miter lim="800000"/>
+                  <a:headEnd/>
+                  <a:tailEnd/>
+                </a14:hiddenLine>
+              </a:ext>
+            </a:extLst>
+          </p:spPr>
+        </p:pic>
+        <p:sp>
+          <p:nvSpPr>
+            <p:cNvPr id="114" name="TextBox 113">
+              <a:extLst>
+                <a:ext uri="{FF2B5EF4-FFF2-40B4-BE49-F238E27FC236}">
+                  <a16:creationId xmlns:a16="http://schemas.microsoft.com/office/drawing/2014/main" id="{AAF12F8E-9889-4C2D-9CB8-5B4D4D68C374}"/>
+                </a:ext>
+              </a:extLst>
+            </p:cNvPr>
+            <p:cNvSpPr txBox="1"/>
+            <p:nvPr/>
+          </p:nvSpPr>
+          <p:spPr>
+            <a:xfrm>
+              <a:off x="5932259" y="4035368"/>
+              <a:ext cx="1234632" cy="553998"/>
+            </a:xfrm>
+            <a:prstGeom prst="rect">
+              <a:avLst/>
+            </a:prstGeom>
+            <a:noFill/>
+          </p:spPr>
+          <p:txBody>
+            <a:bodyPr wrap="none" rtlCol="0">
+              <a:spAutoFit/>
+            </a:bodyPr>
+            <a:lstStyle/>
+            <a:p>
+              <a:pPr algn="ctr"/>
+              <a:r>
+                <a:rPr lang="en-CA" sz="1000" dirty="0">
+                  <a:effectLst/>
+                </a:rPr>
+                <a:t>Owlcms</a:t>
+              </a:r>
+              <a:br>
+                <a:rPr lang="en-CA" sz="1000" dirty="0">
+                  <a:effectLst/>
+                </a:rPr>
+              </a:br>
+              <a:r>
+                <a:rPr lang="en-CA" sz="1000" dirty="0">
+                  <a:effectLst/>
+                </a:rPr>
+                <a:t>DHCP Reservation</a:t>
+              </a:r>
+              <a:br>
+                <a:rPr lang="en-CA" sz="1000" dirty="0">
+                  <a:effectLst/>
+                </a:rPr>
+              </a:br>
+              <a:r>
+                <a:rPr lang="en-CA" sz="1000" dirty="0">
+                  <a:effectLst/>
+                </a:rPr>
+                <a:t>192.168.0.100:8080</a:t>
+              </a:r>
+              <a:endParaRPr lang="en-CA" sz="1000" dirty="0"/>
+            </a:p>
+          </p:txBody>
+        </p:sp>
+      </p:grpSp>
+      <p:sp>
+        <p:nvSpPr>
+          <p:cNvPr id="115" name="TextBox 114">
+            <a:extLst>
+              <a:ext uri="{FF2B5EF4-FFF2-40B4-BE49-F238E27FC236}">
+                <a16:creationId xmlns:a16="http://schemas.microsoft.com/office/drawing/2014/main" id="{888F63D6-FD7F-4253-91F7-EBEB2D2D203A}"/>
+              </a:ext>
+            </a:extLst>
+          </p:cNvPr>
+          <p:cNvSpPr txBox="1"/>
+          <p:nvPr/>
+        </p:nvSpPr>
+        <p:spPr>
+          <a:xfrm>
+            <a:off x="9026004" y="3721147"/>
+            <a:ext cx="399469" cy="246221"/>
+          </a:xfrm>
+          <a:prstGeom prst="rect">
+            <a:avLst/>
+          </a:prstGeom>
+          <a:noFill/>
+        </p:spPr>
+        <p:txBody>
+          <a:bodyPr wrap="none" rtlCol="0">
+            <a:spAutoFit/>
+          </a:bodyPr>
+          <a:lstStyle/>
+          <a:p>
+            <a:pPr algn="ctr"/>
+            <a:r>
+              <a:rPr lang="en-CA" sz="1000" dirty="0">
+                <a:effectLst/>
+              </a:rPr>
+              <a:t>OBS</a:t>
+            </a:r>
+            <a:endParaRPr lang="en-CA" sz="1000" dirty="0"/>
+          </a:p>
+        </p:txBody>
+      </p:sp>
+      <p:grpSp>
+        <p:nvGrpSpPr>
+          <p:cNvPr id="14" name="Group 13">
+            <a:extLst>
+              <a:ext uri="{FF2B5EF4-FFF2-40B4-BE49-F238E27FC236}">
+                <a16:creationId xmlns:a16="http://schemas.microsoft.com/office/drawing/2014/main" id="{C5E3BC31-DA0C-4A4C-8CCF-9941DE5FFCD1}"/>
+              </a:ext>
+            </a:extLst>
+          </p:cNvPr>
+          <p:cNvGrpSpPr/>
+          <p:nvPr/>
+        </p:nvGrpSpPr>
+        <p:grpSpPr>
+          <a:xfrm>
+            <a:off x="2351584" y="2147218"/>
+            <a:ext cx="2448272" cy="921742"/>
+            <a:chOff x="4558647" y="2657217"/>
+            <a:chExt cx="2448272" cy="921742"/>
+          </a:xfrm>
+        </p:grpSpPr>
+        <p:sp>
+          <p:nvSpPr>
+            <p:cNvPr id="40" name="Rectangle 39">
+              <a:extLst>
+                <a:ext uri="{FF2B5EF4-FFF2-40B4-BE49-F238E27FC236}">
+                  <a16:creationId xmlns:a16="http://schemas.microsoft.com/office/drawing/2014/main" id="{DD6048A8-9141-4730-AACE-D33D573017A3}"/>
+                </a:ext>
+              </a:extLst>
+            </p:cNvPr>
+            <p:cNvSpPr/>
+            <p:nvPr/>
+          </p:nvSpPr>
+          <p:spPr>
+            <a:xfrm>
+              <a:off x="4558647" y="3150190"/>
+              <a:ext cx="2448272" cy="356761"/>
+            </a:xfrm>
+            <a:prstGeom prst="rect">
+              <a:avLst/>
+            </a:prstGeom>
+          </p:spPr>
+          <p:style>
+            <a:lnRef idx="2">
+              <a:schemeClr val="accent1">
+                <a:shade val="50000"/>
+              </a:schemeClr>
+            </a:lnRef>
+            <a:fillRef idx="1">
+              <a:schemeClr val="accent1"/>
+            </a:fillRef>
+            <a:effectRef idx="0">
+              <a:schemeClr val="accent1"/>
+            </a:effectRef>
+            <a:fontRef idx="minor">
+              <a:schemeClr val="lt1"/>
+            </a:fontRef>
+          </p:style>
+          <p:txBody>
+            <a:bodyPr rtlCol="0" anchor="ctr"/>
+            <a:lstStyle/>
+            <a:p>
+              <a:pPr algn="ctr"/>
+              <a:endParaRPr lang="en-CA" dirty="0"/>
+            </a:p>
+          </p:txBody>
+        </p:sp>
+        <p:sp>
+          <p:nvSpPr>
+            <p:cNvPr id="41" name="Rectangle 40">
+              <a:extLst>
+                <a:ext uri="{FF2B5EF4-FFF2-40B4-BE49-F238E27FC236}">
+                  <a16:creationId xmlns:a16="http://schemas.microsoft.com/office/drawing/2014/main" id="{27D7A2AC-D108-46DE-9EEC-D37299CE1ED7}"/>
+                </a:ext>
+              </a:extLst>
+            </p:cNvPr>
+            <p:cNvSpPr/>
+            <p:nvPr/>
+          </p:nvSpPr>
+          <p:spPr>
+            <a:xfrm>
+              <a:off x="4918687" y="3506951"/>
+              <a:ext cx="216024" cy="72008"/>
+            </a:xfrm>
+            <a:prstGeom prst="rect">
+              <a:avLst/>
+            </a:prstGeom>
+          </p:spPr>
+          <p:style>
+            <a:lnRef idx="2">
+              <a:schemeClr val="accent1">
+                <a:shade val="50000"/>
+              </a:schemeClr>
+            </a:lnRef>
+            <a:fillRef idx="1">
+              <a:schemeClr val="accent1"/>
+            </a:fillRef>
+            <a:effectRef idx="0">
+              <a:schemeClr val="accent1"/>
+            </a:effectRef>
+            <a:fontRef idx="minor">
+              <a:schemeClr val="lt1"/>
+            </a:fontRef>
+          </p:style>
+          <p:txBody>
+            <a:bodyPr rtlCol="0" anchor="ctr"/>
+            <a:lstStyle/>
+            <a:p>
+              <a:pPr algn="ctr"/>
+              <a:endParaRPr lang="en-CA" dirty="0"/>
+            </a:p>
+          </p:txBody>
+        </p:sp>
+        <p:sp>
+          <p:nvSpPr>
+            <p:cNvPr id="42" name="Rectangle 41">
+              <a:extLst>
+                <a:ext uri="{FF2B5EF4-FFF2-40B4-BE49-F238E27FC236}">
+                  <a16:creationId xmlns:a16="http://schemas.microsoft.com/office/drawing/2014/main" id="{D3DD861A-049A-49B4-ADC4-307F9C7D1107}"/>
+                </a:ext>
+              </a:extLst>
+            </p:cNvPr>
+            <p:cNvSpPr/>
+            <p:nvPr/>
+          </p:nvSpPr>
+          <p:spPr>
+            <a:xfrm>
+              <a:off x="5422743" y="3504483"/>
+              <a:ext cx="216024" cy="72008"/>
+            </a:xfrm>
+            <a:prstGeom prst="rect">
+              <a:avLst/>
+            </a:prstGeom>
+          </p:spPr>
+          <p:style>
+            <a:lnRef idx="2">
+              <a:schemeClr val="accent1">
+                <a:shade val="50000"/>
+              </a:schemeClr>
+            </a:lnRef>
+            <a:fillRef idx="1">
+              <a:schemeClr val="accent1"/>
+            </a:fillRef>
+            <a:effectRef idx="0">
+              <a:schemeClr val="accent1"/>
+            </a:effectRef>
+            <a:fontRef idx="minor">
+              <a:schemeClr val="lt1"/>
+            </a:fontRef>
+          </p:style>
+          <p:txBody>
+            <a:bodyPr rtlCol="0" anchor="ctr"/>
+            <a:lstStyle/>
+            <a:p>
+              <a:pPr algn="ctr"/>
+              <a:endParaRPr lang="en-CA" dirty="0"/>
+            </a:p>
+          </p:txBody>
+        </p:sp>
+        <p:sp>
+          <p:nvSpPr>
+            <p:cNvPr id="43" name="Rectangle 42">
+              <a:extLst>
+                <a:ext uri="{FF2B5EF4-FFF2-40B4-BE49-F238E27FC236}">
+                  <a16:creationId xmlns:a16="http://schemas.microsoft.com/office/drawing/2014/main" id="{83447D46-4567-41C0-8416-2B5ED99F9F83}"/>
+                </a:ext>
+              </a:extLst>
+            </p:cNvPr>
+            <p:cNvSpPr/>
+            <p:nvPr/>
+          </p:nvSpPr>
+          <p:spPr>
+            <a:xfrm>
+              <a:off x="5926799" y="3502015"/>
+              <a:ext cx="216024" cy="72008"/>
+            </a:xfrm>
+            <a:prstGeom prst="rect">
+              <a:avLst/>
+            </a:prstGeom>
+          </p:spPr>
+          <p:style>
+            <a:lnRef idx="2">
+              <a:schemeClr val="accent1">
+                <a:shade val="50000"/>
+              </a:schemeClr>
+            </a:lnRef>
+            <a:fillRef idx="1">
+              <a:schemeClr val="accent1"/>
+            </a:fillRef>
+            <a:effectRef idx="0">
+              <a:schemeClr val="accent1"/>
+            </a:effectRef>
+            <a:fontRef idx="minor">
+              <a:schemeClr val="lt1"/>
+            </a:fontRef>
+          </p:style>
+          <p:txBody>
+            <a:bodyPr rtlCol="0" anchor="ctr"/>
+            <a:lstStyle/>
+            <a:p>
+              <a:pPr algn="ctr"/>
+              <a:endParaRPr lang="en-CA" dirty="0"/>
+            </a:p>
+          </p:txBody>
+        </p:sp>
+        <p:sp>
+          <p:nvSpPr>
+            <p:cNvPr id="44" name="Rectangle 43">
+              <a:extLst>
+                <a:ext uri="{FF2B5EF4-FFF2-40B4-BE49-F238E27FC236}">
+                  <a16:creationId xmlns:a16="http://schemas.microsoft.com/office/drawing/2014/main" id="{B6400B4F-CBAF-4E24-BB05-192C23D6903A}"/>
+                </a:ext>
+              </a:extLst>
+            </p:cNvPr>
+            <p:cNvSpPr/>
+            <p:nvPr/>
+          </p:nvSpPr>
+          <p:spPr>
+            <a:xfrm>
+              <a:off x="6430855" y="3499547"/>
+              <a:ext cx="216024" cy="72008"/>
+            </a:xfrm>
+            <a:prstGeom prst="rect">
+              <a:avLst/>
+            </a:prstGeom>
+          </p:spPr>
+          <p:style>
+            <a:lnRef idx="2">
+              <a:schemeClr val="accent1">
+                <a:shade val="50000"/>
+              </a:schemeClr>
+            </a:lnRef>
+            <a:fillRef idx="1">
+              <a:schemeClr val="accent1"/>
+            </a:fillRef>
+            <a:effectRef idx="0">
+              <a:schemeClr val="accent1"/>
+            </a:effectRef>
+            <a:fontRef idx="minor">
+              <a:schemeClr val="lt1"/>
+            </a:fontRef>
+          </p:style>
+          <p:txBody>
+            <a:bodyPr rtlCol="0" anchor="ctr"/>
+            <a:lstStyle/>
+            <a:p>
+              <a:pPr algn="ctr"/>
+              <a:endParaRPr lang="en-CA" dirty="0"/>
+            </a:p>
+          </p:txBody>
+        </p:sp>
+        <p:sp>
+          <p:nvSpPr>
+            <p:cNvPr id="45" name="Rectangle 44">
+              <a:extLst>
+                <a:ext uri="{FF2B5EF4-FFF2-40B4-BE49-F238E27FC236}">
+                  <a16:creationId xmlns:a16="http://schemas.microsoft.com/office/drawing/2014/main" id="{27DF7D1D-951C-4D7C-BC74-9502FE641018}"/>
+                </a:ext>
+              </a:extLst>
+            </p:cNvPr>
+            <p:cNvSpPr/>
+            <p:nvPr/>
+          </p:nvSpPr>
+          <p:spPr>
+            <a:xfrm>
+              <a:off x="6358895" y="2786871"/>
+              <a:ext cx="216024" cy="72008"/>
+            </a:xfrm>
+            <a:prstGeom prst="rect">
+              <a:avLst/>
+            </a:prstGeom>
+            <a:solidFill>
+              <a:schemeClr val="accent6">
+                <a:lumMod val="60000"/>
+                <a:lumOff val="40000"/>
+              </a:schemeClr>
+            </a:solidFill>
+          </p:spPr>
+          <p:style>
+            <a:lnRef idx="2">
+              <a:schemeClr val="accent1">
+                <a:shade val="50000"/>
+              </a:schemeClr>
+            </a:lnRef>
+            <a:fillRef idx="1">
+              <a:schemeClr val="accent1"/>
+            </a:fillRef>
+            <a:effectRef idx="0">
+              <a:schemeClr val="accent1"/>
+            </a:effectRef>
+            <a:fontRef idx="minor">
+              <a:schemeClr val="lt1"/>
+            </a:fontRef>
+          </p:style>
+          <p:txBody>
+            <a:bodyPr rtlCol="0" anchor="ctr"/>
+            <a:lstStyle/>
+            <a:p>
+              <a:pPr algn="ctr"/>
+              <a:endParaRPr lang="en-CA" dirty="0"/>
+            </a:p>
+          </p:txBody>
+        </p:sp>
+        <p:sp>
+          <p:nvSpPr>
+            <p:cNvPr id="46" name="Rectangle 45">
+              <a:extLst>
+                <a:ext uri="{FF2B5EF4-FFF2-40B4-BE49-F238E27FC236}">
+                  <a16:creationId xmlns:a16="http://schemas.microsoft.com/office/drawing/2014/main" id="{90C4F415-5FD9-4BF8-94FB-ABC3A3BBD9BD}"/>
+                </a:ext>
+              </a:extLst>
+            </p:cNvPr>
+            <p:cNvSpPr/>
+            <p:nvPr/>
+          </p:nvSpPr>
+          <p:spPr>
+            <a:xfrm>
+              <a:off x="5926799" y="2858879"/>
+              <a:ext cx="1080120" cy="295435"/>
+            </a:xfrm>
+            <a:prstGeom prst="rect">
+              <a:avLst/>
+            </a:prstGeom>
+            <a:solidFill>
+              <a:schemeClr val="accent6">
+                <a:lumMod val="60000"/>
+                <a:lumOff val="40000"/>
+              </a:schemeClr>
+            </a:solidFill>
+          </p:spPr>
+          <p:style>
+            <a:lnRef idx="2">
+              <a:schemeClr val="accent1">
+                <a:shade val="50000"/>
+              </a:schemeClr>
+            </a:lnRef>
+            <a:fillRef idx="1">
+              <a:schemeClr val="accent1"/>
+            </a:fillRef>
+            <a:effectRef idx="0">
+              <a:schemeClr val="accent1"/>
+            </a:effectRef>
+            <a:fontRef idx="minor">
+              <a:schemeClr val="lt1"/>
+            </a:fontRef>
+          </p:style>
+          <p:txBody>
+            <a:bodyPr rtlCol="0" anchor="ctr"/>
+            <a:lstStyle/>
+            <a:p>
+              <a:pPr algn="ctr"/>
+              <a:endParaRPr lang="en-CA" dirty="0"/>
+            </a:p>
+          </p:txBody>
+        </p:sp>
+        <p:sp>
+          <p:nvSpPr>
+            <p:cNvPr id="93" name="TextBox 92">
+              <a:extLst>
+                <a:ext uri="{FF2B5EF4-FFF2-40B4-BE49-F238E27FC236}">
+                  <a16:creationId xmlns:a16="http://schemas.microsoft.com/office/drawing/2014/main" id="{01DBD5E6-5DC8-4DD6-9978-D0BFCB45446E}"/>
+                </a:ext>
+              </a:extLst>
+            </p:cNvPr>
+            <p:cNvSpPr txBox="1"/>
+            <p:nvPr/>
+          </p:nvSpPr>
+          <p:spPr>
+            <a:xfrm>
+              <a:off x="6103093" y="2883485"/>
+              <a:ext cx="740908" cy="246221"/>
+            </a:xfrm>
+            <a:prstGeom prst="rect">
+              <a:avLst/>
+            </a:prstGeom>
+            <a:noFill/>
+          </p:spPr>
+          <p:txBody>
+            <a:bodyPr wrap="none" rtlCol="0">
+              <a:spAutoFit/>
+            </a:bodyPr>
+            <a:lstStyle/>
+            <a:p>
+              <a:r>
+                <a:rPr lang="en-CA" sz="1000" dirty="0">
+                  <a:effectLst/>
+                </a:rPr>
+                <a:t>10.0.0.234</a:t>
+              </a:r>
+              <a:endParaRPr lang="en-CA" sz="1000" dirty="0"/>
+            </a:p>
+          </p:txBody>
+        </p:sp>
+        <p:sp>
+          <p:nvSpPr>
+            <p:cNvPr id="95" name="TextBox 94">
+              <a:extLst>
+                <a:ext uri="{FF2B5EF4-FFF2-40B4-BE49-F238E27FC236}">
+                  <a16:creationId xmlns:a16="http://schemas.microsoft.com/office/drawing/2014/main" id="{D24D91B4-F575-4930-A046-505DBAA53ADA}"/>
+                </a:ext>
+              </a:extLst>
+            </p:cNvPr>
+            <p:cNvSpPr txBox="1"/>
+            <p:nvPr/>
+          </p:nvSpPr>
+          <p:spPr>
+            <a:xfrm>
+              <a:off x="5513864" y="3198055"/>
+              <a:ext cx="806631" cy="246221"/>
+            </a:xfrm>
+            <a:prstGeom prst="rect">
+              <a:avLst/>
+            </a:prstGeom>
+            <a:noFill/>
+          </p:spPr>
+          <p:txBody>
+            <a:bodyPr wrap="none" rtlCol="0">
+              <a:spAutoFit/>
+            </a:bodyPr>
+            <a:lstStyle/>
+            <a:p>
+              <a:r>
+                <a:rPr lang="en-CA" sz="1000" dirty="0">
+                  <a:effectLst/>
+                </a:rPr>
+                <a:t>192.168.0.1</a:t>
+              </a:r>
+              <a:endParaRPr lang="en-CA" sz="1000" dirty="0"/>
+            </a:p>
+          </p:txBody>
+        </p:sp>
+        <p:grpSp>
+          <p:nvGrpSpPr>
+            <p:cNvPr id="102" name="Group 101">
+              <a:extLst>
+                <a:ext uri="{FF2B5EF4-FFF2-40B4-BE49-F238E27FC236}">
+                  <a16:creationId xmlns:a16="http://schemas.microsoft.com/office/drawing/2014/main" id="{56690F8C-9340-444F-8D87-52C983D671C3}"/>
+                </a:ext>
+              </a:extLst>
+            </p:cNvPr>
+            <p:cNvGrpSpPr/>
+            <p:nvPr/>
+          </p:nvGrpSpPr>
+          <p:grpSpPr>
+            <a:xfrm>
+              <a:off x="4558647" y="2858879"/>
+              <a:ext cx="1368152" cy="295435"/>
+              <a:chOff x="1085069" y="2104442"/>
+              <a:chExt cx="1368152" cy="295435"/>
+            </a:xfrm>
+          </p:grpSpPr>
+          <p:sp>
+            <p:nvSpPr>
+              <p:cNvPr id="103" name="Rectangle 102">
+                <a:extLst>
+                  <a:ext uri="{FF2B5EF4-FFF2-40B4-BE49-F238E27FC236}">
+                    <a16:creationId xmlns:a16="http://schemas.microsoft.com/office/drawing/2014/main" id="{930228C3-2549-45C2-B6AF-86AD8D154840}"/>
+                  </a:ext>
+                </a:extLst>
+              </p:cNvPr>
+              <p:cNvSpPr/>
+              <p:nvPr/>
+            </p:nvSpPr>
+            <p:spPr>
+              <a:xfrm>
+                <a:off x="1085069" y="2104442"/>
+                <a:ext cx="1368152" cy="295435"/>
+              </a:xfrm>
+              <a:prstGeom prst="rect">
+                <a:avLst/>
+              </a:prstGeom>
+              <a:solidFill>
+                <a:schemeClr val="accent5">
+                  <a:lumMod val="60000"/>
+                  <a:lumOff val="40000"/>
+                </a:schemeClr>
+              </a:solidFill>
+            </p:spPr>
+            <p:style>
+              <a:lnRef idx="2">
+                <a:schemeClr val="accent1">
+                  <a:shade val="50000"/>
+                </a:schemeClr>
+              </a:lnRef>
+              <a:fillRef idx="1">
+                <a:schemeClr val="accent1"/>
+              </a:fillRef>
+              <a:effectRef idx="0">
+                <a:schemeClr val="accent1"/>
+              </a:effectRef>
+              <a:fontRef idx="minor">
+                <a:schemeClr val="lt1"/>
+              </a:fontRef>
+            </p:style>
+            <p:txBody>
+              <a:bodyPr rtlCol="0" anchor="ctr"/>
+              <a:lstStyle/>
+              <a:p>
+                <a:pPr algn="ctr"/>
+                <a:endParaRPr lang="en-CA" dirty="0"/>
+              </a:p>
+            </p:txBody>
+          </p:sp>
+          <p:pic>
+            <p:nvPicPr>
+              <p:cNvPr id="104" name="Picture 103">
+                <a:extLst>
+                  <a:ext uri="{FF2B5EF4-FFF2-40B4-BE49-F238E27FC236}">
+                    <a16:creationId xmlns:a16="http://schemas.microsoft.com/office/drawing/2014/main" id="{59AF7D6F-8A43-476D-9719-9259329BE5E6}"/>
+                  </a:ext>
+                </a:extLst>
+              </p:cNvPr>
+              <p:cNvPicPr>
+                <a:picLocks noChangeAspect="1"/>
+              </p:cNvPicPr>
+              <p:nvPr/>
+            </p:nvPicPr>
+            <p:blipFill>
+              <a:blip r:embed="rId2">
+                <a:extLst>
+                  <a:ext uri="{28A0092B-C50C-407E-A947-70E740481C1C}">
+                    <a14:useLocalDpi xmlns:a14="http://schemas.microsoft.com/office/drawing/2010/main" val="0"/>
+                  </a:ext>
+                  <a:ext uri="{837473B0-CC2E-450A-ABE3-18F120FF3D39}">
+                    <a1611:picAttrSrcUrl xmlns:a1611="http://schemas.microsoft.com/office/drawing/2016/11/main" r:id="rId3"/>
+                  </a:ext>
+                </a:extLst>
+              </a:blip>
+              <a:stretch>
+                <a:fillRect/>
+              </a:stretch>
+            </p:blipFill>
+            <p:spPr>
+              <a:xfrm>
+                <a:off x="1691850" y="2187014"/>
+                <a:ext cx="182880" cy="134684"/>
+              </a:xfrm>
+              <a:prstGeom prst="rect">
+                <a:avLst/>
+              </a:prstGeom>
+            </p:spPr>
+          </p:pic>
+        </p:grpSp>
+        <p:sp>
+          <p:nvSpPr>
+            <p:cNvPr id="116" name="TextBox 115">
+              <a:extLst>
+                <a:ext uri="{FF2B5EF4-FFF2-40B4-BE49-F238E27FC236}">
+                  <a16:creationId xmlns:a16="http://schemas.microsoft.com/office/drawing/2014/main" id="{E9A6C595-FE90-465B-970C-F5794889D74A}"/>
+                </a:ext>
+              </a:extLst>
+            </p:cNvPr>
+            <p:cNvSpPr txBox="1"/>
+            <p:nvPr/>
+          </p:nvSpPr>
+          <p:spPr>
+            <a:xfrm>
+              <a:off x="5973637" y="2657217"/>
+              <a:ext cx="455574" cy="246221"/>
+            </a:xfrm>
+            <a:prstGeom prst="rect">
+              <a:avLst/>
+            </a:prstGeom>
+            <a:noFill/>
+          </p:spPr>
+          <p:txBody>
+            <a:bodyPr wrap="none" rtlCol="0">
+              <a:spAutoFit/>
+            </a:bodyPr>
+            <a:lstStyle/>
+            <a:p>
+              <a:pPr algn="ctr"/>
+              <a:r>
+                <a:rPr lang="en-CA" sz="1000" dirty="0">
+                  <a:effectLst/>
+                </a:rPr>
+                <a:t>WAN</a:t>
+              </a:r>
+              <a:endParaRPr lang="en-CA" sz="1000" dirty="0"/>
+            </a:p>
+          </p:txBody>
+        </p:sp>
+      </p:grpSp>
+      <p:sp>
+        <p:nvSpPr>
+          <p:cNvPr id="118" name="TextBox 117">
+            <a:extLst>
+              <a:ext uri="{FF2B5EF4-FFF2-40B4-BE49-F238E27FC236}">
+                <a16:creationId xmlns:a16="http://schemas.microsoft.com/office/drawing/2014/main" id="{4048DE45-7D70-4F25-BBC2-6410E7FA64E1}"/>
+              </a:ext>
+            </a:extLst>
+          </p:cNvPr>
+          <p:cNvSpPr txBox="1"/>
+          <p:nvPr/>
+        </p:nvSpPr>
+        <p:spPr>
+          <a:xfrm>
+            <a:off x="9670605" y="1948375"/>
+            <a:ext cx="455574" cy="246221"/>
+          </a:xfrm>
+          <a:prstGeom prst="rect">
+            <a:avLst/>
+          </a:prstGeom>
+          <a:noFill/>
+        </p:spPr>
+        <p:txBody>
+          <a:bodyPr wrap="none" rtlCol="0">
+            <a:spAutoFit/>
+          </a:bodyPr>
+          <a:lstStyle/>
+          <a:p>
+            <a:pPr algn="ctr"/>
+            <a:r>
+              <a:rPr lang="en-CA" sz="1000" dirty="0">
+                <a:effectLst/>
+              </a:rPr>
+              <a:t>WAN</a:t>
+            </a:r>
+            <a:endParaRPr lang="en-CA" sz="1000" dirty="0"/>
+          </a:p>
+        </p:txBody>
+      </p:sp>
+      <p:cxnSp>
+        <p:nvCxnSpPr>
+          <p:cNvPr id="120" name="Straight Arrow Connector 119">
+            <a:extLst>
+              <a:ext uri="{FF2B5EF4-FFF2-40B4-BE49-F238E27FC236}">
+                <a16:creationId xmlns:a16="http://schemas.microsoft.com/office/drawing/2014/main" id="{7FC4FA98-0E52-4A8B-9852-AFD3DAD646B1}"/>
+              </a:ext>
+            </a:extLst>
+          </p:cNvPr>
+          <p:cNvCxnSpPr>
+            <a:cxnSpLocks/>
+            <a:stCxn id="110" idx="0"/>
+            <a:endCxn id="32" idx="2"/>
+          </p:cNvCxnSpPr>
+          <p:nvPr/>
+        </p:nvCxnSpPr>
+        <p:spPr>
+          <a:xfrm flipH="1" flipV="1">
+            <a:off x="9222276" y="2887602"/>
+            <a:ext cx="2701" cy="477461"/>
+          </a:xfrm>
+          <a:prstGeom prst="straightConnector1">
+            <a:avLst/>
+          </a:prstGeom>
+          <a:ln>
+            <a:tailEnd type="triangle"/>
+          </a:ln>
+        </p:spPr>
+        <p:style>
+          <a:lnRef idx="1">
+            <a:schemeClr val="accent1"/>
+          </a:lnRef>
+          <a:fillRef idx="0">
+            <a:schemeClr val="accent1"/>
+          </a:fillRef>
+          <a:effectRef idx="0">
+            <a:schemeClr val="accent1"/>
+          </a:effectRef>
+          <a:fontRef idx="minor">
+            <a:schemeClr val="tx1"/>
+          </a:fontRef>
+        </p:style>
+      </p:cxnSp>
+      <p:sp>
+        <p:nvSpPr>
+          <p:cNvPr id="142" name="TextBox 141">
+            <a:extLst>
+              <a:ext uri="{FF2B5EF4-FFF2-40B4-BE49-F238E27FC236}">
+                <a16:creationId xmlns:a16="http://schemas.microsoft.com/office/drawing/2014/main" id="{52386D0A-1323-48B7-B1D5-EEC17CBAD5E0}"/>
+              </a:ext>
+            </a:extLst>
+          </p:cNvPr>
+          <p:cNvSpPr txBox="1"/>
+          <p:nvPr/>
+        </p:nvSpPr>
+        <p:spPr>
+          <a:xfrm>
+            <a:off x="7323735" y="3577131"/>
+            <a:ext cx="1574470" cy="400110"/>
+          </a:xfrm>
+          <a:prstGeom prst="rect">
+            <a:avLst/>
+          </a:prstGeom>
+          <a:noFill/>
+        </p:spPr>
+        <p:txBody>
+          <a:bodyPr wrap="none" rtlCol="0">
+            <a:spAutoFit/>
+          </a:bodyPr>
+          <a:lstStyle/>
+          <a:p>
+            <a:pPr algn="ctr"/>
+            <a:r>
+              <a:rPr lang="en-CA" sz="1000" dirty="0">
+                <a:effectLst/>
+              </a:rPr>
+              <a:t>10.0.0.234:8080</a:t>
+            </a:r>
+            <a:br>
+              <a:rPr lang="en-CA" sz="1000" dirty="0">
+                <a:effectLst/>
+              </a:rPr>
+            </a:br>
+            <a:r>
+              <a:rPr lang="en-CA" sz="1000" dirty="0">
+                <a:effectLst/>
+              </a:rPr>
+              <a:t>port redirection</a:t>
+            </a:r>
+            <a:r>
+              <a:rPr lang="en-CA" sz="1000" dirty="0"/>
+              <a:t> to owlcms</a:t>
+            </a:r>
+          </a:p>
+        </p:txBody>
+      </p:sp>
+      <p:sp>
+        <p:nvSpPr>
+          <p:cNvPr id="150" name="TextBox 149">
+            <a:extLst>
+              <a:ext uri="{FF2B5EF4-FFF2-40B4-BE49-F238E27FC236}">
+                <a16:creationId xmlns:a16="http://schemas.microsoft.com/office/drawing/2014/main" id="{3E481F2B-82AA-4CA3-810C-F4822DC742A2}"/>
+              </a:ext>
+            </a:extLst>
+          </p:cNvPr>
+          <p:cNvSpPr txBox="1"/>
+          <p:nvPr/>
+        </p:nvSpPr>
+        <p:spPr>
+          <a:xfrm>
+            <a:off x="4872904" y="2300312"/>
+            <a:ext cx="1095813" cy="523220"/>
+          </a:xfrm>
+          <a:prstGeom prst="rect">
+            <a:avLst/>
+          </a:prstGeom>
+          <a:noFill/>
+        </p:spPr>
+        <p:txBody>
+          <a:bodyPr wrap="none" rtlCol="0">
+            <a:spAutoFit/>
+          </a:bodyPr>
+          <a:lstStyle/>
+          <a:p>
+            <a:r>
+              <a:rPr lang="en-CA" sz="1400" dirty="0"/>
+              <a:t>Competition</a:t>
+            </a:r>
+            <a:br>
+              <a:rPr lang="en-CA" sz="1400" dirty="0"/>
+            </a:br>
+            <a:r>
+              <a:rPr lang="en-CA" sz="1400" dirty="0"/>
+              <a:t>Router</a:t>
+            </a:r>
+          </a:p>
+        </p:txBody>
+      </p:sp>
+      <p:cxnSp>
+        <p:nvCxnSpPr>
+          <p:cNvPr id="170" name="Connector: Elbow 169">
+            <a:extLst>
+              <a:ext uri="{FF2B5EF4-FFF2-40B4-BE49-F238E27FC236}">
+                <a16:creationId xmlns:a16="http://schemas.microsoft.com/office/drawing/2014/main" id="{4A12B181-550A-433E-AAA9-53A33D4D83FF}"/>
+              </a:ext>
+            </a:extLst>
+          </p:cNvPr>
+          <p:cNvCxnSpPr>
+            <a:cxnSpLocks/>
+            <a:stCxn id="114" idx="2"/>
+            <a:endCxn id="86" idx="2"/>
+          </p:cNvCxnSpPr>
+          <p:nvPr/>
+        </p:nvCxnSpPr>
+        <p:spPr>
+          <a:xfrm rot="5400000" flipH="1" flipV="1">
+            <a:off x="6701469" y="705637"/>
+            <a:ext cx="3410991" cy="4916055"/>
+          </a:xfrm>
+          <a:prstGeom prst="bentConnector4">
+            <a:avLst>
+              <a:gd name="adj1" fmla="val -6702"/>
+              <a:gd name="adj2" fmla="val 106741"/>
+            </a:avLst>
+          </a:prstGeom>
+          <a:ln w="44450">
+            <a:solidFill>
+              <a:schemeClr val="accent6"/>
+            </a:solidFill>
+            <a:prstDash val="dash"/>
+            <a:tailEnd type="triangle"/>
+          </a:ln>
+        </p:spPr>
+        <p:style>
+          <a:lnRef idx="1">
+            <a:schemeClr val="accent1"/>
+          </a:lnRef>
+          <a:fillRef idx="0">
+            <a:schemeClr val="accent1"/>
+          </a:fillRef>
+          <a:effectRef idx="0">
+            <a:schemeClr val="accent1"/>
+          </a:effectRef>
+          <a:fontRef idx="minor">
+            <a:schemeClr val="tx1"/>
+          </a:fontRef>
+        </p:style>
+      </p:cxnSp>
+      <p:cxnSp>
+        <p:nvCxnSpPr>
+          <p:cNvPr id="178" name="Connector: Elbow 177">
+            <a:extLst>
+              <a:ext uri="{FF2B5EF4-FFF2-40B4-BE49-F238E27FC236}">
+                <a16:creationId xmlns:a16="http://schemas.microsoft.com/office/drawing/2014/main" id="{3B8E2FC9-4613-48BC-AEC6-1DF52C5C215A}"/>
+              </a:ext>
+            </a:extLst>
+          </p:cNvPr>
+          <p:cNvCxnSpPr>
+            <a:cxnSpLocks/>
+            <a:stCxn id="110" idx="3"/>
+            <a:endCxn id="86" idx="2"/>
+          </p:cNvCxnSpPr>
+          <p:nvPr/>
+        </p:nvCxnSpPr>
+        <p:spPr>
+          <a:xfrm flipV="1">
+            <a:off x="9453579" y="1458169"/>
+            <a:ext cx="1411414" cy="2135496"/>
+          </a:xfrm>
+          <a:prstGeom prst="bentConnector3">
+            <a:avLst>
+              <a:gd name="adj1" fmla="val 116280"/>
+            </a:avLst>
+          </a:prstGeom>
+          <a:ln w="44450">
+            <a:solidFill>
+              <a:schemeClr val="accent6"/>
+            </a:solidFill>
+            <a:prstDash val="dash"/>
+            <a:tailEnd type="triangle"/>
+          </a:ln>
+        </p:spPr>
+        <p:style>
+          <a:lnRef idx="1">
+            <a:schemeClr val="accent1"/>
+          </a:lnRef>
+          <a:fillRef idx="0">
+            <a:schemeClr val="accent1"/>
+          </a:fillRef>
+          <a:effectRef idx="0">
+            <a:schemeClr val="accent1"/>
+          </a:effectRef>
+          <a:fontRef idx="minor">
+            <a:schemeClr val="tx1"/>
+          </a:fontRef>
+        </p:style>
+      </p:cxnSp>
+      <p:sp>
+        <p:nvSpPr>
+          <p:cNvPr id="185" name="TextBox 184">
+            <a:extLst>
+              <a:ext uri="{FF2B5EF4-FFF2-40B4-BE49-F238E27FC236}">
+                <a16:creationId xmlns:a16="http://schemas.microsoft.com/office/drawing/2014/main" id="{8CA8C790-2476-4E2E-B1B6-A88961F97B19}"/>
+              </a:ext>
+            </a:extLst>
+          </p:cNvPr>
+          <p:cNvSpPr txBox="1"/>
+          <p:nvPr/>
+        </p:nvSpPr>
+        <p:spPr>
+          <a:xfrm>
+            <a:off x="10146944" y="4564632"/>
+            <a:ext cx="846707" cy="400110"/>
+          </a:xfrm>
+          <a:prstGeom prst="rect">
+            <a:avLst/>
+          </a:prstGeom>
+          <a:noFill/>
+        </p:spPr>
+        <p:txBody>
+          <a:bodyPr wrap="none" rtlCol="0">
+            <a:spAutoFit/>
+          </a:bodyPr>
+          <a:lstStyle/>
+          <a:p>
+            <a:pPr algn="ctr"/>
+            <a:r>
+              <a:rPr lang="en-CA" sz="1000" dirty="0">
+                <a:effectLst/>
+              </a:rPr>
+              <a:t>Heroku</a:t>
+            </a:r>
+            <a:br>
+              <a:rPr lang="en-CA" sz="1000" dirty="0">
+                <a:effectLst/>
+              </a:rPr>
+            </a:br>
+            <a:r>
+              <a:rPr lang="en-CA" sz="1000" dirty="0">
+                <a:effectLst/>
+              </a:rPr>
+              <a:t>publicresults</a:t>
+            </a:r>
+            <a:endParaRPr lang="en-CA" sz="1000" dirty="0"/>
+          </a:p>
+        </p:txBody>
+      </p:sp>
+      <p:sp>
+        <p:nvSpPr>
+          <p:cNvPr id="186" name="TextBox 185">
+            <a:extLst>
+              <a:ext uri="{FF2B5EF4-FFF2-40B4-BE49-F238E27FC236}">
+                <a16:creationId xmlns:a16="http://schemas.microsoft.com/office/drawing/2014/main" id="{0C5BDD38-42AC-41F7-8DC7-A3BD4B2141E6}"/>
+              </a:ext>
+            </a:extLst>
+          </p:cNvPr>
+          <p:cNvSpPr txBox="1"/>
+          <p:nvPr/>
+        </p:nvSpPr>
+        <p:spPr>
+          <a:xfrm>
+            <a:off x="9980694" y="3049489"/>
+            <a:ext cx="707245" cy="553998"/>
+          </a:xfrm>
+          <a:prstGeom prst="rect">
+            <a:avLst/>
+          </a:prstGeom>
+          <a:noFill/>
+        </p:spPr>
+        <p:txBody>
+          <a:bodyPr wrap="none" rtlCol="0">
+            <a:spAutoFit/>
+          </a:bodyPr>
+          <a:lstStyle/>
+          <a:p>
+            <a:pPr algn="ctr"/>
+            <a:r>
+              <a:rPr lang="en-CA" sz="1000" dirty="0">
+                <a:effectLst/>
+              </a:rPr>
+              <a:t>YouTube</a:t>
+            </a:r>
+            <a:br>
+              <a:rPr lang="en-CA" sz="1000" dirty="0">
+                <a:effectLst/>
+              </a:rPr>
+            </a:br>
+            <a:r>
+              <a:rPr lang="en-CA" sz="1000" dirty="0">
+                <a:effectLst/>
+              </a:rPr>
+              <a:t>Facebook</a:t>
+            </a:r>
+            <a:br>
+              <a:rPr lang="en-CA" sz="1000" dirty="0">
+                <a:effectLst/>
+              </a:rPr>
+            </a:br>
+            <a:r>
+              <a:rPr lang="en-CA" sz="1000" dirty="0">
+                <a:effectLst/>
+              </a:rPr>
+              <a:t>streaming</a:t>
+            </a:r>
+            <a:endParaRPr lang="en-CA" sz="1000" dirty="0"/>
+          </a:p>
+        </p:txBody>
+      </p:sp>
+      <p:sp>
+        <p:nvSpPr>
+          <p:cNvPr id="187" name="Rectangle 186">
+            <a:extLst>
+              <a:ext uri="{FF2B5EF4-FFF2-40B4-BE49-F238E27FC236}">
+                <a16:creationId xmlns:a16="http://schemas.microsoft.com/office/drawing/2014/main" id="{A1E2C51B-E26A-40F9-8CCA-0D34F975B0B3}"/>
+              </a:ext>
+            </a:extLst>
+          </p:cNvPr>
+          <p:cNvSpPr/>
+          <p:nvPr/>
+        </p:nvSpPr>
+        <p:spPr>
+          <a:xfrm>
+            <a:off x="286909" y="1146339"/>
+            <a:ext cx="6959063" cy="5288540"/>
+          </a:xfrm>
+          <a:prstGeom prst="rect">
+            <a:avLst/>
+          </a:prstGeom>
+          <a:noFill/>
+        </p:spPr>
+        <p:style>
+          <a:lnRef idx="2">
+            <a:schemeClr val="accent1">
+              <a:shade val="50000"/>
+            </a:schemeClr>
+          </a:lnRef>
+          <a:fillRef idx="1">
+            <a:schemeClr val="accent1"/>
+          </a:fillRef>
+          <a:effectRef idx="0">
+            <a:schemeClr val="accent1"/>
+          </a:effectRef>
+          <a:fontRef idx="minor">
+            <a:schemeClr val="lt1"/>
+          </a:fontRef>
+        </p:style>
+        <p:txBody>
+          <a:bodyPr rtlCol="0" anchor="ctr"/>
+          <a:lstStyle/>
+          <a:p>
+            <a:pPr algn="ctr"/>
+            <a:endParaRPr lang="en-CA" dirty="0"/>
+          </a:p>
+        </p:txBody>
+      </p:sp>
+      <p:sp>
+        <p:nvSpPr>
+          <p:cNvPr id="188" name="TextBox 187">
+            <a:extLst>
+              <a:ext uri="{FF2B5EF4-FFF2-40B4-BE49-F238E27FC236}">
+                <a16:creationId xmlns:a16="http://schemas.microsoft.com/office/drawing/2014/main" id="{08F7EF4A-AC05-4AC6-B591-9D6E631DF448}"/>
+              </a:ext>
+            </a:extLst>
+          </p:cNvPr>
+          <p:cNvSpPr txBox="1"/>
+          <p:nvPr/>
+        </p:nvSpPr>
+        <p:spPr>
+          <a:xfrm>
+            <a:off x="767408" y="283774"/>
+            <a:ext cx="5803551" cy="861774"/>
+          </a:xfrm>
+          <a:prstGeom prst="rect">
+            <a:avLst/>
+          </a:prstGeom>
+          <a:noFill/>
+        </p:spPr>
+        <p:txBody>
+          <a:bodyPr wrap="square" rtlCol="0">
+            <a:spAutoFit/>
+          </a:bodyPr>
+          <a:lstStyle/>
+          <a:p>
+            <a:r>
+              <a:rPr lang="en-CA" sz="1400" dirty="0"/>
+              <a:t>Competition Network</a:t>
+            </a:r>
+          </a:p>
+          <a:p>
+            <a:pPr marL="285750" indent="-285750">
+              <a:buFont typeface="Arial" panose="020B0604020202020204" pitchFamily="34" charset="0"/>
+              <a:buChar char="•"/>
+            </a:pPr>
+            <a:r>
+              <a:rPr lang="en-CA" sz="1200" dirty="0"/>
+              <a:t>All machines see owlcms using its 192.168 address</a:t>
+            </a:r>
+          </a:p>
+          <a:p>
+            <a:pPr marL="285750" indent="-285750">
+              <a:buFont typeface="Arial" panose="020B0604020202020204" pitchFamily="34" charset="0"/>
+              <a:buChar char="•"/>
+            </a:pPr>
+            <a:r>
+              <a:rPr lang="en-CA" sz="1200" dirty="0"/>
+              <a:t>One switch per platform (PoE is used to provide power to </a:t>
+            </a:r>
+            <a:r>
+              <a:rPr lang="en-CA" sz="1200" dirty="0" err="1"/>
+              <a:t>WiFi</a:t>
+            </a:r>
+            <a:r>
+              <a:rPr lang="en-CA" sz="1200" dirty="0"/>
+              <a:t> access points)</a:t>
+            </a:r>
+          </a:p>
+          <a:p>
+            <a:pPr marL="285750" indent="-285750">
+              <a:buFont typeface="Arial" panose="020B0604020202020204" pitchFamily="34" charset="0"/>
+              <a:buChar char="•"/>
+            </a:pPr>
+            <a:r>
+              <a:rPr lang="en-CA" sz="1200" dirty="0"/>
+              <a:t>Competition traffic is completely within the switch(es)</a:t>
+            </a:r>
+          </a:p>
+        </p:txBody>
+      </p:sp>
+      <p:grpSp>
+        <p:nvGrpSpPr>
+          <p:cNvPr id="8" name="Group 7">
+            <a:extLst>
+              <a:ext uri="{FF2B5EF4-FFF2-40B4-BE49-F238E27FC236}">
+                <a16:creationId xmlns:a16="http://schemas.microsoft.com/office/drawing/2014/main" id="{771E6E48-B84A-4B76-B664-A1E3CE28F2DD}"/>
+              </a:ext>
+            </a:extLst>
+          </p:cNvPr>
+          <p:cNvGrpSpPr/>
+          <p:nvPr/>
+        </p:nvGrpSpPr>
+        <p:grpSpPr>
+          <a:xfrm>
+            <a:off x="767408" y="4525585"/>
+            <a:ext cx="1091967" cy="487591"/>
+            <a:chOff x="510710" y="3830851"/>
+            <a:chExt cx="1632592" cy="487591"/>
+          </a:xfrm>
+        </p:grpSpPr>
+        <p:grpSp>
+          <p:nvGrpSpPr>
+            <p:cNvPr id="189" name="Group 188">
+              <a:extLst>
+                <a:ext uri="{FF2B5EF4-FFF2-40B4-BE49-F238E27FC236}">
+                  <a16:creationId xmlns:a16="http://schemas.microsoft.com/office/drawing/2014/main" id="{E372648E-443C-4310-9E57-C47369D3B6F4}"/>
+                </a:ext>
+              </a:extLst>
+            </p:cNvPr>
+            <p:cNvGrpSpPr/>
+            <p:nvPr/>
+          </p:nvGrpSpPr>
+          <p:grpSpPr>
+            <a:xfrm>
+              <a:off x="638576" y="4014494"/>
+              <a:ext cx="1376861" cy="303948"/>
+              <a:chOff x="1085069" y="2104442"/>
+              <a:chExt cx="1368152" cy="306951"/>
+            </a:xfrm>
+          </p:grpSpPr>
+          <p:sp>
+            <p:nvSpPr>
+              <p:cNvPr id="190" name="Rectangle 189">
+                <a:extLst>
+                  <a:ext uri="{FF2B5EF4-FFF2-40B4-BE49-F238E27FC236}">
+                    <a16:creationId xmlns:a16="http://schemas.microsoft.com/office/drawing/2014/main" id="{7B780620-064C-43F0-9797-5A54F2B68E20}"/>
+                  </a:ext>
+                </a:extLst>
+              </p:cNvPr>
+              <p:cNvSpPr/>
+              <p:nvPr/>
+            </p:nvSpPr>
+            <p:spPr>
+              <a:xfrm>
+                <a:off x="1085069" y="2104442"/>
+                <a:ext cx="1368152" cy="306951"/>
+              </a:xfrm>
+              <a:prstGeom prst="rect">
+                <a:avLst/>
+              </a:prstGeom>
+              <a:solidFill>
+                <a:schemeClr val="accent5">
+                  <a:lumMod val="60000"/>
+                  <a:lumOff val="40000"/>
+                </a:schemeClr>
+              </a:solidFill>
+            </p:spPr>
+            <p:style>
+              <a:lnRef idx="2">
+                <a:schemeClr val="accent1">
+                  <a:shade val="50000"/>
+                </a:schemeClr>
+              </a:lnRef>
+              <a:fillRef idx="1">
+                <a:schemeClr val="accent1"/>
+              </a:fillRef>
+              <a:effectRef idx="0">
+                <a:schemeClr val="accent1"/>
+              </a:effectRef>
+              <a:fontRef idx="minor">
+                <a:schemeClr val="lt1"/>
+              </a:fontRef>
+            </p:style>
+            <p:txBody>
+              <a:bodyPr rtlCol="0" anchor="ctr"/>
+              <a:lstStyle/>
+              <a:p>
+                <a:pPr algn="ctr"/>
+                <a:endParaRPr lang="en-CA" dirty="0"/>
+              </a:p>
+            </p:txBody>
+          </p:sp>
+          <p:pic>
+            <p:nvPicPr>
+              <p:cNvPr id="191" name="Picture 190">
+                <a:extLst>
+                  <a:ext uri="{FF2B5EF4-FFF2-40B4-BE49-F238E27FC236}">
+                    <a16:creationId xmlns:a16="http://schemas.microsoft.com/office/drawing/2014/main" id="{3B71774B-A298-43B2-BDC0-DC6D4F76CBF2}"/>
+                  </a:ext>
+                </a:extLst>
+              </p:cNvPr>
+              <p:cNvPicPr>
+                <a:picLocks noChangeAspect="1"/>
+              </p:cNvPicPr>
+              <p:nvPr/>
+            </p:nvPicPr>
+            <p:blipFill>
+              <a:blip r:embed="rId2">
+                <a:extLst>
+                  <a:ext uri="{28A0092B-C50C-407E-A947-70E740481C1C}">
+                    <a14:useLocalDpi xmlns:a14="http://schemas.microsoft.com/office/drawing/2010/main" val="0"/>
+                  </a:ext>
+                  <a:ext uri="{837473B0-CC2E-450A-ABE3-18F120FF3D39}">
+                    <a1611:picAttrSrcUrl xmlns:a1611="http://schemas.microsoft.com/office/drawing/2016/11/main" r:id="rId3"/>
+                  </a:ext>
+                </a:extLst>
+              </a:blip>
+              <a:stretch>
+                <a:fillRect/>
+              </a:stretch>
+            </p:blipFill>
+            <p:spPr>
+              <a:xfrm>
+                <a:off x="1691850" y="2187014"/>
+                <a:ext cx="182880" cy="134684"/>
+              </a:xfrm>
+              <a:prstGeom prst="rect">
+                <a:avLst/>
+              </a:prstGeom>
+            </p:spPr>
+          </p:pic>
+        </p:grpSp>
+        <p:sp>
+          <p:nvSpPr>
+            <p:cNvPr id="201" name="TextBox 200">
+              <a:extLst>
+                <a:ext uri="{FF2B5EF4-FFF2-40B4-BE49-F238E27FC236}">
+                  <a16:creationId xmlns:a16="http://schemas.microsoft.com/office/drawing/2014/main" id="{FA4BF1C5-7D34-45BC-8751-44F479971566}"/>
+                </a:ext>
+              </a:extLst>
+            </p:cNvPr>
+            <p:cNvSpPr txBox="1"/>
+            <p:nvPr/>
+          </p:nvSpPr>
+          <p:spPr>
+            <a:xfrm>
+              <a:off x="510710" y="3830851"/>
+              <a:ext cx="1632592" cy="246221"/>
+            </a:xfrm>
+            <a:prstGeom prst="rect">
+              <a:avLst/>
+            </a:prstGeom>
+            <a:noFill/>
+          </p:spPr>
+          <p:txBody>
+            <a:bodyPr wrap="none" rtlCol="0">
+              <a:spAutoFit/>
+            </a:bodyPr>
+            <a:lstStyle/>
+            <a:p>
+              <a:pPr algn="ctr"/>
+              <a:r>
+                <a:rPr lang="en-CA" sz="1000" dirty="0" err="1"/>
+                <a:t>WiFi</a:t>
+              </a:r>
+              <a:r>
+                <a:rPr lang="en-CA" sz="1000" dirty="0"/>
+                <a:t> Access Point</a:t>
+              </a:r>
+            </a:p>
+          </p:txBody>
+        </p:sp>
+      </p:grpSp>
+      <p:cxnSp>
+        <p:nvCxnSpPr>
+          <p:cNvPr id="202" name="Straight Arrow Connector 201">
+            <a:extLst>
+              <a:ext uri="{FF2B5EF4-FFF2-40B4-BE49-F238E27FC236}">
+                <a16:creationId xmlns:a16="http://schemas.microsoft.com/office/drawing/2014/main" id="{1E738DF8-0D72-4AE6-AAE7-CB4F236B2F25}"/>
+              </a:ext>
+            </a:extLst>
+          </p:cNvPr>
+          <p:cNvCxnSpPr>
+            <a:cxnSpLocks/>
+          </p:cNvCxnSpPr>
+          <p:nvPr/>
+        </p:nvCxnSpPr>
+        <p:spPr>
+          <a:xfrm>
+            <a:off x="8932004" y="5767156"/>
+            <a:ext cx="406864" cy="7404"/>
+          </a:xfrm>
+          <a:prstGeom prst="straightConnector1">
+            <a:avLst/>
+          </a:prstGeom>
+          <a:ln>
+            <a:tailEnd type="triangle"/>
+          </a:ln>
+        </p:spPr>
+        <p:style>
+          <a:lnRef idx="1">
+            <a:schemeClr val="accent1"/>
+          </a:lnRef>
+          <a:fillRef idx="0">
+            <a:schemeClr val="accent1"/>
+          </a:fillRef>
+          <a:effectRef idx="0">
+            <a:schemeClr val="accent1"/>
+          </a:effectRef>
+          <a:fontRef idx="minor">
+            <a:schemeClr val="tx1"/>
+          </a:fontRef>
+        </p:style>
+      </p:cxnSp>
+      <p:sp>
+        <p:nvSpPr>
+          <p:cNvPr id="204" name="TextBox 203">
+            <a:extLst>
+              <a:ext uri="{FF2B5EF4-FFF2-40B4-BE49-F238E27FC236}">
+                <a16:creationId xmlns:a16="http://schemas.microsoft.com/office/drawing/2014/main" id="{D2BC43A0-175B-493B-AABF-9B4F7B5895CB}"/>
+              </a:ext>
+            </a:extLst>
+          </p:cNvPr>
+          <p:cNvSpPr txBox="1"/>
+          <p:nvPr/>
+        </p:nvSpPr>
+        <p:spPr>
+          <a:xfrm>
+            <a:off x="9419327" y="5634771"/>
+            <a:ext cx="1749197" cy="261610"/>
+          </a:xfrm>
+          <a:prstGeom prst="rect">
+            <a:avLst/>
+          </a:prstGeom>
+          <a:noFill/>
+        </p:spPr>
+        <p:txBody>
+          <a:bodyPr wrap="none" rtlCol="0">
+            <a:spAutoFit/>
+          </a:bodyPr>
+          <a:lstStyle/>
+          <a:p>
+            <a:r>
+              <a:rPr lang="en-CA" sz="1100" dirty="0"/>
+              <a:t>Physical or WIFI connection</a:t>
+            </a:r>
+          </a:p>
+        </p:txBody>
+      </p:sp>
+      <p:cxnSp>
+        <p:nvCxnSpPr>
+          <p:cNvPr id="206" name="Straight Connector 205">
+            <a:extLst>
+              <a:ext uri="{FF2B5EF4-FFF2-40B4-BE49-F238E27FC236}">
+                <a16:creationId xmlns:a16="http://schemas.microsoft.com/office/drawing/2014/main" id="{5C935AFB-B290-45DE-84B2-7DD0C126B796}"/>
+              </a:ext>
+            </a:extLst>
+          </p:cNvPr>
+          <p:cNvCxnSpPr>
+            <a:cxnSpLocks/>
+          </p:cNvCxnSpPr>
+          <p:nvPr/>
+        </p:nvCxnSpPr>
+        <p:spPr>
+          <a:xfrm>
+            <a:off x="8953721" y="5992379"/>
+            <a:ext cx="385147" cy="0"/>
+          </a:xfrm>
+          <a:prstGeom prst="line">
+            <a:avLst/>
+          </a:prstGeom>
+          <a:ln w="44450">
+            <a:solidFill>
+              <a:schemeClr val="accent6"/>
+            </a:solidFill>
+            <a:prstDash val="dash"/>
+            <a:tailEnd type="triangle"/>
+          </a:ln>
+        </p:spPr>
+        <p:style>
+          <a:lnRef idx="1">
+            <a:schemeClr val="accent1"/>
+          </a:lnRef>
+          <a:fillRef idx="0">
+            <a:schemeClr val="accent1"/>
+          </a:fillRef>
+          <a:effectRef idx="0">
+            <a:schemeClr val="accent1"/>
+          </a:effectRef>
+          <a:fontRef idx="minor">
+            <a:schemeClr val="tx1"/>
+          </a:fontRef>
+        </p:style>
+      </p:cxnSp>
+      <p:sp>
+        <p:nvSpPr>
+          <p:cNvPr id="208" name="Rectangle 207">
+            <a:extLst>
+              <a:ext uri="{FF2B5EF4-FFF2-40B4-BE49-F238E27FC236}">
+                <a16:creationId xmlns:a16="http://schemas.microsoft.com/office/drawing/2014/main" id="{350B2E3E-4C83-47E6-B42D-D3AAE9E92E93}"/>
+              </a:ext>
+            </a:extLst>
+          </p:cNvPr>
+          <p:cNvSpPr/>
+          <p:nvPr/>
+        </p:nvSpPr>
+        <p:spPr>
+          <a:xfrm>
+            <a:off x="7515140" y="1146339"/>
+            <a:ext cx="4306582" cy="5288540"/>
+          </a:xfrm>
+          <a:prstGeom prst="rect">
+            <a:avLst/>
+          </a:prstGeom>
+          <a:noFill/>
+        </p:spPr>
+        <p:style>
+          <a:lnRef idx="2">
+            <a:schemeClr val="accent1">
+              <a:shade val="50000"/>
+            </a:schemeClr>
+          </a:lnRef>
+          <a:fillRef idx="1">
+            <a:schemeClr val="accent1"/>
+          </a:fillRef>
+          <a:effectRef idx="0">
+            <a:schemeClr val="accent1"/>
+          </a:effectRef>
+          <a:fontRef idx="minor">
+            <a:schemeClr val="lt1"/>
+          </a:fontRef>
+        </p:style>
+        <p:txBody>
+          <a:bodyPr rtlCol="0" anchor="ctr"/>
+          <a:lstStyle/>
+          <a:p>
+            <a:pPr algn="ctr"/>
+            <a:endParaRPr lang="en-CA" dirty="0"/>
+          </a:p>
+        </p:txBody>
+      </p:sp>
+      <p:sp>
+        <p:nvSpPr>
+          <p:cNvPr id="209" name="TextBox 208">
+            <a:extLst>
+              <a:ext uri="{FF2B5EF4-FFF2-40B4-BE49-F238E27FC236}">
+                <a16:creationId xmlns:a16="http://schemas.microsoft.com/office/drawing/2014/main" id="{61226B3C-9EB1-4624-BD2A-EE31D5068FAB}"/>
+              </a:ext>
+            </a:extLst>
+          </p:cNvPr>
+          <p:cNvSpPr txBox="1"/>
+          <p:nvPr/>
+        </p:nvSpPr>
+        <p:spPr>
+          <a:xfrm>
+            <a:off x="7462583" y="523911"/>
+            <a:ext cx="4003405" cy="677108"/>
+          </a:xfrm>
+          <a:prstGeom prst="rect">
+            <a:avLst/>
+          </a:prstGeom>
+          <a:noFill/>
+        </p:spPr>
+        <p:txBody>
+          <a:bodyPr wrap="square" rtlCol="0">
+            <a:spAutoFit/>
+          </a:bodyPr>
+          <a:lstStyle/>
+          <a:p>
+            <a:r>
+              <a:rPr lang="en-CA" sz="1400" dirty="0"/>
+              <a:t>Isolated Video Network</a:t>
+            </a:r>
+          </a:p>
+          <a:p>
+            <a:pPr marL="285750" indent="-285750">
+              <a:buFont typeface="Arial" panose="020B0604020202020204" pitchFamily="34" charset="0"/>
+              <a:buChar char="•"/>
+            </a:pPr>
+            <a:r>
+              <a:rPr lang="en-CA" sz="1200" dirty="0"/>
+              <a:t>Needs a redirection to see owlcms</a:t>
+            </a:r>
+          </a:p>
+          <a:p>
+            <a:pPr marL="285750" indent="-285750">
+              <a:buFont typeface="Arial" panose="020B0604020202020204" pitchFamily="34" charset="0"/>
+              <a:buChar char="•"/>
+            </a:pPr>
+            <a:r>
+              <a:rPr lang="en-CA" sz="1200" dirty="0"/>
+              <a:t>Avoids video traffic hitting the competition router</a:t>
+            </a:r>
+          </a:p>
+        </p:txBody>
+      </p:sp>
+      <p:sp>
+        <p:nvSpPr>
+          <p:cNvPr id="213" name="TextBox 212">
+            <a:extLst>
+              <a:ext uri="{FF2B5EF4-FFF2-40B4-BE49-F238E27FC236}">
+                <a16:creationId xmlns:a16="http://schemas.microsoft.com/office/drawing/2014/main" id="{9F3CA7A6-3357-4C39-B63E-B79EB7A68CB9}"/>
+              </a:ext>
+            </a:extLst>
+          </p:cNvPr>
+          <p:cNvSpPr txBox="1"/>
+          <p:nvPr/>
+        </p:nvSpPr>
+        <p:spPr>
+          <a:xfrm>
+            <a:off x="9419326" y="5840127"/>
+            <a:ext cx="976549" cy="261610"/>
+          </a:xfrm>
+          <a:prstGeom prst="rect">
+            <a:avLst/>
+          </a:prstGeom>
+          <a:noFill/>
+        </p:spPr>
+        <p:txBody>
+          <a:bodyPr wrap="none" rtlCol="0">
+            <a:spAutoFit/>
+          </a:bodyPr>
+          <a:lstStyle/>
+          <a:p>
+            <a:r>
+              <a:rPr lang="en-CA" sz="1100" dirty="0"/>
+              <a:t>IP Connection</a:t>
+            </a:r>
+          </a:p>
+        </p:txBody>
+      </p:sp>
+      <p:cxnSp>
+        <p:nvCxnSpPr>
+          <p:cNvPr id="20" name="Straight Arrow Connector 19">
+            <a:extLst>
+              <a:ext uri="{FF2B5EF4-FFF2-40B4-BE49-F238E27FC236}">
+                <a16:creationId xmlns:a16="http://schemas.microsoft.com/office/drawing/2014/main" id="{FF83D43C-A0C7-4031-BD5B-FF608F8338A6}"/>
+              </a:ext>
+            </a:extLst>
+          </p:cNvPr>
+          <p:cNvCxnSpPr>
+            <a:cxnSpLocks/>
+            <a:stCxn id="190" idx="2"/>
+            <a:endCxn id="80" idx="2"/>
+          </p:cNvCxnSpPr>
+          <p:nvPr/>
+        </p:nvCxnSpPr>
+        <p:spPr>
+          <a:xfrm>
+            <a:off x="1313392" y="5013176"/>
+            <a:ext cx="17633" cy="744954"/>
+          </a:xfrm>
+          <a:prstGeom prst="straightConnector1">
+            <a:avLst/>
+          </a:prstGeom>
+          <a:ln>
+            <a:tailEnd type="triangle"/>
+          </a:ln>
+        </p:spPr>
+        <p:style>
+          <a:lnRef idx="1">
+            <a:schemeClr val="accent1"/>
+          </a:lnRef>
+          <a:fillRef idx="0">
+            <a:schemeClr val="accent1"/>
+          </a:fillRef>
+          <a:effectRef idx="0">
+            <a:schemeClr val="accent1"/>
+          </a:effectRef>
+          <a:fontRef idx="minor">
+            <a:schemeClr val="tx1"/>
+          </a:fontRef>
+        </p:style>
+      </p:cxnSp>
+      <p:pic>
+        <p:nvPicPr>
+          <p:cNvPr id="138" name="Graphic 157" descr="Laptop">
+            <a:extLst>
+              <a:ext uri="{FF2B5EF4-FFF2-40B4-BE49-F238E27FC236}">
+                <a16:creationId xmlns:a16="http://schemas.microsoft.com/office/drawing/2014/main" id="{C0292E6F-F379-44BE-8B4E-D40F68B2B86B}"/>
+              </a:ext>
+            </a:extLst>
+          </p:cNvPr>
+          <p:cNvPicPr>
+            <a:picLocks noChangeAspect="1" noChangeArrowheads="1"/>
+          </p:cNvPicPr>
+          <p:nvPr/>
+        </p:nvPicPr>
+        <p:blipFill>
+          <a:blip r:embed="rId5">
+            <a:extLst>
+              <a:ext uri="{28A0092B-C50C-407E-A947-70E740481C1C}">
+                <a14:useLocalDpi xmlns:a14="http://schemas.microsoft.com/office/drawing/2010/main" val="0"/>
+              </a:ext>
+            </a:extLst>
+          </a:blip>
+          <a:srcRect/>
+          <a:stretch>
+            <a:fillRect/>
+          </a:stretch>
+        </p:blipFill>
+        <p:spPr bwMode="auto">
+          <a:xfrm>
+            <a:off x="2589302" y="5115450"/>
+            <a:ext cx="457204" cy="457204"/>
+          </a:xfrm>
+          <a:prstGeom prst="rect">
+            <a:avLst/>
+          </a:prstGeom>
+          <a:noFill/>
+          <a:ln>
+            <a:noFill/>
+          </a:ln>
+          <a:extLst>
+            <a:ext uri="{909E8E84-426E-40DD-AFC4-6F175D3DCCD1}">
+              <a14:hiddenFill xmlns:a14="http://schemas.microsoft.com/office/drawing/2010/main">
+                <a:solidFill>
+                  <a:srgbClr val="FFFFFF"/>
+                </a:solidFill>
+              </a14:hiddenFill>
+            </a:ext>
+            <a:ext uri="{91240B29-F687-4F45-9708-019B960494DF}">
+              <a14:hiddenLine xmlns:a14="http://schemas.microsoft.com/office/drawing/2010/main" w="9525">
+                <a:solidFill>
+                  <a:srgbClr val="000000"/>
+                </a:solidFill>
+                <a:miter lim="800000"/>
+                <a:headEnd/>
+                <a:tailEnd/>
+              </a14:hiddenLine>
+            </a:ext>
+          </a:extLst>
+        </p:spPr>
+      </p:pic>
+      <p:cxnSp>
+        <p:nvCxnSpPr>
+          <p:cNvPr id="139" name="Straight Arrow Connector 138">
+            <a:extLst>
+              <a:ext uri="{FF2B5EF4-FFF2-40B4-BE49-F238E27FC236}">
+                <a16:creationId xmlns:a16="http://schemas.microsoft.com/office/drawing/2014/main" id="{CD152459-C34F-4DC2-B1EF-07B7D1A6CBBA}"/>
+              </a:ext>
+            </a:extLst>
+          </p:cNvPr>
+          <p:cNvCxnSpPr>
+            <a:cxnSpLocks/>
+            <a:stCxn id="138" idx="2"/>
+          </p:cNvCxnSpPr>
+          <p:nvPr/>
+        </p:nvCxnSpPr>
+        <p:spPr>
+          <a:xfrm flipH="1">
+            <a:off x="2811155" y="5572654"/>
+            <a:ext cx="6749" cy="216648"/>
+          </a:xfrm>
+          <a:prstGeom prst="straightConnector1">
+            <a:avLst/>
+          </a:prstGeom>
+          <a:ln>
+            <a:tailEnd type="triangle"/>
+          </a:ln>
+        </p:spPr>
+        <p:style>
+          <a:lnRef idx="1">
+            <a:schemeClr val="accent1"/>
+          </a:lnRef>
+          <a:fillRef idx="0">
+            <a:schemeClr val="accent1"/>
+          </a:fillRef>
+          <a:effectRef idx="0">
+            <a:schemeClr val="accent1"/>
+          </a:effectRef>
+          <a:fontRef idx="minor">
+            <a:schemeClr val="tx1"/>
+          </a:fontRef>
+        </p:style>
+      </p:cxnSp>
+      <p:grpSp>
+        <p:nvGrpSpPr>
+          <p:cNvPr id="144" name="Group 143">
+            <a:extLst>
+              <a:ext uri="{FF2B5EF4-FFF2-40B4-BE49-F238E27FC236}">
+                <a16:creationId xmlns:a16="http://schemas.microsoft.com/office/drawing/2014/main" id="{A8FB138D-7BC7-430A-B652-01307C160610}"/>
+              </a:ext>
+            </a:extLst>
+          </p:cNvPr>
+          <p:cNvGrpSpPr/>
+          <p:nvPr/>
+        </p:nvGrpSpPr>
+        <p:grpSpPr>
+          <a:xfrm>
+            <a:off x="1777170" y="4525585"/>
+            <a:ext cx="1091967" cy="487591"/>
+            <a:chOff x="510710" y="3830851"/>
+            <a:chExt cx="1632592" cy="487591"/>
+          </a:xfrm>
+        </p:grpSpPr>
+        <p:grpSp>
+          <p:nvGrpSpPr>
+            <p:cNvPr id="145" name="Group 144">
+              <a:extLst>
+                <a:ext uri="{FF2B5EF4-FFF2-40B4-BE49-F238E27FC236}">
+                  <a16:creationId xmlns:a16="http://schemas.microsoft.com/office/drawing/2014/main" id="{05602E61-FAE6-4DC6-87C1-446DC9B2AED8}"/>
+                </a:ext>
+              </a:extLst>
+            </p:cNvPr>
+            <p:cNvGrpSpPr/>
+            <p:nvPr/>
+          </p:nvGrpSpPr>
+          <p:grpSpPr>
+            <a:xfrm>
+              <a:off x="638576" y="4014494"/>
+              <a:ext cx="1376861" cy="303948"/>
+              <a:chOff x="1085069" y="2104442"/>
+              <a:chExt cx="1368152" cy="306951"/>
+            </a:xfrm>
+          </p:grpSpPr>
+          <p:sp>
+            <p:nvSpPr>
+              <p:cNvPr id="148" name="Rectangle 147">
+                <a:extLst>
+                  <a:ext uri="{FF2B5EF4-FFF2-40B4-BE49-F238E27FC236}">
+                    <a16:creationId xmlns:a16="http://schemas.microsoft.com/office/drawing/2014/main" id="{7902B882-47B2-42EF-A90E-2916092B9BD0}"/>
+                  </a:ext>
+                </a:extLst>
+              </p:cNvPr>
+              <p:cNvSpPr/>
+              <p:nvPr/>
+            </p:nvSpPr>
+            <p:spPr>
+              <a:xfrm>
+                <a:off x="1085069" y="2104442"/>
+                <a:ext cx="1368152" cy="306951"/>
+              </a:xfrm>
+              <a:prstGeom prst="rect">
+                <a:avLst/>
+              </a:prstGeom>
+              <a:solidFill>
+                <a:schemeClr val="accent5">
+                  <a:lumMod val="60000"/>
+                  <a:lumOff val="40000"/>
+                </a:schemeClr>
+              </a:solidFill>
+            </p:spPr>
+            <p:style>
+              <a:lnRef idx="2">
+                <a:schemeClr val="accent1">
+                  <a:shade val="50000"/>
+                </a:schemeClr>
+              </a:lnRef>
+              <a:fillRef idx="1">
+                <a:schemeClr val="accent1"/>
+              </a:fillRef>
+              <a:effectRef idx="0">
+                <a:schemeClr val="accent1"/>
+              </a:effectRef>
+              <a:fontRef idx="minor">
+                <a:schemeClr val="lt1"/>
+              </a:fontRef>
+            </p:style>
+            <p:txBody>
+              <a:bodyPr rtlCol="0" anchor="ctr"/>
+              <a:lstStyle/>
+              <a:p>
+                <a:pPr algn="ctr"/>
+                <a:endParaRPr lang="en-CA" dirty="0"/>
+              </a:p>
+            </p:txBody>
+          </p:sp>
+          <p:pic>
+            <p:nvPicPr>
+              <p:cNvPr id="154" name="Picture 153">
+                <a:extLst>
+                  <a:ext uri="{FF2B5EF4-FFF2-40B4-BE49-F238E27FC236}">
+                    <a16:creationId xmlns:a16="http://schemas.microsoft.com/office/drawing/2014/main" id="{55015172-E9CD-4296-9FCD-79F853D9CEEA}"/>
+                  </a:ext>
+                </a:extLst>
+              </p:cNvPr>
+              <p:cNvPicPr>
+                <a:picLocks noChangeAspect="1"/>
+              </p:cNvPicPr>
+              <p:nvPr/>
+            </p:nvPicPr>
+            <p:blipFill>
+              <a:blip r:embed="rId2">
+                <a:extLst>
+                  <a:ext uri="{28A0092B-C50C-407E-A947-70E740481C1C}">
+                    <a14:useLocalDpi xmlns:a14="http://schemas.microsoft.com/office/drawing/2010/main" val="0"/>
+                  </a:ext>
+                  <a:ext uri="{837473B0-CC2E-450A-ABE3-18F120FF3D39}">
+                    <a1611:picAttrSrcUrl xmlns:a1611="http://schemas.microsoft.com/office/drawing/2016/11/main" r:id="rId3"/>
+                  </a:ext>
+                </a:extLst>
+              </a:blip>
+              <a:stretch>
+                <a:fillRect/>
+              </a:stretch>
+            </p:blipFill>
+            <p:spPr>
+              <a:xfrm>
+                <a:off x="1691850" y="2187014"/>
+                <a:ext cx="182880" cy="134684"/>
+              </a:xfrm>
+              <a:prstGeom prst="rect">
+                <a:avLst/>
+              </a:prstGeom>
+            </p:spPr>
+          </p:pic>
+        </p:grpSp>
+        <p:sp>
+          <p:nvSpPr>
+            <p:cNvPr id="147" name="TextBox 146">
+              <a:extLst>
+                <a:ext uri="{FF2B5EF4-FFF2-40B4-BE49-F238E27FC236}">
+                  <a16:creationId xmlns:a16="http://schemas.microsoft.com/office/drawing/2014/main" id="{9AEB4F8C-C94B-492A-A3D6-963DB621DB3E}"/>
+                </a:ext>
+              </a:extLst>
+            </p:cNvPr>
+            <p:cNvSpPr txBox="1"/>
+            <p:nvPr/>
+          </p:nvSpPr>
+          <p:spPr>
+            <a:xfrm>
+              <a:off x="510710" y="3830851"/>
+              <a:ext cx="1632592" cy="246221"/>
+            </a:xfrm>
+            <a:prstGeom prst="rect">
+              <a:avLst/>
+            </a:prstGeom>
+            <a:noFill/>
+          </p:spPr>
+          <p:txBody>
+            <a:bodyPr wrap="none" rtlCol="0">
+              <a:spAutoFit/>
+            </a:bodyPr>
+            <a:lstStyle/>
+            <a:p>
+              <a:pPr algn="ctr"/>
+              <a:r>
+                <a:rPr lang="en-CA" sz="1000" dirty="0" err="1"/>
+                <a:t>WiFi</a:t>
+              </a:r>
+              <a:r>
+                <a:rPr lang="en-CA" sz="1000" dirty="0"/>
+                <a:t> Access Point</a:t>
+              </a:r>
+            </a:p>
+          </p:txBody>
+        </p:sp>
+      </p:grpSp>
+      <p:cxnSp>
+        <p:nvCxnSpPr>
+          <p:cNvPr id="72" name="Connector: Elbow 71">
+            <a:extLst>
+              <a:ext uri="{FF2B5EF4-FFF2-40B4-BE49-F238E27FC236}">
+                <a16:creationId xmlns:a16="http://schemas.microsoft.com/office/drawing/2014/main" id="{31C1A72B-8D41-46E6-83ED-89DCF054125F}"/>
+              </a:ext>
+            </a:extLst>
+          </p:cNvPr>
+          <p:cNvCxnSpPr>
+            <a:cxnSpLocks/>
+            <a:stCxn id="114" idx="1"/>
+            <a:endCxn id="172" idx="2"/>
+          </p:cNvCxnSpPr>
+          <p:nvPr/>
+        </p:nvCxnSpPr>
+        <p:spPr>
+          <a:xfrm rot="10800000" flipV="1">
+            <a:off x="3944744" y="4592161"/>
+            <a:ext cx="1386879" cy="1166854"/>
+          </a:xfrm>
+          <a:prstGeom prst="bentConnector2">
+            <a:avLst/>
+          </a:prstGeom>
+          <a:ln>
+            <a:tailEnd type="triangle"/>
+          </a:ln>
+        </p:spPr>
+        <p:style>
+          <a:lnRef idx="1">
+            <a:schemeClr val="accent1"/>
+          </a:lnRef>
+          <a:fillRef idx="0">
+            <a:schemeClr val="accent1"/>
+          </a:fillRef>
+          <a:effectRef idx="0">
+            <a:schemeClr val="accent1"/>
+          </a:effectRef>
+          <a:fontRef idx="minor">
+            <a:schemeClr val="tx1"/>
+          </a:fontRef>
+        </p:style>
+      </p:cxnSp>
+      <p:grpSp>
+        <p:nvGrpSpPr>
+          <p:cNvPr id="168" name="Group 167">
+            <a:extLst>
+              <a:ext uri="{FF2B5EF4-FFF2-40B4-BE49-F238E27FC236}">
+                <a16:creationId xmlns:a16="http://schemas.microsoft.com/office/drawing/2014/main" id="{8B45DF9D-2A00-4F9C-8D74-EDE7E83D69BA}"/>
+              </a:ext>
+            </a:extLst>
+          </p:cNvPr>
+          <p:cNvGrpSpPr/>
+          <p:nvPr/>
+        </p:nvGrpSpPr>
+        <p:grpSpPr>
+          <a:xfrm flipV="1">
+            <a:off x="2972635" y="5756547"/>
+            <a:ext cx="2448272" cy="428769"/>
+            <a:chOff x="4780743" y="4587645"/>
+            <a:chExt cx="2448272" cy="428769"/>
+          </a:xfrm>
+        </p:grpSpPr>
+        <p:sp>
+          <p:nvSpPr>
+            <p:cNvPr id="169" name="Rectangle 168">
+              <a:extLst>
+                <a:ext uri="{FF2B5EF4-FFF2-40B4-BE49-F238E27FC236}">
+                  <a16:creationId xmlns:a16="http://schemas.microsoft.com/office/drawing/2014/main" id="{8AA01354-017F-471A-A0E0-0647939DEA9A}"/>
+                </a:ext>
+              </a:extLst>
+            </p:cNvPr>
+            <p:cNvSpPr/>
+            <p:nvPr/>
+          </p:nvSpPr>
+          <p:spPr>
+            <a:xfrm>
+              <a:off x="4780743" y="4587645"/>
+              <a:ext cx="2448272" cy="356761"/>
+            </a:xfrm>
+            <a:prstGeom prst="rect">
+              <a:avLst/>
+            </a:prstGeom>
+          </p:spPr>
+          <p:style>
+            <a:lnRef idx="2">
+              <a:schemeClr val="accent1">
+                <a:shade val="50000"/>
+              </a:schemeClr>
+            </a:lnRef>
+            <a:fillRef idx="1">
+              <a:schemeClr val="accent1"/>
+            </a:fillRef>
+            <a:effectRef idx="0">
+              <a:schemeClr val="accent1"/>
+            </a:effectRef>
+            <a:fontRef idx="minor">
+              <a:schemeClr val="lt1"/>
+            </a:fontRef>
+          </p:style>
+          <p:txBody>
+            <a:bodyPr rtlCol="0" anchor="ctr"/>
+            <a:lstStyle/>
+            <a:p>
+              <a:pPr algn="ctr"/>
+              <a:endParaRPr lang="en-CA" dirty="0"/>
+            </a:p>
+          </p:txBody>
+        </p:sp>
+        <p:sp>
+          <p:nvSpPr>
+            <p:cNvPr id="171" name="Rectangle 170">
+              <a:extLst>
+                <a:ext uri="{FF2B5EF4-FFF2-40B4-BE49-F238E27FC236}">
+                  <a16:creationId xmlns:a16="http://schemas.microsoft.com/office/drawing/2014/main" id="{74E4660E-819F-46A2-9220-D84B2ABD1F53}"/>
+                </a:ext>
+              </a:extLst>
+            </p:cNvPr>
+            <p:cNvSpPr/>
+            <p:nvPr/>
+          </p:nvSpPr>
+          <p:spPr>
+            <a:xfrm>
+              <a:off x="5140783" y="4944406"/>
+              <a:ext cx="216024" cy="72008"/>
+            </a:xfrm>
+            <a:prstGeom prst="rect">
+              <a:avLst/>
+            </a:prstGeom>
+          </p:spPr>
+          <p:style>
+            <a:lnRef idx="2">
+              <a:schemeClr val="accent1">
+                <a:shade val="50000"/>
+              </a:schemeClr>
+            </a:lnRef>
+            <a:fillRef idx="1">
+              <a:schemeClr val="accent1"/>
+            </a:fillRef>
+            <a:effectRef idx="0">
+              <a:schemeClr val="accent1"/>
+            </a:effectRef>
+            <a:fontRef idx="minor">
+              <a:schemeClr val="lt1"/>
+            </a:fontRef>
+          </p:style>
+          <p:txBody>
+            <a:bodyPr rtlCol="0" anchor="ctr"/>
+            <a:lstStyle/>
+            <a:p>
+              <a:pPr algn="ctr"/>
+              <a:endParaRPr lang="en-CA" dirty="0"/>
+            </a:p>
+          </p:txBody>
+        </p:sp>
+        <p:sp>
+          <p:nvSpPr>
+            <p:cNvPr id="172" name="Rectangle 171">
+              <a:extLst>
+                <a:ext uri="{FF2B5EF4-FFF2-40B4-BE49-F238E27FC236}">
+                  <a16:creationId xmlns:a16="http://schemas.microsoft.com/office/drawing/2014/main" id="{ACC8A185-A00F-48A1-ACF8-D6821819AC79}"/>
+                </a:ext>
+              </a:extLst>
+            </p:cNvPr>
+            <p:cNvSpPr/>
+            <p:nvPr/>
+          </p:nvSpPr>
+          <p:spPr>
+            <a:xfrm>
+              <a:off x="5644839" y="4941938"/>
+              <a:ext cx="216024" cy="72008"/>
+            </a:xfrm>
+            <a:prstGeom prst="rect">
+              <a:avLst/>
+            </a:prstGeom>
+          </p:spPr>
+          <p:style>
+            <a:lnRef idx="2">
+              <a:schemeClr val="accent1">
+                <a:shade val="50000"/>
+              </a:schemeClr>
+            </a:lnRef>
+            <a:fillRef idx="1">
+              <a:schemeClr val="accent1"/>
+            </a:fillRef>
+            <a:effectRef idx="0">
+              <a:schemeClr val="accent1"/>
+            </a:effectRef>
+            <a:fontRef idx="minor">
+              <a:schemeClr val="lt1"/>
+            </a:fontRef>
+          </p:style>
+          <p:txBody>
+            <a:bodyPr rtlCol="0" anchor="ctr"/>
+            <a:lstStyle/>
+            <a:p>
+              <a:pPr algn="ctr"/>
+              <a:endParaRPr lang="en-CA" dirty="0"/>
+            </a:p>
+          </p:txBody>
+        </p:sp>
+        <p:sp>
+          <p:nvSpPr>
+            <p:cNvPr id="173" name="Rectangle 172">
+              <a:extLst>
+                <a:ext uri="{FF2B5EF4-FFF2-40B4-BE49-F238E27FC236}">
+                  <a16:creationId xmlns:a16="http://schemas.microsoft.com/office/drawing/2014/main" id="{B93DDE75-CC01-4B6A-A28A-2D0D1271EF70}"/>
+                </a:ext>
+              </a:extLst>
+            </p:cNvPr>
+            <p:cNvSpPr/>
+            <p:nvPr/>
+          </p:nvSpPr>
+          <p:spPr>
+            <a:xfrm>
+              <a:off x="6148895" y="4939470"/>
+              <a:ext cx="216024" cy="72008"/>
+            </a:xfrm>
+            <a:prstGeom prst="rect">
+              <a:avLst/>
+            </a:prstGeom>
+          </p:spPr>
+          <p:style>
+            <a:lnRef idx="2">
+              <a:schemeClr val="accent1">
+                <a:shade val="50000"/>
+              </a:schemeClr>
+            </a:lnRef>
+            <a:fillRef idx="1">
+              <a:schemeClr val="accent1"/>
+            </a:fillRef>
+            <a:effectRef idx="0">
+              <a:schemeClr val="accent1"/>
+            </a:effectRef>
+            <a:fontRef idx="minor">
+              <a:schemeClr val="lt1"/>
+            </a:fontRef>
+          </p:style>
+          <p:txBody>
+            <a:bodyPr rtlCol="0" anchor="ctr"/>
+            <a:lstStyle/>
+            <a:p>
+              <a:pPr algn="ctr"/>
+              <a:endParaRPr lang="en-CA" dirty="0"/>
+            </a:p>
+          </p:txBody>
+        </p:sp>
+        <p:sp>
+          <p:nvSpPr>
+            <p:cNvPr id="174" name="Rectangle 173">
+              <a:extLst>
+                <a:ext uri="{FF2B5EF4-FFF2-40B4-BE49-F238E27FC236}">
+                  <a16:creationId xmlns:a16="http://schemas.microsoft.com/office/drawing/2014/main" id="{DC6E9037-609E-4546-B1CE-E98DCA3C58F4}"/>
+                </a:ext>
+              </a:extLst>
+            </p:cNvPr>
+            <p:cNvSpPr/>
+            <p:nvPr/>
+          </p:nvSpPr>
+          <p:spPr>
+            <a:xfrm>
+              <a:off x="6652951" y="4937002"/>
+              <a:ext cx="216024" cy="72008"/>
+            </a:xfrm>
+            <a:prstGeom prst="rect">
+              <a:avLst/>
+            </a:prstGeom>
+          </p:spPr>
+          <p:style>
+            <a:lnRef idx="2">
+              <a:schemeClr val="accent1">
+                <a:shade val="50000"/>
+              </a:schemeClr>
+            </a:lnRef>
+            <a:fillRef idx="1">
+              <a:schemeClr val="accent1"/>
+            </a:fillRef>
+            <a:effectRef idx="0">
+              <a:schemeClr val="accent1"/>
+            </a:effectRef>
+            <a:fontRef idx="minor">
+              <a:schemeClr val="lt1"/>
+            </a:fontRef>
+          </p:style>
+          <p:txBody>
+            <a:bodyPr rtlCol="0" anchor="ctr"/>
+            <a:lstStyle/>
+            <a:p>
+              <a:pPr algn="ctr"/>
+              <a:endParaRPr lang="en-CA" dirty="0"/>
+            </a:p>
+          </p:txBody>
+        </p:sp>
+      </p:grpSp>
+      <p:cxnSp>
+        <p:nvCxnSpPr>
+          <p:cNvPr id="90" name="Connector: Elbow 89">
+            <a:extLst>
+              <a:ext uri="{FF2B5EF4-FFF2-40B4-BE49-F238E27FC236}">
+                <a16:creationId xmlns:a16="http://schemas.microsoft.com/office/drawing/2014/main" id="{2B420ACC-0919-48DE-BE45-28E71249465C}"/>
+              </a:ext>
+            </a:extLst>
+          </p:cNvPr>
+          <p:cNvCxnSpPr>
+            <a:cxnSpLocks/>
+            <a:stCxn id="171" idx="2"/>
+            <a:endCxn id="41" idx="2"/>
+          </p:cNvCxnSpPr>
+          <p:nvPr/>
+        </p:nvCxnSpPr>
+        <p:spPr>
+          <a:xfrm rot="16200000" flipV="1">
+            <a:off x="1786369" y="4102228"/>
+            <a:ext cx="2687587" cy="621051"/>
+          </a:xfrm>
+          <a:prstGeom prst="bentConnector3">
+            <a:avLst>
+              <a:gd name="adj1" fmla="val 50000"/>
+            </a:avLst>
+          </a:prstGeom>
+          <a:ln>
+            <a:tailEnd type="triangle"/>
+          </a:ln>
+        </p:spPr>
+        <p:style>
+          <a:lnRef idx="1">
+            <a:schemeClr val="accent1"/>
+          </a:lnRef>
+          <a:fillRef idx="0">
+            <a:schemeClr val="accent1"/>
+          </a:fillRef>
+          <a:effectRef idx="0">
+            <a:schemeClr val="accent1"/>
+          </a:effectRef>
+          <a:fontRef idx="minor">
+            <a:schemeClr val="tx1"/>
+          </a:fontRef>
+        </p:style>
+      </p:cxnSp>
+      <p:cxnSp>
+        <p:nvCxnSpPr>
+          <p:cNvPr id="100" name="Connector: Elbow 99">
+            <a:extLst>
+              <a:ext uri="{FF2B5EF4-FFF2-40B4-BE49-F238E27FC236}">
+                <a16:creationId xmlns:a16="http://schemas.microsoft.com/office/drawing/2014/main" id="{8839BAA5-F733-4EE0-9EA4-151B91595FCD}"/>
+              </a:ext>
+            </a:extLst>
+          </p:cNvPr>
+          <p:cNvCxnSpPr>
+            <a:stCxn id="148" idx="2"/>
+            <a:endCxn id="81" idx="2"/>
+          </p:cNvCxnSpPr>
+          <p:nvPr/>
+        </p:nvCxnSpPr>
+        <p:spPr>
+          <a:xfrm rot="5400000">
+            <a:off x="1705407" y="5142851"/>
+            <a:ext cx="747422" cy="488073"/>
+          </a:xfrm>
+          <a:prstGeom prst="bentConnector3">
+            <a:avLst/>
+          </a:prstGeom>
+          <a:ln>
+            <a:tailEnd type="triangle"/>
+          </a:ln>
+        </p:spPr>
+        <p:style>
+          <a:lnRef idx="1">
+            <a:schemeClr val="accent1"/>
+          </a:lnRef>
+          <a:fillRef idx="0">
+            <a:schemeClr val="accent1"/>
+          </a:fillRef>
+          <a:effectRef idx="0">
+            <a:schemeClr val="accent1"/>
+          </a:effectRef>
+          <a:fontRef idx="minor">
+            <a:schemeClr val="tx1"/>
+          </a:fontRef>
+        </p:style>
+      </p:cxnSp>
+      <p:pic>
+        <p:nvPicPr>
+          <p:cNvPr id="193" name="Graphic 157" descr="Laptop">
+            <a:extLst>
+              <a:ext uri="{FF2B5EF4-FFF2-40B4-BE49-F238E27FC236}">
+                <a16:creationId xmlns:a16="http://schemas.microsoft.com/office/drawing/2014/main" id="{3339E372-530B-4EBF-9743-34AE32E90DA4}"/>
+              </a:ext>
+            </a:extLst>
+          </p:cNvPr>
+          <p:cNvPicPr>
+            <a:picLocks noChangeAspect="1" noChangeArrowheads="1"/>
+          </p:cNvPicPr>
+          <p:nvPr/>
+        </p:nvPicPr>
+        <p:blipFill>
+          <a:blip r:embed="rId5">
+            <a:extLst>
+              <a:ext uri="{28A0092B-C50C-407E-A947-70E740481C1C}">
+                <a14:useLocalDpi xmlns:a14="http://schemas.microsoft.com/office/drawing/2010/main" val="0"/>
+              </a:ext>
+            </a:extLst>
+          </a:blip>
+          <a:srcRect/>
+          <a:stretch>
+            <a:fillRect/>
+          </a:stretch>
+        </p:blipFill>
+        <p:spPr bwMode="auto">
+          <a:xfrm>
+            <a:off x="1073353" y="3962945"/>
+            <a:ext cx="457204" cy="457204"/>
+          </a:xfrm>
+          <a:prstGeom prst="rect">
+            <a:avLst/>
+          </a:prstGeom>
+          <a:noFill/>
+          <a:ln>
+            <a:noFill/>
+          </a:ln>
+          <a:extLst>
+            <a:ext uri="{909E8E84-426E-40DD-AFC4-6F175D3DCCD1}">
+              <a14:hiddenFill xmlns:a14="http://schemas.microsoft.com/office/drawing/2010/main">
+                <a:solidFill>
+                  <a:srgbClr val="FFFFFF"/>
+                </a:solidFill>
+              </a14:hiddenFill>
+            </a:ext>
+            <a:ext uri="{91240B29-F687-4F45-9708-019B960494DF}">
+              <a14:hiddenLine xmlns:a14="http://schemas.microsoft.com/office/drawing/2010/main" w="9525">
+                <a:solidFill>
+                  <a:srgbClr val="000000"/>
+                </a:solidFill>
+                <a:miter lim="800000"/>
+                <a:headEnd/>
+                <a:tailEnd/>
+              </a14:hiddenLine>
+            </a:ext>
+          </a:extLst>
+        </p:spPr>
+      </p:pic>
+      <p:cxnSp>
+        <p:nvCxnSpPr>
+          <p:cNvPr id="194" name="Straight Arrow Connector 193">
+            <a:extLst>
+              <a:ext uri="{FF2B5EF4-FFF2-40B4-BE49-F238E27FC236}">
+                <a16:creationId xmlns:a16="http://schemas.microsoft.com/office/drawing/2014/main" id="{83DD348A-B31D-4549-9D0B-FE30B7D03B9B}"/>
+              </a:ext>
+            </a:extLst>
+          </p:cNvPr>
+          <p:cNvCxnSpPr>
+            <a:cxnSpLocks/>
+            <a:stCxn id="193" idx="2"/>
+          </p:cNvCxnSpPr>
+          <p:nvPr/>
+        </p:nvCxnSpPr>
+        <p:spPr>
+          <a:xfrm flipH="1">
+            <a:off x="1295206" y="4420149"/>
+            <a:ext cx="6749" cy="216648"/>
+          </a:xfrm>
+          <a:prstGeom prst="straightConnector1">
+            <a:avLst/>
+          </a:prstGeom>
+          <a:ln>
+            <a:tailEnd type="triangle"/>
+          </a:ln>
+        </p:spPr>
+        <p:style>
+          <a:lnRef idx="1">
+            <a:schemeClr val="accent1"/>
+          </a:lnRef>
+          <a:fillRef idx="0">
+            <a:schemeClr val="accent1"/>
+          </a:fillRef>
+          <a:effectRef idx="0">
+            <a:schemeClr val="accent1"/>
+          </a:effectRef>
+          <a:fontRef idx="minor">
+            <a:schemeClr val="tx1"/>
+          </a:fontRef>
+        </p:style>
+      </p:cxnSp>
+      <p:cxnSp>
+        <p:nvCxnSpPr>
+          <p:cNvPr id="195" name="Connector: Elbow 194">
+            <a:extLst>
+              <a:ext uri="{FF2B5EF4-FFF2-40B4-BE49-F238E27FC236}">
+                <a16:creationId xmlns:a16="http://schemas.microsoft.com/office/drawing/2014/main" id="{413F8C54-1391-4149-AA6C-787129AF8D31}"/>
+              </a:ext>
+            </a:extLst>
+          </p:cNvPr>
+          <p:cNvCxnSpPr>
+            <a:cxnSpLocks/>
+            <a:stCxn id="110" idx="0"/>
+            <a:endCxn id="113" idx="0"/>
+          </p:cNvCxnSpPr>
+          <p:nvPr/>
+        </p:nvCxnSpPr>
+        <p:spPr>
+          <a:xfrm rot="16200000" flipH="1" flipV="1">
+            <a:off x="7252768" y="2046212"/>
+            <a:ext cx="653358" cy="3291060"/>
+          </a:xfrm>
+          <a:prstGeom prst="bentConnector3">
+            <a:avLst>
+              <a:gd name="adj1" fmla="val 321"/>
+            </a:avLst>
+          </a:prstGeom>
+          <a:ln w="44450">
+            <a:solidFill>
+              <a:schemeClr val="accent6"/>
+            </a:solidFill>
+            <a:prstDash val="dash"/>
+            <a:tailEnd type="triangle"/>
+          </a:ln>
+        </p:spPr>
+        <p:style>
+          <a:lnRef idx="1">
+            <a:schemeClr val="accent1"/>
+          </a:lnRef>
+          <a:fillRef idx="0">
+            <a:schemeClr val="accent1"/>
+          </a:fillRef>
+          <a:effectRef idx="0">
+            <a:schemeClr val="accent1"/>
+          </a:effectRef>
+          <a:fontRef idx="minor">
+            <a:schemeClr val="tx1"/>
+          </a:fontRef>
+        </p:style>
+      </p:cxnSp>
+      <p:sp>
+        <p:nvSpPr>
+          <p:cNvPr id="166" name="TextBox 165">
+            <a:extLst>
+              <a:ext uri="{FF2B5EF4-FFF2-40B4-BE49-F238E27FC236}">
+                <a16:creationId xmlns:a16="http://schemas.microsoft.com/office/drawing/2014/main" id="{15E201A6-3F91-40F1-A01A-A58790C9C3F2}"/>
+              </a:ext>
+            </a:extLst>
+          </p:cNvPr>
+          <p:cNvSpPr txBox="1"/>
+          <p:nvPr/>
+        </p:nvSpPr>
+        <p:spPr>
+          <a:xfrm>
+            <a:off x="5749867" y="5837628"/>
+            <a:ext cx="997389" cy="369332"/>
+          </a:xfrm>
+          <a:prstGeom prst="rect">
+            <a:avLst/>
+          </a:prstGeom>
+          <a:noFill/>
+        </p:spPr>
+        <p:txBody>
+          <a:bodyPr wrap="none" rtlCol="0">
+            <a:spAutoFit/>
+          </a:bodyPr>
+          <a:lstStyle/>
+          <a:p>
+            <a:r>
+              <a:rPr lang="fr-CA" sz="900" dirty="0" err="1"/>
+              <a:t>Additional</a:t>
+            </a:r>
+            <a:r>
+              <a:rPr lang="fr-CA" sz="900" dirty="0"/>
+              <a:t> switch</a:t>
+            </a:r>
+            <a:br>
+              <a:rPr lang="fr-CA" sz="900" dirty="0"/>
+            </a:br>
+            <a:r>
+              <a:rPr lang="fr-CA" sz="900" dirty="0"/>
+              <a:t>for platform 2</a:t>
+            </a:r>
+          </a:p>
+        </p:txBody>
+      </p:sp>
+      <p:cxnSp>
+        <p:nvCxnSpPr>
+          <p:cNvPr id="175" name="Connector: Elbow 174">
+            <a:extLst>
+              <a:ext uri="{FF2B5EF4-FFF2-40B4-BE49-F238E27FC236}">
+                <a16:creationId xmlns:a16="http://schemas.microsoft.com/office/drawing/2014/main" id="{41DC2A35-0D0E-46C3-92D7-406DFA1D2045}"/>
+              </a:ext>
+            </a:extLst>
+          </p:cNvPr>
+          <p:cNvCxnSpPr>
+            <a:stCxn id="166" idx="0"/>
+            <a:endCxn id="174" idx="2"/>
+          </p:cNvCxnSpPr>
+          <p:nvPr/>
+        </p:nvCxnSpPr>
+        <p:spPr>
+          <a:xfrm rot="16200000" flipV="1">
+            <a:off x="5563871" y="5152936"/>
+            <a:ext cx="73677" cy="1295707"/>
+          </a:xfrm>
+          <a:prstGeom prst="bentConnector3">
+            <a:avLst>
+              <a:gd name="adj1" fmla="val 410273"/>
+            </a:avLst>
+          </a:prstGeom>
+          <a:ln>
+            <a:tailEnd type="triangle"/>
+          </a:ln>
+        </p:spPr>
+        <p:style>
+          <a:lnRef idx="1">
+            <a:schemeClr val="accent1"/>
+          </a:lnRef>
+          <a:fillRef idx="0">
+            <a:schemeClr val="accent1"/>
+          </a:fillRef>
+          <a:effectRef idx="0">
+            <a:schemeClr val="accent1"/>
+          </a:effectRef>
+          <a:fontRef idx="minor">
+            <a:schemeClr val="tx1"/>
+          </a:fontRef>
+        </p:style>
+      </p:cxnSp>
+      <p:sp>
+        <p:nvSpPr>
+          <p:cNvPr id="176" name="TextBox 175">
+            <a:extLst>
+              <a:ext uri="{FF2B5EF4-FFF2-40B4-BE49-F238E27FC236}">
+                <a16:creationId xmlns:a16="http://schemas.microsoft.com/office/drawing/2014/main" id="{E5878553-636F-4E9F-8CD9-A749F5F87023}"/>
+              </a:ext>
+            </a:extLst>
+          </p:cNvPr>
+          <p:cNvSpPr txBox="1"/>
+          <p:nvPr/>
+        </p:nvSpPr>
+        <p:spPr>
+          <a:xfrm>
+            <a:off x="2855640" y="2196153"/>
+            <a:ext cx="397866" cy="584775"/>
+          </a:xfrm>
+          <a:prstGeom prst="rect">
+            <a:avLst/>
+          </a:prstGeom>
+          <a:noFill/>
+        </p:spPr>
+        <p:txBody>
+          <a:bodyPr wrap="none" rtlCol="0">
+            <a:spAutoFit/>
+          </a:bodyPr>
+          <a:lstStyle/>
+          <a:p>
+            <a:r>
+              <a:rPr lang="fr-CA" sz="3200" dirty="0">
+                <a:solidFill>
+                  <a:srgbClr val="FF0000"/>
+                </a:solidFill>
+              </a:rPr>
+              <a:t>X</a:t>
+            </a:r>
+          </a:p>
+        </p:txBody>
+      </p:sp>
+      <p:sp>
+        <p:nvSpPr>
+          <p:cNvPr id="152" name="TextBox 151">
+            <a:extLst>
+              <a:ext uri="{FF2B5EF4-FFF2-40B4-BE49-F238E27FC236}">
+                <a16:creationId xmlns:a16="http://schemas.microsoft.com/office/drawing/2014/main" id="{984213BE-DC2C-4862-8E3A-4AEDFD7DDEDD}"/>
+              </a:ext>
+            </a:extLst>
+          </p:cNvPr>
+          <p:cNvSpPr txBox="1"/>
+          <p:nvPr/>
+        </p:nvSpPr>
+        <p:spPr>
+          <a:xfrm>
+            <a:off x="1387918" y="5876473"/>
+            <a:ext cx="2188420" cy="246221"/>
+          </a:xfrm>
+          <a:prstGeom prst="rect">
+            <a:avLst/>
+          </a:prstGeom>
+          <a:noFill/>
+        </p:spPr>
+        <p:txBody>
+          <a:bodyPr wrap="none" rtlCol="0">
+            <a:spAutoFit/>
+          </a:bodyPr>
+          <a:lstStyle/>
+          <a:p>
+            <a:r>
+              <a:rPr lang="en-CA" sz="1000" dirty="0"/>
+              <a:t>PoE-capable Switch (one per platform)</a:t>
+            </a:r>
+          </a:p>
+        </p:txBody>
+      </p:sp>
+      <p:sp>
+        <p:nvSpPr>
+          <p:cNvPr id="197" name="TextBox 196">
+            <a:extLst>
+              <a:ext uri="{FF2B5EF4-FFF2-40B4-BE49-F238E27FC236}">
+                <a16:creationId xmlns:a16="http://schemas.microsoft.com/office/drawing/2014/main" id="{8E12A0B5-4A81-48D7-A2B9-75F0C8A44135}"/>
+              </a:ext>
+            </a:extLst>
+          </p:cNvPr>
+          <p:cNvSpPr txBox="1"/>
+          <p:nvPr/>
+        </p:nvSpPr>
+        <p:spPr>
+          <a:xfrm>
+            <a:off x="917347" y="5641131"/>
+            <a:ext cx="360996" cy="230832"/>
+          </a:xfrm>
+          <a:prstGeom prst="rect">
+            <a:avLst/>
+          </a:prstGeom>
+          <a:noFill/>
+        </p:spPr>
+        <p:txBody>
+          <a:bodyPr wrap="none" rtlCol="0">
+            <a:spAutoFit/>
+          </a:bodyPr>
+          <a:lstStyle/>
+          <a:p>
+            <a:r>
+              <a:rPr lang="fr-CA" sz="900" dirty="0"/>
+              <a:t>PoE</a:t>
+            </a:r>
+          </a:p>
+        </p:txBody>
+      </p:sp>
+      <p:sp>
+        <p:nvSpPr>
+          <p:cNvPr id="198" name="TextBox 197">
+            <a:extLst>
+              <a:ext uri="{FF2B5EF4-FFF2-40B4-BE49-F238E27FC236}">
+                <a16:creationId xmlns:a16="http://schemas.microsoft.com/office/drawing/2014/main" id="{6AD1BDFE-56B3-4FC5-B934-184F3036490F}"/>
+              </a:ext>
+            </a:extLst>
+          </p:cNvPr>
+          <p:cNvSpPr txBox="1"/>
+          <p:nvPr/>
+        </p:nvSpPr>
+        <p:spPr>
+          <a:xfrm>
+            <a:off x="1440881" y="5650712"/>
+            <a:ext cx="360996" cy="230832"/>
+          </a:xfrm>
+          <a:prstGeom prst="rect">
+            <a:avLst/>
+          </a:prstGeom>
+          <a:noFill/>
+        </p:spPr>
+        <p:txBody>
+          <a:bodyPr wrap="none" rtlCol="0">
+            <a:spAutoFit/>
+          </a:bodyPr>
+          <a:lstStyle/>
+          <a:p>
+            <a:r>
+              <a:rPr lang="fr-CA" sz="900" dirty="0"/>
+              <a:t>PoE</a:t>
+            </a:r>
+          </a:p>
+        </p:txBody>
+      </p:sp>
+    </p:spTree>
+    <p:extLst>
+      <p:ext uri="{BB962C8B-B14F-4D97-AF65-F5344CB8AC3E}">
+        <p14:creationId xmlns:p14="http://schemas.microsoft.com/office/powerpoint/2010/main" val="3166276332"/>
+      </p:ext>
+    </p:extLst>
+  </p:cSld>
+  <p:clrMapOvr>
+    <a:masterClrMapping/>
+  </p:clrMapOvr>
+</p:sld>
+</file>
+
+<file path=ppt/slides/slide8.xml><?xml version="1.0" encoding="utf-8"?>
+<p:sld xmlns:a="http://schemas.openxmlformats.org/drawingml/2006/main" xmlns:r="http://schemas.openxmlformats.org/officeDocument/2006/relationships" xmlns:p="http://schemas.openxmlformats.org/presentationml/2006/main">
+  <p:cSld>
+    <p:spTree>
+      <p:nvGrpSpPr>
+        <p:cNvPr id="1" name=""/>
+        <p:cNvGrpSpPr/>
+        <p:nvPr/>
+      </p:nvGrpSpPr>
+      <p:grpSpPr>
+        <a:xfrm>
+          <a:off x="0" y="0"/>
+          <a:ext cx="0" cy="0"/>
+          <a:chOff x="0" y="0"/>
+          <a:chExt cx="0" cy="0"/>
+        </a:xfrm>
+      </p:grpSpPr>
+      <p:grpSp>
+        <p:nvGrpSpPr>
+          <p:cNvPr id="78" name="Group 77">
+            <a:extLst>
+              <a:ext uri="{FF2B5EF4-FFF2-40B4-BE49-F238E27FC236}">
+                <a16:creationId xmlns:a16="http://schemas.microsoft.com/office/drawing/2014/main" id="{C09B12F5-3A08-4030-9EB0-24C36005F479}"/>
+              </a:ext>
+            </a:extLst>
+          </p:cNvPr>
+          <p:cNvGrpSpPr/>
+          <p:nvPr/>
+        </p:nvGrpSpPr>
+        <p:grpSpPr>
+          <a:xfrm flipV="1">
+            <a:off x="909267" y="5376495"/>
+            <a:ext cx="2448272" cy="428769"/>
+            <a:chOff x="4780743" y="4587645"/>
+            <a:chExt cx="2448272" cy="428769"/>
+          </a:xfrm>
+        </p:grpSpPr>
+        <p:sp>
+          <p:nvSpPr>
+            <p:cNvPr id="79" name="Rectangle 78">
+              <a:extLst>
+                <a:ext uri="{FF2B5EF4-FFF2-40B4-BE49-F238E27FC236}">
+                  <a16:creationId xmlns:a16="http://schemas.microsoft.com/office/drawing/2014/main" id="{CAA13C98-962C-42A2-B0B1-75BC1B2E70AE}"/>
+                </a:ext>
+              </a:extLst>
+            </p:cNvPr>
+            <p:cNvSpPr/>
+            <p:nvPr/>
+          </p:nvSpPr>
+          <p:spPr>
+            <a:xfrm>
+              <a:off x="4780743" y="4587645"/>
+              <a:ext cx="2448272" cy="356761"/>
+            </a:xfrm>
+            <a:prstGeom prst="rect">
+              <a:avLst/>
+            </a:prstGeom>
+          </p:spPr>
+          <p:style>
+            <a:lnRef idx="2">
+              <a:schemeClr val="accent1">
+                <a:shade val="50000"/>
+              </a:schemeClr>
+            </a:lnRef>
+            <a:fillRef idx="1">
+              <a:schemeClr val="accent1"/>
+            </a:fillRef>
+            <a:effectRef idx="0">
+              <a:schemeClr val="accent1"/>
+            </a:effectRef>
+            <a:fontRef idx="minor">
+              <a:schemeClr val="lt1"/>
+            </a:fontRef>
+          </p:style>
+          <p:txBody>
+            <a:bodyPr rtlCol="0" anchor="ctr"/>
+            <a:lstStyle/>
+            <a:p>
+              <a:pPr algn="ctr"/>
+              <a:endParaRPr lang="en-CA" dirty="0"/>
+            </a:p>
+          </p:txBody>
+        </p:sp>
+        <p:sp>
+          <p:nvSpPr>
+            <p:cNvPr id="80" name="Rectangle 79">
+              <a:extLst>
+                <a:ext uri="{FF2B5EF4-FFF2-40B4-BE49-F238E27FC236}">
+                  <a16:creationId xmlns:a16="http://schemas.microsoft.com/office/drawing/2014/main" id="{EDE4E674-54F1-42DD-9B82-C2CFDC3C66C5}"/>
+                </a:ext>
+              </a:extLst>
+            </p:cNvPr>
+            <p:cNvSpPr/>
+            <p:nvPr/>
+          </p:nvSpPr>
+          <p:spPr>
+            <a:xfrm>
+              <a:off x="5140783" y="4944406"/>
+              <a:ext cx="216024" cy="72008"/>
+            </a:xfrm>
+            <a:prstGeom prst="rect">
+              <a:avLst/>
+            </a:prstGeom>
+          </p:spPr>
+          <p:style>
+            <a:lnRef idx="2">
+              <a:schemeClr val="accent1">
+                <a:shade val="50000"/>
+              </a:schemeClr>
+            </a:lnRef>
+            <a:fillRef idx="1">
+              <a:schemeClr val="accent1"/>
+            </a:fillRef>
+            <a:effectRef idx="0">
+              <a:schemeClr val="accent1"/>
+            </a:effectRef>
+            <a:fontRef idx="minor">
+              <a:schemeClr val="lt1"/>
+            </a:fontRef>
+          </p:style>
+          <p:txBody>
+            <a:bodyPr rtlCol="0" anchor="ctr"/>
+            <a:lstStyle/>
+            <a:p>
+              <a:pPr algn="ctr"/>
+              <a:endParaRPr lang="en-CA" dirty="0"/>
+            </a:p>
+          </p:txBody>
+        </p:sp>
+        <p:sp>
+          <p:nvSpPr>
+            <p:cNvPr id="81" name="Rectangle 80">
+              <a:extLst>
+                <a:ext uri="{FF2B5EF4-FFF2-40B4-BE49-F238E27FC236}">
+                  <a16:creationId xmlns:a16="http://schemas.microsoft.com/office/drawing/2014/main" id="{99C9EEC0-3B2A-45B5-89BD-89241625A9EF}"/>
+                </a:ext>
+              </a:extLst>
+            </p:cNvPr>
+            <p:cNvSpPr/>
+            <p:nvPr/>
+          </p:nvSpPr>
+          <p:spPr>
+            <a:xfrm>
+              <a:off x="5644839" y="4941938"/>
+              <a:ext cx="216024" cy="72008"/>
+            </a:xfrm>
+            <a:prstGeom prst="rect">
+              <a:avLst/>
+            </a:prstGeom>
+          </p:spPr>
+          <p:style>
+            <a:lnRef idx="2">
+              <a:schemeClr val="accent1">
+                <a:shade val="50000"/>
+              </a:schemeClr>
+            </a:lnRef>
+            <a:fillRef idx="1">
+              <a:schemeClr val="accent1"/>
+            </a:fillRef>
+            <a:effectRef idx="0">
+              <a:schemeClr val="accent1"/>
+            </a:effectRef>
+            <a:fontRef idx="minor">
+              <a:schemeClr val="lt1"/>
+            </a:fontRef>
+          </p:style>
+          <p:txBody>
+            <a:bodyPr rtlCol="0" anchor="ctr"/>
+            <a:lstStyle/>
+            <a:p>
+              <a:pPr algn="ctr"/>
+              <a:endParaRPr lang="en-CA" dirty="0"/>
+            </a:p>
+          </p:txBody>
+        </p:sp>
+        <p:sp>
+          <p:nvSpPr>
+            <p:cNvPr id="82" name="Rectangle 81">
+              <a:extLst>
+                <a:ext uri="{FF2B5EF4-FFF2-40B4-BE49-F238E27FC236}">
+                  <a16:creationId xmlns:a16="http://schemas.microsoft.com/office/drawing/2014/main" id="{429051E5-381A-4A0B-955C-DF79D7C66381}"/>
+                </a:ext>
+              </a:extLst>
+            </p:cNvPr>
+            <p:cNvSpPr/>
+            <p:nvPr/>
+          </p:nvSpPr>
+          <p:spPr>
+            <a:xfrm>
+              <a:off x="6148895" y="4939470"/>
+              <a:ext cx="216024" cy="72008"/>
+            </a:xfrm>
+            <a:prstGeom prst="rect">
+              <a:avLst/>
+            </a:prstGeom>
+          </p:spPr>
+          <p:style>
+            <a:lnRef idx="2">
+              <a:schemeClr val="accent1">
+                <a:shade val="50000"/>
+              </a:schemeClr>
+            </a:lnRef>
+            <a:fillRef idx="1">
+              <a:schemeClr val="accent1"/>
+            </a:fillRef>
+            <a:effectRef idx="0">
+              <a:schemeClr val="accent1"/>
+            </a:effectRef>
+            <a:fontRef idx="minor">
+              <a:schemeClr val="lt1"/>
+            </a:fontRef>
+          </p:style>
+          <p:txBody>
+            <a:bodyPr rtlCol="0" anchor="ctr"/>
+            <a:lstStyle/>
+            <a:p>
+              <a:pPr algn="ctr"/>
+              <a:endParaRPr lang="en-CA" dirty="0"/>
+            </a:p>
+          </p:txBody>
+        </p:sp>
+        <p:sp>
+          <p:nvSpPr>
+            <p:cNvPr id="83" name="Rectangle 82">
+              <a:extLst>
+                <a:ext uri="{FF2B5EF4-FFF2-40B4-BE49-F238E27FC236}">
+                  <a16:creationId xmlns:a16="http://schemas.microsoft.com/office/drawing/2014/main" id="{01306FD8-B11D-4E55-88EE-27DB148E0DA8}"/>
+                </a:ext>
+              </a:extLst>
+            </p:cNvPr>
+            <p:cNvSpPr/>
+            <p:nvPr/>
+          </p:nvSpPr>
+          <p:spPr>
+            <a:xfrm>
+              <a:off x="6652951" y="4937002"/>
+              <a:ext cx="216024" cy="72008"/>
+            </a:xfrm>
+            <a:prstGeom prst="rect">
+              <a:avLst/>
+            </a:prstGeom>
+          </p:spPr>
+          <p:style>
+            <a:lnRef idx="2">
+              <a:schemeClr val="accent1">
+                <a:shade val="50000"/>
+              </a:schemeClr>
+            </a:lnRef>
+            <a:fillRef idx="1">
+              <a:schemeClr val="accent1"/>
+            </a:fillRef>
+            <a:effectRef idx="0">
+              <a:schemeClr val="accent1"/>
+            </a:effectRef>
+            <a:fontRef idx="minor">
+              <a:schemeClr val="lt1"/>
+            </a:fontRef>
+          </p:style>
+          <p:txBody>
+            <a:bodyPr rtlCol="0" anchor="ctr"/>
+            <a:lstStyle/>
+            <a:p>
+              <a:pPr algn="ctr"/>
+              <a:endParaRPr lang="en-CA" dirty="0"/>
+            </a:p>
+          </p:txBody>
+        </p:sp>
+      </p:grpSp>
+      <p:sp>
+        <p:nvSpPr>
+          <p:cNvPr id="86" name="Thought Bubble: Cloud 85">
+            <a:extLst>
+              <a:ext uri="{FF2B5EF4-FFF2-40B4-BE49-F238E27FC236}">
+                <a16:creationId xmlns:a16="http://schemas.microsoft.com/office/drawing/2014/main" id="{015244E2-5618-4B8B-8BFA-D45976ABD90D}"/>
+              </a:ext>
+            </a:extLst>
+          </p:cNvPr>
+          <p:cNvSpPr/>
+          <p:nvPr/>
+        </p:nvSpPr>
+        <p:spPr>
+          <a:xfrm>
+            <a:off x="3575096" y="952797"/>
+            <a:ext cx="1415587" cy="522833"/>
+          </a:xfrm>
+          <a:prstGeom prst="cloudCallout">
+            <a:avLst>
+              <a:gd name="adj1" fmla="val -7169"/>
+              <a:gd name="adj2" fmla="val 32230"/>
+            </a:avLst>
+          </a:prstGeom>
+        </p:spPr>
+        <p:style>
+          <a:lnRef idx="2">
+            <a:schemeClr val="accent1">
+              <a:shade val="50000"/>
+            </a:schemeClr>
+          </a:lnRef>
+          <a:fillRef idx="1">
+            <a:schemeClr val="accent1"/>
+          </a:fillRef>
+          <a:effectRef idx="0">
+            <a:schemeClr val="accent1"/>
+          </a:effectRef>
+          <a:fontRef idx="minor">
+            <a:schemeClr val="lt1"/>
+          </a:fontRef>
+        </p:style>
+        <p:txBody>
+          <a:bodyPr rtlCol="0" anchor="ctr"/>
+          <a:lstStyle/>
+          <a:p>
+            <a:pPr algn="ctr"/>
+            <a:endParaRPr lang="en-CA" dirty="0"/>
+          </a:p>
+        </p:txBody>
+      </p:sp>
+      <p:cxnSp>
+        <p:nvCxnSpPr>
+          <p:cNvPr id="88" name="Straight Arrow Connector 87">
+            <a:extLst>
+              <a:ext uri="{FF2B5EF4-FFF2-40B4-BE49-F238E27FC236}">
+                <a16:creationId xmlns:a16="http://schemas.microsoft.com/office/drawing/2014/main" id="{E8D38BCD-6C5A-440C-85F3-EC475A271956}"/>
+              </a:ext>
+            </a:extLst>
+          </p:cNvPr>
+          <p:cNvCxnSpPr>
+            <a:cxnSpLocks/>
+            <a:endCxn id="86" idx="1"/>
+          </p:cNvCxnSpPr>
+          <p:nvPr/>
+        </p:nvCxnSpPr>
+        <p:spPr>
+          <a:xfrm flipH="1" flipV="1">
+            <a:off x="4282890" y="1475073"/>
+            <a:ext cx="48" cy="378954"/>
+          </a:xfrm>
+          <a:prstGeom prst="straightConnector1">
+            <a:avLst/>
+          </a:prstGeom>
+          <a:ln>
+            <a:tailEnd type="triangle"/>
+          </a:ln>
+        </p:spPr>
+        <p:style>
+          <a:lnRef idx="1">
+            <a:schemeClr val="accent1"/>
+          </a:lnRef>
+          <a:fillRef idx="0">
+            <a:schemeClr val="accent1"/>
+          </a:fillRef>
+          <a:effectRef idx="0">
+            <a:schemeClr val="accent1"/>
+          </a:effectRef>
+          <a:fontRef idx="minor">
+            <a:schemeClr val="tx1"/>
+          </a:fontRef>
+        </p:style>
+      </p:cxnSp>
+      <p:pic>
+        <p:nvPicPr>
+          <p:cNvPr id="110" name="Graphic 6" descr="Laptop">
+            <a:extLst>
+              <a:ext uri="{FF2B5EF4-FFF2-40B4-BE49-F238E27FC236}">
+                <a16:creationId xmlns:a16="http://schemas.microsoft.com/office/drawing/2014/main" id="{0821E5EE-91D3-45FD-8FF0-11AB2164C23D}"/>
+              </a:ext>
+            </a:extLst>
+          </p:cNvPr>
+          <p:cNvPicPr>
+            <a:picLocks noChangeAspect="1" noChangeArrowheads="1"/>
+          </p:cNvPicPr>
+          <p:nvPr/>
+        </p:nvPicPr>
+        <p:blipFill>
+          <a:blip r:embed="rId2">
+            <a:extLst>
+              <a:ext uri="{28A0092B-C50C-407E-A947-70E740481C1C}">
+                <a14:useLocalDpi xmlns:a14="http://schemas.microsoft.com/office/drawing/2010/main" val="0"/>
+              </a:ext>
+            </a:extLst>
+          </a:blip>
+          <a:srcRect/>
+          <a:stretch>
+            <a:fillRect/>
+          </a:stretch>
+        </p:blipFill>
+        <p:spPr bwMode="auto">
+          <a:xfrm>
+            <a:off x="5741187" y="2763487"/>
+            <a:ext cx="457204" cy="457204"/>
+          </a:xfrm>
+          <a:prstGeom prst="rect">
+            <a:avLst/>
+          </a:prstGeom>
+          <a:noFill/>
+          <a:ln>
+            <a:noFill/>
+          </a:ln>
+          <a:extLst>
+            <a:ext uri="{909E8E84-426E-40DD-AFC4-6F175D3DCCD1}">
+              <a14:hiddenFill xmlns:a14="http://schemas.microsoft.com/office/drawing/2010/main">
+                <a:solidFill>
+                  <a:srgbClr val="FFFFFF"/>
+                </a:solidFill>
+              </a14:hiddenFill>
+            </a:ext>
+            <a:ext uri="{91240B29-F687-4F45-9708-019B960494DF}">
+              <a14:hiddenLine xmlns:a14="http://schemas.microsoft.com/office/drawing/2010/main" w="9525">
+                <a:solidFill>
+                  <a:srgbClr val="000000"/>
+                </a:solidFill>
+                <a:miter lim="800000"/>
+                <a:headEnd/>
+                <a:tailEnd/>
+              </a14:hiddenLine>
+            </a:ext>
+          </a:extLst>
+        </p:spPr>
+      </p:pic>
+      <p:grpSp>
+        <p:nvGrpSpPr>
+          <p:cNvPr id="16" name="Group 15">
+            <a:extLst>
+              <a:ext uri="{FF2B5EF4-FFF2-40B4-BE49-F238E27FC236}">
+                <a16:creationId xmlns:a16="http://schemas.microsoft.com/office/drawing/2014/main" id="{5E7A9EB4-582B-4052-9281-A83C8301F35F}"/>
+              </a:ext>
+            </a:extLst>
+          </p:cNvPr>
+          <p:cNvGrpSpPr/>
+          <p:nvPr/>
+        </p:nvGrpSpPr>
+        <p:grpSpPr>
+          <a:xfrm>
+            <a:off x="5696913" y="3636786"/>
+            <a:ext cx="596638" cy="696851"/>
+            <a:chOff x="6251256" y="3738627"/>
+            <a:chExt cx="596638" cy="696851"/>
+          </a:xfrm>
+        </p:grpSpPr>
+        <p:pic>
+          <p:nvPicPr>
+            <p:cNvPr id="113" name="Graphic 6" descr="Laptop">
+              <a:extLst>
+                <a:ext uri="{FF2B5EF4-FFF2-40B4-BE49-F238E27FC236}">
+                  <a16:creationId xmlns:a16="http://schemas.microsoft.com/office/drawing/2014/main" id="{CF7B2BCB-B358-4AE4-82F4-DC0932CD7187}"/>
+                </a:ext>
+              </a:extLst>
+            </p:cNvPr>
+            <p:cNvPicPr>
+              <a:picLocks noChangeAspect="1" noChangeArrowheads="1"/>
+            </p:cNvPicPr>
+            <p:nvPr/>
+          </p:nvPicPr>
+          <p:blipFill>
+            <a:blip r:embed="rId2">
+              <a:duotone>
+                <a:prstClr val="black"/>
+                <a:srgbClr val="7030A0">
+                  <a:tint val="45000"/>
+                  <a:satMod val="400000"/>
+                </a:srgbClr>
+              </a:duotone>
+              <a:extLst>
+                <a:ext uri="{28A0092B-C50C-407E-A947-70E740481C1C}">
+                  <a14:useLocalDpi xmlns:a14="http://schemas.microsoft.com/office/drawing/2010/main" val="0"/>
+                </a:ext>
+              </a:extLst>
+            </a:blip>
+            <a:srcRect/>
+            <a:stretch>
+              <a:fillRect/>
+            </a:stretch>
+          </p:blipFill>
+          <p:spPr bwMode="auto">
+            <a:xfrm>
+              <a:off x="6305952" y="3738627"/>
+              <a:ext cx="457204" cy="457204"/>
+            </a:xfrm>
+            <a:prstGeom prst="rect">
+              <a:avLst/>
+            </a:prstGeom>
+            <a:noFill/>
+            <a:ln>
+              <a:noFill/>
+            </a:ln>
+            <a:extLst>
+              <a:ext uri="{909E8E84-426E-40DD-AFC4-6F175D3DCCD1}">
+                <a14:hiddenFill xmlns:a14="http://schemas.microsoft.com/office/drawing/2010/main">
+                  <a:solidFill>
+                    <a:srgbClr val="FFFFFF"/>
+                  </a:solidFill>
+                </a14:hiddenFill>
+              </a:ext>
+              <a:ext uri="{91240B29-F687-4F45-9708-019B960494DF}">
+                <a14:hiddenLine xmlns:a14="http://schemas.microsoft.com/office/drawing/2010/main" w="9525">
+                  <a:solidFill>
+                    <a:srgbClr val="000000"/>
+                  </a:solidFill>
+                  <a:miter lim="800000"/>
+                  <a:headEnd/>
+                  <a:tailEnd/>
+                </a14:hiddenLine>
+              </a:ext>
+            </a:extLst>
+          </p:spPr>
+        </p:pic>
+        <p:sp>
+          <p:nvSpPr>
+            <p:cNvPr id="114" name="TextBox 113">
+              <a:extLst>
+                <a:ext uri="{FF2B5EF4-FFF2-40B4-BE49-F238E27FC236}">
+                  <a16:creationId xmlns:a16="http://schemas.microsoft.com/office/drawing/2014/main" id="{AAF12F8E-9889-4C2D-9CB8-5B4D4D68C374}"/>
+                </a:ext>
+              </a:extLst>
+            </p:cNvPr>
+            <p:cNvSpPr txBox="1"/>
+            <p:nvPr/>
+          </p:nvSpPr>
+          <p:spPr>
+            <a:xfrm>
+              <a:off x="6251256" y="4035368"/>
+              <a:ext cx="596638" cy="400110"/>
+            </a:xfrm>
+            <a:prstGeom prst="rect">
+              <a:avLst/>
+            </a:prstGeom>
+            <a:noFill/>
+          </p:spPr>
+          <p:txBody>
+            <a:bodyPr wrap="none" rtlCol="0">
+              <a:spAutoFit/>
+            </a:bodyPr>
+            <a:lstStyle/>
+            <a:p>
+              <a:pPr algn="ctr"/>
+              <a:r>
+                <a:rPr lang="en-CA" sz="1000" dirty="0">
+                  <a:effectLst/>
+                </a:rPr>
+                <a:t>Owlcms</a:t>
+              </a:r>
+              <a:br>
+                <a:rPr lang="en-CA" sz="1000" dirty="0">
+                  <a:effectLst/>
+                </a:rPr>
+              </a:br>
+              <a:endParaRPr lang="en-CA" sz="1000" dirty="0"/>
+            </a:p>
+          </p:txBody>
+        </p:sp>
+      </p:grpSp>
+      <p:sp>
+        <p:nvSpPr>
+          <p:cNvPr id="115" name="TextBox 114">
+            <a:extLst>
+              <a:ext uri="{FF2B5EF4-FFF2-40B4-BE49-F238E27FC236}">
+                <a16:creationId xmlns:a16="http://schemas.microsoft.com/office/drawing/2014/main" id="{888F63D6-FD7F-4253-91F7-EBEB2D2D203A}"/>
+              </a:ext>
+            </a:extLst>
+          </p:cNvPr>
+          <p:cNvSpPr txBox="1"/>
+          <p:nvPr/>
+        </p:nvSpPr>
+        <p:spPr>
+          <a:xfrm>
+            <a:off x="5769076" y="2843472"/>
+            <a:ext cx="399469" cy="246221"/>
+          </a:xfrm>
+          <a:prstGeom prst="rect">
+            <a:avLst/>
+          </a:prstGeom>
+          <a:noFill/>
+        </p:spPr>
+        <p:txBody>
+          <a:bodyPr wrap="none" rtlCol="0">
+            <a:spAutoFit/>
+          </a:bodyPr>
+          <a:lstStyle/>
+          <a:p>
+            <a:pPr algn="ctr"/>
+            <a:r>
+              <a:rPr lang="en-CA" sz="1000" dirty="0">
+                <a:effectLst/>
+              </a:rPr>
+              <a:t>OBS</a:t>
+            </a:r>
+            <a:endParaRPr lang="en-CA" sz="1000" dirty="0"/>
+          </a:p>
+        </p:txBody>
+      </p:sp>
+      <p:grpSp>
+        <p:nvGrpSpPr>
+          <p:cNvPr id="14" name="Group 13">
+            <a:extLst>
+              <a:ext uri="{FF2B5EF4-FFF2-40B4-BE49-F238E27FC236}">
+                <a16:creationId xmlns:a16="http://schemas.microsoft.com/office/drawing/2014/main" id="{C5E3BC31-DA0C-4A4C-8CCF-9941DE5FFCD1}"/>
+              </a:ext>
+            </a:extLst>
+          </p:cNvPr>
+          <p:cNvGrpSpPr/>
+          <p:nvPr/>
+        </p:nvGrpSpPr>
+        <p:grpSpPr>
+          <a:xfrm>
+            <a:off x="2389411" y="1765583"/>
+            <a:ext cx="2448272" cy="921742"/>
+            <a:chOff x="4558647" y="2657217"/>
+            <a:chExt cx="2448272" cy="921742"/>
+          </a:xfrm>
+        </p:grpSpPr>
+        <p:sp>
+          <p:nvSpPr>
+            <p:cNvPr id="40" name="Rectangle 39">
+              <a:extLst>
+                <a:ext uri="{FF2B5EF4-FFF2-40B4-BE49-F238E27FC236}">
+                  <a16:creationId xmlns:a16="http://schemas.microsoft.com/office/drawing/2014/main" id="{DD6048A8-9141-4730-AACE-D33D573017A3}"/>
+                </a:ext>
+              </a:extLst>
+            </p:cNvPr>
+            <p:cNvSpPr/>
+            <p:nvPr/>
+          </p:nvSpPr>
+          <p:spPr>
+            <a:xfrm>
+              <a:off x="4558647" y="3150190"/>
+              <a:ext cx="2448272" cy="356761"/>
+            </a:xfrm>
+            <a:prstGeom prst="rect">
+              <a:avLst/>
+            </a:prstGeom>
+          </p:spPr>
+          <p:style>
+            <a:lnRef idx="2">
+              <a:schemeClr val="accent1">
+                <a:shade val="50000"/>
+              </a:schemeClr>
+            </a:lnRef>
+            <a:fillRef idx="1">
+              <a:schemeClr val="accent1"/>
+            </a:fillRef>
+            <a:effectRef idx="0">
+              <a:schemeClr val="accent1"/>
+            </a:effectRef>
+            <a:fontRef idx="minor">
+              <a:schemeClr val="lt1"/>
+            </a:fontRef>
+          </p:style>
+          <p:txBody>
+            <a:bodyPr rtlCol="0" anchor="ctr"/>
+            <a:lstStyle/>
+            <a:p>
+              <a:pPr algn="ctr"/>
+              <a:endParaRPr lang="en-CA" dirty="0"/>
+            </a:p>
+          </p:txBody>
+        </p:sp>
+        <p:sp>
+          <p:nvSpPr>
+            <p:cNvPr id="41" name="Rectangle 40">
+              <a:extLst>
+                <a:ext uri="{FF2B5EF4-FFF2-40B4-BE49-F238E27FC236}">
+                  <a16:creationId xmlns:a16="http://schemas.microsoft.com/office/drawing/2014/main" id="{27D7A2AC-D108-46DE-9EEC-D37299CE1ED7}"/>
+                </a:ext>
+              </a:extLst>
+            </p:cNvPr>
+            <p:cNvSpPr/>
+            <p:nvPr/>
+          </p:nvSpPr>
+          <p:spPr>
+            <a:xfrm>
+              <a:off x="4918687" y="3506951"/>
+              <a:ext cx="216024" cy="72008"/>
+            </a:xfrm>
+            <a:prstGeom prst="rect">
+              <a:avLst/>
+            </a:prstGeom>
+          </p:spPr>
+          <p:style>
+            <a:lnRef idx="2">
+              <a:schemeClr val="accent1">
+                <a:shade val="50000"/>
+              </a:schemeClr>
+            </a:lnRef>
+            <a:fillRef idx="1">
+              <a:schemeClr val="accent1"/>
+            </a:fillRef>
+            <a:effectRef idx="0">
+              <a:schemeClr val="accent1"/>
+            </a:effectRef>
+            <a:fontRef idx="minor">
+              <a:schemeClr val="lt1"/>
+            </a:fontRef>
+          </p:style>
+          <p:txBody>
+            <a:bodyPr rtlCol="0" anchor="ctr"/>
+            <a:lstStyle/>
+            <a:p>
+              <a:pPr algn="ctr"/>
+              <a:endParaRPr lang="en-CA" dirty="0"/>
+            </a:p>
+          </p:txBody>
+        </p:sp>
+        <p:sp>
+          <p:nvSpPr>
+            <p:cNvPr id="42" name="Rectangle 41">
+              <a:extLst>
+                <a:ext uri="{FF2B5EF4-FFF2-40B4-BE49-F238E27FC236}">
+                  <a16:creationId xmlns:a16="http://schemas.microsoft.com/office/drawing/2014/main" id="{D3DD861A-049A-49B4-ADC4-307F9C7D1107}"/>
+                </a:ext>
+              </a:extLst>
+            </p:cNvPr>
+            <p:cNvSpPr/>
+            <p:nvPr/>
+          </p:nvSpPr>
+          <p:spPr>
+            <a:xfrm>
+              <a:off x="5422743" y="3504483"/>
+              <a:ext cx="216024" cy="72008"/>
+            </a:xfrm>
+            <a:prstGeom prst="rect">
+              <a:avLst/>
+            </a:prstGeom>
+          </p:spPr>
+          <p:style>
+            <a:lnRef idx="2">
+              <a:schemeClr val="accent1">
+                <a:shade val="50000"/>
+              </a:schemeClr>
+            </a:lnRef>
+            <a:fillRef idx="1">
+              <a:schemeClr val="accent1"/>
+            </a:fillRef>
+            <a:effectRef idx="0">
+              <a:schemeClr val="accent1"/>
+            </a:effectRef>
+            <a:fontRef idx="minor">
+              <a:schemeClr val="lt1"/>
+            </a:fontRef>
+          </p:style>
+          <p:txBody>
+            <a:bodyPr rtlCol="0" anchor="ctr"/>
+            <a:lstStyle/>
+            <a:p>
+              <a:pPr algn="ctr"/>
+              <a:endParaRPr lang="en-CA" dirty="0"/>
+            </a:p>
+          </p:txBody>
+        </p:sp>
+        <p:sp>
+          <p:nvSpPr>
+            <p:cNvPr id="43" name="Rectangle 42">
+              <a:extLst>
+                <a:ext uri="{FF2B5EF4-FFF2-40B4-BE49-F238E27FC236}">
+                  <a16:creationId xmlns:a16="http://schemas.microsoft.com/office/drawing/2014/main" id="{83447D46-4567-41C0-8416-2B5ED99F9F83}"/>
+                </a:ext>
+              </a:extLst>
+            </p:cNvPr>
+            <p:cNvSpPr/>
+            <p:nvPr/>
+          </p:nvSpPr>
+          <p:spPr>
+            <a:xfrm>
+              <a:off x="5926799" y="3502015"/>
+              <a:ext cx="216024" cy="72008"/>
+            </a:xfrm>
+            <a:prstGeom prst="rect">
+              <a:avLst/>
+            </a:prstGeom>
+          </p:spPr>
+          <p:style>
+            <a:lnRef idx="2">
+              <a:schemeClr val="accent1">
+                <a:shade val="50000"/>
+              </a:schemeClr>
+            </a:lnRef>
+            <a:fillRef idx="1">
+              <a:schemeClr val="accent1"/>
+            </a:fillRef>
+            <a:effectRef idx="0">
+              <a:schemeClr val="accent1"/>
+            </a:effectRef>
+            <a:fontRef idx="minor">
+              <a:schemeClr val="lt1"/>
+            </a:fontRef>
+          </p:style>
+          <p:txBody>
+            <a:bodyPr rtlCol="0" anchor="ctr"/>
+            <a:lstStyle/>
+            <a:p>
+              <a:pPr algn="ctr"/>
+              <a:endParaRPr lang="en-CA" dirty="0"/>
+            </a:p>
+          </p:txBody>
+        </p:sp>
+        <p:sp>
+          <p:nvSpPr>
+            <p:cNvPr id="44" name="Rectangle 43">
+              <a:extLst>
+                <a:ext uri="{FF2B5EF4-FFF2-40B4-BE49-F238E27FC236}">
+                  <a16:creationId xmlns:a16="http://schemas.microsoft.com/office/drawing/2014/main" id="{B6400B4F-CBAF-4E24-BB05-192C23D6903A}"/>
+                </a:ext>
+              </a:extLst>
+            </p:cNvPr>
+            <p:cNvSpPr/>
+            <p:nvPr/>
+          </p:nvSpPr>
+          <p:spPr>
+            <a:xfrm>
+              <a:off x="6430855" y="3499547"/>
+              <a:ext cx="216024" cy="72008"/>
+            </a:xfrm>
+            <a:prstGeom prst="rect">
+              <a:avLst/>
+            </a:prstGeom>
+          </p:spPr>
+          <p:style>
+            <a:lnRef idx="2">
+              <a:schemeClr val="accent1">
+                <a:shade val="50000"/>
+              </a:schemeClr>
+            </a:lnRef>
+            <a:fillRef idx="1">
+              <a:schemeClr val="accent1"/>
+            </a:fillRef>
+            <a:effectRef idx="0">
+              <a:schemeClr val="accent1"/>
+            </a:effectRef>
+            <a:fontRef idx="minor">
+              <a:schemeClr val="lt1"/>
+            </a:fontRef>
+          </p:style>
+          <p:txBody>
+            <a:bodyPr rtlCol="0" anchor="ctr"/>
+            <a:lstStyle/>
+            <a:p>
+              <a:pPr algn="ctr"/>
+              <a:endParaRPr lang="en-CA" dirty="0"/>
+            </a:p>
+          </p:txBody>
+        </p:sp>
+        <p:sp>
+          <p:nvSpPr>
+            <p:cNvPr id="45" name="Rectangle 44">
+              <a:extLst>
+                <a:ext uri="{FF2B5EF4-FFF2-40B4-BE49-F238E27FC236}">
+                  <a16:creationId xmlns:a16="http://schemas.microsoft.com/office/drawing/2014/main" id="{27DF7D1D-951C-4D7C-BC74-9502FE641018}"/>
+                </a:ext>
+              </a:extLst>
+            </p:cNvPr>
+            <p:cNvSpPr/>
+            <p:nvPr/>
+          </p:nvSpPr>
+          <p:spPr>
+            <a:xfrm>
+              <a:off x="6358895" y="2786871"/>
+              <a:ext cx="216024" cy="72008"/>
+            </a:xfrm>
+            <a:prstGeom prst="rect">
+              <a:avLst/>
+            </a:prstGeom>
+            <a:solidFill>
+              <a:schemeClr val="accent6">
+                <a:lumMod val="60000"/>
+                <a:lumOff val="40000"/>
+              </a:schemeClr>
+            </a:solidFill>
+          </p:spPr>
+          <p:style>
+            <a:lnRef idx="2">
+              <a:schemeClr val="accent1">
+                <a:shade val="50000"/>
+              </a:schemeClr>
+            </a:lnRef>
+            <a:fillRef idx="1">
+              <a:schemeClr val="accent1"/>
+            </a:fillRef>
+            <a:effectRef idx="0">
+              <a:schemeClr val="accent1"/>
+            </a:effectRef>
+            <a:fontRef idx="minor">
+              <a:schemeClr val="lt1"/>
+            </a:fontRef>
+          </p:style>
+          <p:txBody>
+            <a:bodyPr rtlCol="0" anchor="ctr"/>
+            <a:lstStyle/>
+            <a:p>
+              <a:pPr algn="ctr"/>
+              <a:endParaRPr lang="en-CA" dirty="0"/>
+            </a:p>
+          </p:txBody>
+        </p:sp>
+        <p:sp>
+          <p:nvSpPr>
+            <p:cNvPr id="46" name="Rectangle 45">
+              <a:extLst>
+                <a:ext uri="{FF2B5EF4-FFF2-40B4-BE49-F238E27FC236}">
+                  <a16:creationId xmlns:a16="http://schemas.microsoft.com/office/drawing/2014/main" id="{90C4F415-5FD9-4BF8-94FB-ABC3A3BBD9BD}"/>
+                </a:ext>
+              </a:extLst>
+            </p:cNvPr>
+            <p:cNvSpPr/>
+            <p:nvPr/>
+          </p:nvSpPr>
+          <p:spPr>
+            <a:xfrm>
+              <a:off x="5926799" y="2858879"/>
+              <a:ext cx="1080120" cy="295435"/>
+            </a:xfrm>
+            <a:prstGeom prst="rect">
+              <a:avLst/>
+            </a:prstGeom>
+            <a:solidFill>
+              <a:schemeClr val="accent6">
+                <a:lumMod val="60000"/>
+                <a:lumOff val="40000"/>
+              </a:schemeClr>
+            </a:solidFill>
+          </p:spPr>
+          <p:style>
+            <a:lnRef idx="2">
+              <a:schemeClr val="accent1">
+                <a:shade val="50000"/>
+              </a:schemeClr>
+            </a:lnRef>
+            <a:fillRef idx="1">
+              <a:schemeClr val="accent1"/>
+            </a:fillRef>
+            <a:effectRef idx="0">
+              <a:schemeClr val="accent1"/>
+            </a:effectRef>
+            <a:fontRef idx="minor">
+              <a:schemeClr val="lt1"/>
+            </a:fontRef>
+          </p:style>
+          <p:txBody>
+            <a:bodyPr rtlCol="0" anchor="ctr"/>
+            <a:lstStyle/>
+            <a:p>
+              <a:pPr algn="ctr"/>
+              <a:endParaRPr lang="en-CA" dirty="0"/>
+            </a:p>
+          </p:txBody>
+        </p:sp>
+        <p:sp>
+          <p:nvSpPr>
+            <p:cNvPr id="93" name="TextBox 92">
+              <a:extLst>
+                <a:ext uri="{FF2B5EF4-FFF2-40B4-BE49-F238E27FC236}">
+                  <a16:creationId xmlns:a16="http://schemas.microsoft.com/office/drawing/2014/main" id="{01DBD5E6-5DC8-4DD6-9978-D0BFCB45446E}"/>
+                </a:ext>
+              </a:extLst>
+            </p:cNvPr>
+            <p:cNvSpPr txBox="1"/>
+            <p:nvPr/>
+          </p:nvSpPr>
+          <p:spPr>
+            <a:xfrm>
+              <a:off x="5998807" y="2883485"/>
+              <a:ext cx="1003801" cy="246221"/>
+            </a:xfrm>
+            <a:prstGeom prst="rect">
+              <a:avLst/>
+            </a:prstGeom>
+            <a:noFill/>
+          </p:spPr>
+          <p:txBody>
+            <a:bodyPr wrap="none" rtlCol="0">
+              <a:spAutoFit/>
+            </a:bodyPr>
+            <a:lstStyle/>
+            <a:p>
+              <a:r>
+                <a:rPr lang="en-CA" sz="1000" dirty="0">
+                  <a:effectLst/>
+                </a:rPr>
+                <a:t>107.171.217.85</a:t>
+              </a:r>
+              <a:endParaRPr lang="en-CA" sz="1000" dirty="0"/>
+            </a:p>
+          </p:txBody>
+        </p:sp>
+        <p:sp>
+          <p:nvSpPr>
+            <p:cNvPr id="95" name="TextBox 94">
+              <a:extLst>
+                <a:ext uri="{FF2B5EF4-FFF2-40B4-BE49-F238E27FC236}">
+                  <a16:creationId xmlns:a16="http://schemas.microsoft.com/office/drawing/2014/main" id="{D24D91B4-F575-4930-A046-505DBAA53ADA}"/>
+                </a:ext>
+              </a:extLst>
+            </p:cNvPr>
+            <p:cNvSpPr txBox="1"/>
+            <p:nvPr/>
+          </p:nvSpPr>
+          <p:spPr>
+            <a:xfrm>
+              <a:off x="5513864" y="3198055"/>
+              <a:ext cx="806631" cy="246221"/>
+            </a:xfrm>
+            <a:prstGeom prst="rect">
+              <a:avLst/>
+            </a:prstGeom>
+            <a:noFill/>
+          </p:spPr>
+          <p:txBody>
+            <a:bodyPr wrap="none" rtlCol="0">
+              <a:spAutoFit/>
+            </a:bodyPr>
+            <a:lstStyle/>
+            <a:p>
+              <a:r>
+                <a:rPr lang="en-CA" sz="1000" dirty="0">
+                  <a:effectLst/>
+                </a:rPr>
+                <a:t>192.168.0.1</a:t>
+              </a:r>
+              <a:endParaRPr lang="en-CA" sz="1000" dirty="0"/>
+            </a:p>
+          </p:txBody>
+        </p:sp>
+        <p:grpSp>
+          <p:nvGrpSpPr>
+            <p:cNvPr id="102" name="Group 101">
+              <a:extLst>
+                <a:ext uri="{FF2B5EF4-FFF2-40B4-BE49-F238E27FC236}">
+                  <a16:creationId xmlns:a16="http://schemas.microsoft.com/office/drawing/2014/main" id="{56690F8C-9340-444F-8D87-52C983D671C3}"/>
+                </a:ext>
+              </a:extLst>
+            </p:cNvPr>
+            <p:cNvGrpSpPr/>
+            <p:nvPr/>
+          </p:nvGrpSpPr>
+          <p:grpSpPr>
+            <a:xfrm>
+              <a:off x="4558647" y="2858879"/>
+              <a:ext cx="1368152" cy="295435"/>
+              <a:chOff x="1085069" y="2104442"/>
+              <a:chExt cx="1368152" cy="295435"/>
+            </a:xfrm>
+          </p:grpSpPr>
+          <p:sp>
+            <p:nvSpPr>
+              <p:cNvPr id="103" name="Rectangle 102">
+                <a:extLst>
+                  <a:ext uri="{FF2B5EF4-FFF2-40B4-BE49-F238E27FC236}">
+                    <a16:creationId xmlns:a16="http://schemas.microsoft.com/office/drawing/2014/main" id="{930228C3-2549-45C2-B6AF-86AD8D154840}"/>
+                  </a:ext>
+                </a:extLst>
+              </p:cNvPr>
+              <p:cNvSpPr/>
+              <p:nvPr/>
+            </p:nvSpPr>
+            <p:spPr>
+              <a:xfrm>
+                <a:off x="1085069" y="2104442"/>
+                <a:ext cx="1368152" cy="295435"/>
+              </a:xfrm>
+              <a:prstGeom prst="rect">
+                <a:avLst/>
+              </a:prstGeom>
+              <a:solidFill>
+                <a:schemeClr val="accent5">
+                  <a:lumMod val="60000"/>
+                  <a:lumOff val="40000"/>
+                </a:schemeClr>
+              </a:solidFill>
+            </p:spPr>
+            <p:style>
+              <a:lnRef idx="2">
+                <a:schemeClr val="accent1">
+                  <a:shade val="50000"/>
+                </a:schemeClr>
+              </a:lnRef>
+              <a:fillRef idx="1">
+                <a:schemeClr val="accent1"/>
+              </a:fillRef>
+              <a:effectRef idx="0">
+                <a:schemeClr val="accent1"/>
+              </a:effectRef>
+              <a:fontRef idx="minor">
+                <a:schemeClr val="lt1"/>
+              </a:fontRef>
+            </p:style>
+            <p:txBody>
+              <a:bodyPr rtlCol="0" anchor="ctr"/>
+              <a:lstStyle/>
+              <a:p>
+                <a:pPr algn="ctr"/>
+                <a:endParaRPr lang="en-CA" dirty="0"/>
+              </a:p>
+            </p:txBody>
+          </p:sp>
+          <p:pic>
+            <p:nvPicPr>
+              <p:cNvPr id="104" name="Picture 103">
+                <a:extLst>
+                  <a:ext uri="{FF2B5EF4-FFF2-40B4-BE49-F238E27FC236}">
+                    <a16:creationId xmlns:a16="http://schemas.microsoft.com/office/drawing/2014/main" id="{59AF7D6F-8A43-476D-9719-9259329BE5E6}"/>
+                  </a:ext>
+                </a:extLst>
+              </p:cNvPr>
+              <p:cNvPicPr>
+                <a:picLocks noChangeAspect="1"/>
+              </p:cNvPicPr>
+              <p:nvPr/>
+            </p:nvPicPr>
+            <p:blipFill>
+              <a:blip r:embed="rId3">
+                <a:extLst>
+                  <a:ext uri="{28A0092B-C50C-407E-A947-70E740481C1C}">
+                    <a14:useLocalDpi xmlns:a14="http://schemas.microsoft.com/office/drawing/2010/main" val="0"/>
+                  </a:ext>
+                  <a:ext uri="{837473B0-CC2E-450A-ABE3-18F120FF3D39}">
+                    <a1611:picAttrSrcUrl xmlns:a1611="http://schemas.microsoft.com/office/drawing/2016/11/main" r:id="rId4"/>
+                  </a:ext>
+                </a:extLst>
+              </a:blip>
+              <a:stretch>
+                <a:fillRect/>
+              </a:stretch>
+            </p:blipFill>
+            <p:spPr>
+              <a:xfrm>
+                <a:off x="1691850" y="2187014"/>
+                <a:ext cx="182880" cy="134684"/>
+              </a:xfrm>
+              <a:prstGeom prst="rect">
+                <a:avLst/>
+              </a:prstGeom>
+            </p:spPr>
+          </p:pic>
+        </p:grpSp>
+        <p:sp>
+          <p:nvSpPr>
+            <p:cNvPr id="116" name="TextBox 115">
+              <a:extLst>
+                <a:ext uri="{FF2B5EF4-FFF2-40B4-BE49-F238E27FC236}">
+                  <a16:creationId xmlns:a16="http://schemas.microsoft.com/office/drawing/2014/main" id="{E9A6C595-FE90-465B-970C-F5794889D74A}"/>
+                </a:ext>
+              </a:extLst>
+            </p:cNvPr>
+            <p:cNvSpPr txBox="1"/>
+            <p:nvPr/>
+          </p:nvSpPr>
+          <p:spPr>
+            <a:xfrm>
+              <a:off x="5973637" y="2657217"/>
+              <a:ext cx="455574" cy="246221"/>
+            </a:xfrm>
+            <a:prstGeom prst="rect">
+              <a:avLst/>
+            </a:prstGeom>
+            <a:noFill/>
+          </p:spPr>
+          <p:txBody>
+            <a:bodyPr wrap="none" rtlCol="0">
+              <a:spAutoFit/>
+            </a:bodyPr>
+            <a:lstStyle/>
+            <a:p>
+              <a:pPr algn="ctr"/>
+              <a:r>
+                <a:rPr lang="en-CA" sz="1000" dirty="0">
+                  <a:effectLst/>
+                </a:rPr>
+                <a:t>WAN</a:t>
+              </a:r>
+              <a:endParaRPr lang="en-CA" sz="1000" dirty="0"/>
+            </a:p>
+          </p:txBody>
+        </p:sp>
+      </p:grpSp>
+      <p:sp>
+        <p:nvSpPr>
+          <p:cNvPr id="150" name="TextBox 149">
+            <a:extLst>
+              <a:ext uri="{FF2B5EF4-FFF2-40B4-BE49-F238E27FC236}">
+                <a16:creationId xmlns:a16="http://schemas.microsoft.com/office/drawing/2014/main" id="{3E481F2B-82AA-4CA3-810C-F4822DC742A2}"/>
+              </a:ext>
+            </a:extLst>
+          </p:cNvPr>
+          <p:cNvSpPr txBox="1"/>
+          <p:nvPr/>
+        </p:nvSpPr>
+        <p:spPr>
+          <a:xfrm>
+            <a:off x="1355386" y="1967244"/>
+            <a:ext cx="1095813" cy="523220"/>
+          </a:xfrm>
+          <a:prstGeom prst="rect">
+            <a:avLst/>
+          </a:prstGeom>
+          <a:noFill/>
+        </p:spPr>
+        <p:txBody>
+          <a:bodyPr wrap="none" rtlCol="0">
+            <a:spAutoFit/>
+          </a:bodyPr>
+          <a:lstStyle/>
+          <a:p>
+            <a:r>
+              <a:rPr lang="en-CA" sz="1400" dirty="0"/>
+              <a:t>Competition</a:t>
+            </a:r>
+            <a:br>
+              <a:rPr lang="en-CA" sz="1400" dirty="0"/>
+            </a:br>
+            <a:r>
+              <a:rPr lang="en-CA" sz="1400" dirty="0"/>
+              <a:t>Router</a:t>
+            </a:r>
+          </a:p>
+        </p:txBody>
+      </p:sp>
+      <p:sp>
+        <p:nvSpPr>
+          <p:cNvPr id="185" name="TextBox 184">
+            <a:extLst>
+              <a:ext uri="{FF2B5EF4-FFF2-40B4-BE49-F238E27FC236}">
+                <a16:creationId xmlns:a16="http://schemas.microsoft.com/office/drawing/2014/main" id="{8CA8C790-2476-4E2E-B1B6-A88961F97B19}"/>
+              </a:ext>
+            </a:extLst>
+          </p:cNvPr>
+          <p:cNvSpPr txBox="1"/>
+          <p:nvPr/>
+        </p:nvSpPr>
+        <p:spPr>
+          <a:xfrm>
+            <a:off x="6293551" y="1043227"/>
+            <a:ext cx="846707" cy="400110"/>
+          </a:xfrm>
+          <a:prstGeom prst="rect">
+            <a:avLst/>
+          </a:prstGeom>
+          <a:noFill/>
+        </p:spPr>
+        <p:txBody>
+          <a:bodyPr wrap="none" rtlCol="0">
+            <a:spAutoFit/>
+          </a:bodyPr>
+          <a:lstStyle/>
+          <a:p>
+            <a:pPr algn="ctr"/>
+            <a:r>
+              <a:rPr lang="en-CA" sz="1000" dirty="0">
+                <a:effectLst/>
+              </a:rPr>
+              <a:t>Heroku</a:t>
+            </a:r>
+            <a:br>
+              <a:rPr lang="en-CA" sz="1000" dirty="0">
+                <a:effectLst/>
+              </a:rPr>
+            </a:br>
+            <a:r>
+              <a:rPr lang="en-CA" sz="1000" dirty="0">
+                <a:effectLst/>
+              </a:rPr>
+              <a:t>publicresults</a:t>
+            </a:r>
+            <a:endParaRPr lang="en-CA" sz="1000" dirty="0"/>
+          </a:p>
+        </p:txBody>
+      </p:sp>
+      <p:sp>
+        <p:nvSpPr>
+          <p:cNvPr id="186" name="TextBox 185">
+            <a:extLst>
+              <a:ext uri="{FF2B5EF4-FFF2-40B4-BE49-F238E27FC236}">
+                <a16:creationId xmlns:a16="http://schemas.microsoft.com/office/drawing/2014/main" id="{0C5BDD38-42AC-41F7-8DC7-A3BD4B2141E6}"/>
+              </a:ext>
+            </a:extLst>
+          </p:cNvPr>
+          <p:cNvSpPr txBox="1"/>
+          <p:nvPr/>
+        </p:nvSpPr>
+        <p:spPr>
+          <a:xfrm>
+            <a:off x="5608512" y="1058616"/>
+            <a:ext cx="707246" cy="400110"/>
+          </a:xfrm>
+          <a:prstGeom prst="rect">
+            <a:avLst/>
+          </a:prstGeom>
+          <a:noFill/>
+        </p:spPr>
+        <p:txBody>
+          <a:bodyPr wrap="none" rtlCol="0">
+            <a:spAutoFit/>
+          </a:bodyPr>
+          <a:lstStyle/>
+          <a:p>
+            <a:pPr algn="ctr"/>
+            <a:r>
+              <a:rPr lang="en-CA" sz="1000" dirty="0">
+                <a:effectLst/>
+              </a:rPr>
+              <a:t>Video</a:t>
+            </a:r>
+            <a:br>
+              <a:rPr lang="en-CA" sz="1000" dirty="0">
+                <a:effectLst/>
+              </a:rPr>
+            </a:br>
+            <a:r>
+              <a:rPr lang="en-CA" sz="1000" dirty="0">
+                <a:effectLst/>
+              </a:rPr>
+              <a:t>streaming</a:t>
+            </a:r>
+            <a:endParaRPr lang="en-CA" sz="1000" dirty="0"/>
+          </a:p>
+        </p:txBody>
+      </p:sp>
+      <p:sp>
+        <p:nvSpPr>
+          <p:cNvPr id="187" name="Rectangle 186">
+            <a:extLst>
+              <a:ext uri="{FF2B5EF4-FFF2-40B4-BE49-F238E27FC236}">
+                <a16:creationId xmlns:a16="http://schemas.microsoft.com/office/drawing/2014/main" id="{A1E2C51B-E26A-40F9-8CCA-0D34F975B0B3}"/>
+              </a:ext>
+            </a:extLst>
+          </p:cNvPr>
+          <p:cNvSpPr/>
+          <p:nvPr/>
+        </p:nvSpPr>
+        <p:spPr>
+          <a:xfrm>
+            <a:off x="324736" y="764704"/>
+            <a:ext cx="7321259" cy="5288540"/>
+          </a:xfrm>
+          <a:prstGeom prst="rect">
+            <a:avLst/>
+          </a:prstGeom>
+          <a:noFill/>
+        </p:spPr>
+        <p:style>
+          <a:lnRef idx="2">
+            <a:schemeClr val="accent1">
+              <a:shade val="50000"/>
+            </a:schemeClr>
+          </a:lnRef>
+          <a:fillRef idx="1">
+            <a:schemeClr val="accent1"/>
+          </a:fillRef>
+          <a:effectRef idx="0">
+            <a:schemeClr val="accent1"/>
+          </a:effectRef>
+          <a:fontRef idx="minor">
+            <a:schemeClr val="lt1"/>
+          </a:fontRef>
+        </p:style>
+        <p:txBody>
+          <a:bodyPr rtlCol="0" anchor="ctr"/>
+          <a:lstStyle/>
+          <a:p>
+            <a:pPr algn="ctr"/>
+            <a:endParaRPr lang="en-CA" dirty="0"/>
+          </a:p>
+        </p:txBody>
+      </p:sp>
+      <p:grpSp>
+        <p:nvGrpSpPr>
+          <p:cNvPr id="8" name="Group 7">
+            <a:extLst>
+              <a:ext uri="{FF2B5EF4-FFF2-40B4-BE49-F238E27FC236}">
+                <a16:creationId xmlns:a16="http://schemas.microsoft.com/office/drawing/2014/main" id="{771E6E48-B84A-4B76-B664-A1E3CE28F2DD}"/>
+              </a:ext>
+            </a:extLst>
+          </p:cNvPr>
+          <p:cNvGrpSpPr/>
+          <p:nvPr/>
+        </p:nvGrpSpPr>
+        <p:grpSpPr>
+          <a:xfrm>
+            <a:off x="813702" y="4143950"/>
+            <a:ext cx="1091967" cy="487591"/>
+            <a:chOff x="510710" y="3830851"/>
+            <a:chExt cx="1632592" cy="487591"/>
+          </a:xfrm>
+        </p:grpSpPr>
+        <p:grpSp>
+          <p:nvGrpSpPr>
+            <p:cNvPr id="189" name="Group 188">
+              <a:extLst>
+                <a:ext uri="{FF2B5EF4-FFF2-40B4-BE49-F238E27FC236}">
+                  <a16:creationId xmlns:a16="http://schemas.microsoft.com/office/drawing/2014/main" id="{E372648E-443C-4310-9E57-C47369D3B6F4}"/>
+                </a:ext>
+              </a:extLst>
+            </p:cNvPr>
+            <p:cNvGrpSpPr/>
+            <p:nvPr/>
+          </p:nvGrpSpPr>
+          <p:grpSpPr>
+            <a:xfrm>
+              <a:off x="638576" y="4014494"/>
+              <a:ext cx="1376861" cy="303948"/>
+              <a:chOff x="1085069" y="2104442"/>
+              <a:chExt cx="1368152" cy="306951"/>
+            </a:xfrm>
+          </p:grpSpPr>
+          <p:sp>
+            <p:nvSpPr>
+              <p:cNvPr id="190" name="Rectangle 189">
+                <a:extLst>
+                  <a:ext uri="{FF2B5EF4-FFF2-40B4-BE49-F238E27FC236}">
+                    <a16:creationId xmlns:a16="http://schemas.microsoft.com/office/drawing/2014/main" id="{7B780620-064C-43F0-9797-5A54F2B68E20}"/>
+                  </a:ext>
+                </a:extLst>
+              </p:cNvPr>
+              <p:cNvSpPr/>
+              <p:nvPr/>
+            </p:nvSpPr>
+            <p:spPr>
+              <a:xfrm>
+                <a:off x="1085069" y="2104442"/>
+                <a:ext cx="1368152" cy="306951"/>
+              </a:xfrm>
+              <a:prstGeom prst="rect">
+                <a:avLst/>
+              </a:prstGeom>
+              <a:solidFill>
+                <a:schemeClr val="accent5">
+                  <a:lumMod val="60000"/>
+                  <a:lumOff val="40000"/>
+                </a:schemeClr>
+              </a:solidFill>
+            </p:spPr>
+            <p:style>
+              <a:lnRef idx="2">
+                <a:schemeClr val="accent1">
+                  <a:shade val="50000"/>
+                </a:schemeClr>
+              </a:lnRef>
+              <a:fillRef idx="1">
+                <a:schemeClr val="accent1"/>
+              </a:fillRef>
+              <a:effectRef idx="0">
+                <a:schemeClr val="accent1"/>
+              </a:effectRef>
+              <a:fontRef idx="minor">
+                <a:schemeClr val="lt1"/>
+              </a:fontRef>
+            </p:style>
+            <p:txBody>
+              <a:bodyPr rtlCol="0" anchor="ctr"/>
+              <a:lstStyle/>
+              <a:p>
+                <a:pPr algn="ctr"/>
+                <a:endParaRPr lang="en-CA" dirty="0"/>
+              </a:p>
+            </p:txBody>
+          </p:sp>
+          <p:pic>
+            <p:nvPicPr>
+              <p:cNvPr id="191" name="Picture 190">
+                <a:extLst>
+                  <a:ext uri="{FF2B5EF4-FFF2-40B4-BE49-F238E27FC236}">
+                    <a16:creationId xmlns:a16="http://schemas.microsoft.com/office/drawing/2014/main" id="{3B71774B-A298-43B2-BDC0-DC6D4F76CBF2}"/>
+                  </a:ext>
+                </a:extLst>
+              </p:cNvPr>
+              <p:cNvPicPr>
+                <a:picLocks noChangeAspect="1"/>
+              </p:cNvPicPr>
+              <p:nvPr/>
+            </p:nvPicPr>
+            <p:blipFill>
+              <a:blip r:embed="rId3">
+                <a:extLst>
+                  <a:ext uri="{28A0092B-C50C-407E-A947-70E740481C1C}">
+                    <a14:useLocalDpi xmlns:a14="http://schemas.microsoft.com/office/drawing/2010/main" val="0"/>
+                  </a:ext>
+                  <a:ext uri="{837473B0-CC2E-450A-ABE3-18F120FF3D39}">
+                    <a1611:picAttrSrcUrl xmlns:a1611="http://schemas.microsoft.com/office/drawing/2016/11/main" r:id="rId4"/>
+                  </a:ext>
+                </a:extLst>
+              </a:blip>
+              <a:stretch>
+                <a:fillRect/>
+              </a:stretch>
+            </p:blipFill>
+            <p:spPr>
+              <a:xfrm>
+                <a:off x="1691850" y="2187014"/>
+                <a:ext cx="182880" cy="134684"/>
+              </a:xfrm>
+              <a:prstGeom prst="rect">
+                <a:avLst/>
+              </a:prstGeom>
+            </p:spPr>
+          </p:pic>
+        </p:grpSp>
+        <p:sp>
+          <p:nvSpPr>
+            <p:cNvPr id="201" name="TextBox 200">
+              <a:extLst>
+                <a:ext uri="{FF2B5EF4-FFF2-40B4-BE49-F238E27FC236}">
+                  <a16:creationId xmlns:a16="http://schemas.microsoft.com/office/drawing/2014/main" id="{FA4BF1C5-7D34-45BC-8751-44F479971566}"/>
+                </a:ext>
+              </a:extLst>
+            </p:cNvPr>
+            <p:cNvSpPr txBox="1"/>
+            <p:nvPr/>
+          </p:nvSpPr>
+          <p:spPr>
+            <a:xfrm>
+              <a:off x="510710" y="3830851"/>
+              <a:ext cx="1632592" cy="246221"/>
+            </a:xfrm>
+            <a:prstGeom prst="rect">
+              <a:avLst/>
+            </a:prstGeom>
+            <a:noFill/>
+          </p:spPr>
+          <p:txBody>
+            <a:bodyPr wrap="none" rtlCol="0">
+              <a:spAutoFit/>
+            </a:bodyPr>
+            <a:lstStyle/>
+            <a:p>
+              <a:pPr algn="ctr"/>
+              <a:r>
+                <a:rPr lang="en-CA" sz="1000" dirty="0" err="1"/>
+                <a:t>WiFi</a:t>
+              </a:r>
+              <a:r>
+                <a:rPr lang="en-CA" sz="1000" dirty="0"/>
+                <a:t> Access Point</a:t>
+              </a:r>
+            </a:p>
+          </p:txBody>
+        </p:sp>
+      </p:grpSp>
+      <p:cxnSp>
+        <p:nvCxnSpPr>
+          <p:cNvPr id="202" name="Straight Arrow Connector 201">
+            <a:extLst>
+              <a:ext uri="{FF2B5EF4-FFF2-40B4-BE49-F238E27FC236}">
+                <a16:creationId xmlns:a16="http://schemas.microsoft.com/office/drawing/2014/main" id="{1E738DF8-0D72-4AE6-AAE7-CB4F236B2F25}"/>
+              </a:ext>
+            </a:extLst>
+          </p:cNvPr>
+          <p:cNvCxnSpPr>
+            <a:cxnSpLocks/>
+          </p:cNvCxnSpPr>
+          <p:nvPr/>
+        </p:nvCxnSpPr>
+        <p:spPr>
+          <a:xfrm>
+            <a:off x="5573347" y="6228131"/>
+            <a:ext cx="406864" cy="7404"/>
+          </a:xfrm>
+          <a:prstGeom prst="straightConnector1">
+            <a:avLst/>
+          </a:prstGeom>
+          <a:ln>
+            <a:tailEnd type="triangle"/>
+          </a:ln>
+        </p:spPr>
+        <p:style>
+          <a:lnRef idx="1">
+            <a:schemeClr val="accent1"/>
+          </a:lnRef>
+          <a:fillRef idx="0">
+            <a:schemeClr val="accent1"/>
+          </a:fillRef>
+          <a:effectRef idx="0">
+            <a:schemeClr val="accent1"/>
+          </a:effectRef>
+          <a:fontRef idx="minor">
+            <a:schemeClr val="tx1"/>
+          </a:fontRef>
+        </p:style>
+      </p:cxnSp>
+      <p:sp>
+        <p:nvSpPr>
+          <p:cNvPr id="204" name="TextBox 203">
+            <a:extLst>
+              <a:ext uri="{FF2B5EF4-FFF2-40B4-BE49-F238E27FC236}">
+                <a16:creationId xmlns:a16="http://schemas.microsoft.com/office/drawing/2014/main" id="{D2BC43A0-175B-493B-AABF-9B4F7B5895CB}"/>
+              </a:ext>
+            </a:extLst>
+          </p:cNvPr>
+          <p:cNvSpPr txBox="1"/>
+          <p:nvPr/>
+        </p:nvSpPr>
+        <p:spPr>
+          <a:xfrm>
+            <a:off x="6060670" y="6095746"/>
+            <a:ext cx="1749197" cy="261610"/>
+          </a:xfrm>
+          <a:prstGeom prst="rect">
+            <a:avLst/>
+          </a:prstGeom>
+          <a:noFill/>
+        </p:spPr>
+        <p:txBody>
+          <a:bodyPr wrap="none" rtlCol="0">
+            <a:spAutoFit/>
+          </a:bodyPr>
+          <a:lstStyle/>
+          <a:p>
+            <a:r>
+              <a:rPr lang="en-CA" sz="1100" dirty="0"/>
+              <a:t>Physical or WIFI connection</a:t>
+            </a:r>
+          </a:p>
+        </p:txBody>
+      </p:sp>
+      <p:cxnSp>
+        <p:nvCxnSpPr>
+          <p:cNvPr id="206" name="Straight Connector 205">
+            <a:extLst>
+              <a:ext uri="{FF2B5EF4-FFF2-40B4-BE49-F238E27FC236}">
+                <a16:creationId xmlns:a16="http://schemas.microsoft.com/office/drawing/2014/main" id="{5C935AFB-B290-45DE-84B2-7DD0C126B796}"/>
+              </a:ext>
+            </a:extLst>
+          </p:cNvPr>
+          <p:cNvCxnSpPr>
+            <a:cxnSpLocks/>
+          </p:cNvCxnSpPr>
+          <p:nvPr/>
+        </p:nvCxnSpPr>
+        <p:spPr>
+          <a:xfrm>
+            <a:off x="5595064" y="6453354"/>
+            <a:ext cx="385147" cy="0"/>
+          </a:xfrm>
+          <a:prstGeom prst="line">
+            <a:avLst/>
+          </a:prstGeom>
+          <a:ln w="44450">
+            <a:solidFill>
+              <a:schemeClr val="accent6"/>
+            </a:solidFill>
+            <a:prstDash val="dash"/>
+            <a:tailEnd type="triangle"/>
+          </a:ln>
+        </p:spPr>
+        <p:style>
+          <a:lnRef idx="1">
+            <a:schemeClr val="accent1"/>
+          </a:lnRef>
+          <a:fillRef idx="0">
+            <a:schemeClr val="accent1"/>
+          </a:fillRef>
+          <a:effectRef idx="0">
+            <a:schemeClr val="accent1"/>
+          </a:effectRef>
+          <a:fontRef idx="minor">
+            <a:schemeClr val="tx1"/>
+          </a:fontRef>
+        </p:style>
+      </p:cxnSp>
+      <p:sp>
+        <p:nvSpPr>
+          <p:cNvPr id="213" name="TextBox 212">
+            <a:extLst>
+              <a:ext uri="{FF2B5EF4-FFF2-40B4-BE49-F238E27FC236}">
+                <a16:creationId xmlns:a16="http://schemas.microsoft.com/office/drawing/2014/main" id="{9F3CA7A6-3357-4C39-B63E-B79EB7A68CB9}"/>
+              </a:ext>
+            </a:extLst>
+          </p:cNvPr>
+          <p:cNvSpPr txBox="1"/>
+          <p:nvPr/>
+        </p:nvSpPr>
+        <p:spPr>
+          <a:xfrm>
+            <a:off x="6060669" y="6301102"/>
+            <a:ext cx="665567" cy="261610"/>
+          </a:xfrm>
+          <a:prstGeom prst="rect">
+            <a:avLst/>
+          </a:prstGeom>
+          <a:noFill/>
+        </p:spPr>
+        <p:txBody>
+          <a:bodyPr wrap="none" rtlCol="0">
+            <a:spAutoFit/>
+          </a:bodyPr>
+          <a:lstStyle/>
+          <a:p>
+            <a:r>
+              <a:rPr lang="en-CA" sz="1100" dirty="0"/>
+              <a:t>IP traffic</a:t>
+            </a:r>
+          </a:p>
+        </p:txBody>
+      </p:sp>
+      <p:cxnSp>
+        <p:nvCxnSpPr>
+          <p:cNvPr id="20" name="Straight Arrow Connector 19">
+            <a:extLst>
+              <a:ext uri="{FF2B5EF4-FFF2-40B4-BE49-F238E27FC236}">
+                <a16:creationId xmlns:a16="http://schemas.microsoft.com/office/drawing/2014/main" id="{FF83D43C-A0C7-4031-BD5B-FF608F8338A6}"/>
+              </a:ext>
+            </a:extLst>
+          </p:cNvPr>
+          <p:cNvCxnSpPr>
+            <a:cxnSpLocks/>
+            <a:stCxn id="190" idx="2"/>
+            <a:endCxn id="80" idx="2"/>
+          </p:cNvCxnSpPr>
+          <p:nvPr/>
+        </p:nvCxnSpPr>
+        <p:spPr>
+          <a:xfrm>
+            <a:off x="1359686" y="4631541"/>
+            <a:ext cx="17633" cy="744954"/>
+          </a:xfrm>
+          <a:prstGeom prst="straightConnector1">
+            <a:avLst/>
+          </a:prstGeom>
+          <a:ln>
+            <a:tailEnd type="triangle"/>
+          </a:ln>
+        </p:spPr>
+        <p:style>
+          <a:lnRef idx="1">
+            <a:schemeClr val="accent1"/>
+          </a:lnRef>
+          <a:fillRef idx="0">
+            <a:schemeClr val="accent1"/>
+          </a:fillRef>
+          <a:effectRef idx="0">
+            <a:schemeClr val="accent1"/>
+          </a:effectRef>
+          <a:fontRef idx="minor">
+            <a:schemeClr val="tx1"/>
+          </a:fontRef>
+        </p:style>
+      </p:cxnSp>
+      <p:pic>
+        <p:nvPicPr>
+          <p:cNvPr id="138" name="Graphic 157" descr="Laptop">
+            <a:extLst>
+              <a:ext uri="{FF2B5EF4-FFF2-40B4-BE49-F238E27FC236}">
+                <a16:creationId xmlns:a16="http://schemas.microsoft.com/office/drawing/2014/main" id="{C0292E6F-F379-44BE-8B4E-D40F68B2B86B}"/>
+              </a:ext>
+            </a:extLst>
+          </p:cNvPr>
+          <p:cNvPicPr>
+            <a:picLocks noChangeAspect="1" noChangeArrowheads="1"/>
+          </p:cNvPicPr>
+          <p:nvPr/>
+        </p:nvPicPr>
+        <p:blipFill>
+          <a:blip r:embed="rId5">
+            <a:extLst>
+              <a:ext uri="{28A0092B-C50C-407E-A947-70E740481C1C}">
+                <a14:useLocalDpi xmlns:a14="http://schemas.microsoft.com/office/drawing/2010/main" val="0"/>
+              </a:ext>
+            </a:extLst>
+          </a:blip>
+          <a:srcRect/>
+          <a:stretch>
+            <a:fillRect/>
+          </a:stretch>
+        </p:blipFill>
+        <p:spPr bwMode="auto">
+          <a:xfrm>
+            <a:off x="2635596" y="4733815"/>
+            <a:ext cx="457204" cy="457204"/>
+          </a:xfrm>
+          <a:prstGeom prst="rect">
+            <a:avLst/>
+          </a:prstGeom>
+          <a:noFill/>
+          <a:ln>
+            <a:noFill/>
+          </a:ln>
+          <a:extLst>
+            <a:ext uri="{909E8E84-426E-40DD-AFC4-6F175D3DCCD1}">
+              <a14:hiddenFill xmlns:a14="http://schemas.microsoft.com/office/drawing/2010/main">
+                <a:solidFill>
+                  <a:srgbClr val="FFFFFF"/>
+                </a:solidFill>
+              </a14:hiddenFill>
+            </a:ext>
+            <a:ext uri="{91240B29-F687-4F45-9708-019B960494DF}">
+              <a14:hiddenLine xmlns:a14="http://schemas.microsoft.com/office/drawing/2010/main" w="9525">
+                <a:solidFill>
+                  <a:srgbClr val="000000"/>
+                </a:solidFill>
+                <a:miter lim="800000"/>
+                <a:headEnd/>
+                <a:tailEnd/>
+              </a14:hiddenLine>
+            </a:ext>
+          </a:extLst>
+        </p:spPr>
+      </p:pic>
+      <p:cxnSp>
+        <p:nvCxnSpPr>
+          <p:cNvPr id="139" name="Straight Arrow Connector 138">
+            <a:extLst>
+              <a:ext uri="{FF2B5EF4-FFF2-40B4-BE49-F238E27FC236}">
+                <a16:creationId xmlns:a16="http://schemas.microsoft.com/office/drawing/2014/main" id="{CD152459-C34F-4DC2-B1EF-07B7D1A6CBBA}"/>
+              </a:ext>
+            </a:extLst>
+          </p:cNvPr>
+          <p:cNvCxnSpPr>
+            <a:cxnSpLocks/>
+            <a:stCxn id="138" idx="2"/>
+          </p:cNvCxnSpPr>
+          <p:nvPr/>
+        </p:nvCxnSpPr>
+        <p:spPr>
+          <a:xfrm flipH="1">
+            <a:off x="2857449" y="5191019"/>
+            <a:ext cx="6749" cy="216648"/>
+          </a:xfrm>
+          <a:prstGeom prst="straightConnector1">
+            <a:avLst/>
+          </a:prstGeom>
+          <a:ln>
+            <a:tailEnd type="triangle"/>
+          </a:ln>
+        </p:spPr>
+        <p:style>
+          <a:lnRef idx="1">
+            <a:schemeClr val="accent1"/>
+          </a:lnRef>
+          <a:fillRef idx="0">
+            <a:schemeClr val="accent1"/>
+          </a:fillRef>
+          <a:effectRef idx="0">
+            <a:schemeClr val="accent1"/>
+          </a:effectRef>
+          <a:fontRef idx="minor">
+            <a:schemeClr val="tx1"/>
+          </a:fontRef>
+        </p:style>
+      </p:cxnSp>
+      <p:grpSp>
+        <p:nvGrpSpPr>
+          <p:cNvPr id="144" name="Group 143">
+            <a:extLst>
+              <a:ext uri="{FF2B5EF4-FFF2-40B4-BE49-F238E27FC236}">
+                <a16:creationId xmlns:a16="http://schemas.microsoft.com/office/drawing/2014/main" id="{A8FB138D-7BC7-430A-B652-01307C160610}"/>
+              </a:ext>
+            </a:extLst>
+          </p:cNvPr>
+          <p:cNvGrpSpPr/>
+          <p:nvPr/>
+        </p:nvGrpSpPr>
+        <p:grpSpPr>
+          <a:xfrm>
+            <a:off x="1823464" y="4143950"/>
+            <a:ext cx="1091967" cy="487591"/>
+            <a:chOff x="510710" y="3830851"/>
+            <a:chExt cx="1632592" cy="487591"/>
+          </a:xfrm>
+        </p:grpSpPr>
+        <p:grpSp>
+          <p:nvGrpSpPr>
+            <p:cNvPr id="145" name="Group 144">
+              <a:extLst>
+                <a:ext uri="{FF2B5EF4-FFF2-40B4-BE49-F238E27FC236}">
+                  <a16:creationId xmlns:a16="http://schemas.microsoft.com/office/drawing/2014/main" id="{05602E61-FAE6-4DC6-87C1-446DC9B2AED8}"/>
+                </a:ext>
+              </a:extLst>
+            </p:cNvPr>
+            <p:cNvGrpSpPr/>
+            <p:nvPr/>
+          </p:nvGrpSpPr>
+          <p:grpSpPr>
+            <a:xfrm>
+              <a:off x="638576" y="4014494"/>
+              <a:ext cx="1376861" cy="303948"/>
+              <a:chOff x="1085069" y="2104442"/>
+              <a:chExt cx="1368152" cy="306951"/>
+            </a:xfrm>
+          </p:grpSpPr>
+          <p:sp>
+            <p:nvSpPr>
+              <p:cNvPr id="148" name="Rectangle 147">
+                <a:extLst>
+                  <a:ext uri="{FF2B5EF4-FFF2-40B4-BE49-F238E27FC236}">
+                    <a16:creationId xmlns:a16="http://schemas.microsoft.com/office/drawing/2014/main" id="{7902B882-47B2-42EF-A90E-2916092B9BD0}"/>
+                  </a:ext>
+                </a:extLst>
+              </p:cNvPr>
+              <p:cNvSpPr/>
+              <p:nvPr/>
+            </p:nvSpPr>
+            <p:spPr>
+              <a:xfrm>
+                <a:off x="1085069" y="2104442"/>
+                <a:ext cx="1368152" cy="306951"/>
+              </a:xfrm>
+              <a:prstGeom prst="rect">
+                <a:avLst/>
+              </a:prstGeom>
+              <a:solidFill>
+                <a:schemeClr val="accent5">
+                  <a:lumMod val="60000"/>
+                  <a:lumOff val="40000"/>
+                </a:schemeClr>
+              </a:solidFill>
+            </p:spPr>
+            <p:style>
+              <a:lnRef idx="2">
+                <a:schemeClr val="accent1">
+                  <a:shade val="50000"/>
+                </a:schemeClr>
+              </a:lnRef>
+              <a:fillRef idx="1">
+                <a:schemeClr val="accent1"/>
+              </a:fillRef>
+              <a:effectRef idx="0">
+                <a:schemeClr val="accent1"/>
+              </a:effectRef>
+              <a:fontRef idx="minor">
+                <a:schemeClr val="lt1"/>
+              </a:fontRef>
+            </p:style>
+            <p:txBody>
+              <a:bodyPr rtlCol="0" anchor="ctr"/>
+              <a:lstStyle/>
+              <a:p>
+                <a:pPr algn="ctr"/>
+                <a:endParaRPr lang="en-CA" dirty="0"/>
+              </a:p>
+            </p:txBody>
+          </p:sp>
+          <p:pic>
+            <p:nvPicPr>
+              <p:cNvPr id="154" name="Picture 153">
+                <a:extLst>
+                  <a:ext uri="{FF2B5EF4-FFF2-40B4-BE49-F238E27FC236}">
+                    <a16:creationId xmlns:a16="http://schemas.microsoft.com/office/drawing/2014/main" id="{55015172-E9CD-4296-9FCD-79F853D9CEEA}"/>
+                  </a:ext>
+                </a:extLst>
+              </p:cNvPr>
+              <p:cNvPicPr>
+                <a:picLocks noChangeAspect="1"/>
+              </p:cNvPicPr>
+              <p:nvPr/>
+            </p:nvPicPr>
+            <p:blipFill>
+              <a:blip r:embed="rId3">
+                <a:extLst>
+                  <a:ext uri="{28A0092B-C50C-407E-A947-70E740481C1C}">
+                    <a14:useLocalDpi xmlns:a14="http://schemas.microsoft.com/office/drawing/2010/main" val="0"/>
+                  </a:ext>
+                  <a:ext uri="{837473B0-CC2E-450A-ABE3-18F120FF3D39}">
+                    <a1611:picAttrSrcUrl xmlns:a1611="http://schemas.microsoft.com/office/drawing/2016/11/main" r:id="rId4"/>
+                  </a:ext>
+                </a:extLst>
+              </a:blip>
+              <a:stretch>
+                <a:fillRect/>
+              </a:stretch>
+            </p:blipFill>
+            <p:spPr>
+              <a:xfrm>
+                <a:off x="1691850" y="2187014"/>
+                <a:ext cx="182880" cy="134684"/>
+              </a:xfrm>
+              <a:prstGeom prst="rect">
+                <a:avLst/>
+              </a:prstGeom>
+            </p:spPr>
+          </p:pic>
+        </p:grpSp>
+        <p:sp>
+          <p:nvSpPr>
+            <p:cNvPr id="147" name="TextBox 146">
+              <a:extLst>
+                <a:ext uri="{FF2B5EF4-FFF2-40B4-BE49-F238E27FC236}">
+                  <a16:creationId xmlns:a16="http://schemas.microsoft.com/office/drawing/2014/main" id="{9AEB4F8C-C94B-492A-A3D6-963DB621DB3E}"/>
+                </a:ext>
+              </a:extLst>
+            </p:cNvPr>
+            <p:cNvSpPr txBox="1"/>
+            <p:nvPr/>
+          </p:nvSpPr>
+          <p:spPr>
+            <a:xfrm>
+              <a:off x="510710" y="3830851"/>
+              <a:ext cx="1632592" cy="246221"/>
+            </a:xfrm>
+            <a:prstGeom prst="rect">
+              <a:avLst/>
+            </a:prstGeom>
+            <a:noFill/>
+          </p:spPr>
+          <p:txBody>
+            <a:bodyPr wrap="none" rtlCol="0">
+              <a:spAutoFit/>
+            </a:bodyPr>
+            <a:lstStyle/>
+            <a:p>
+              <a:pPr algn="ctr"/>
+              <a:r>
+                <a:rPr lang="en-CA" sz="1000" dirty="0" err="1"/>
+                <a:t>WiFi</a:t>
+              </a:r>
+              <a:r>
+                <a:rPr lang="en-CA" sz="1000" dirty="0"/>
+                <a:t> Access Point</a:t>
+              </a:r>
+            </a:p>
+          </p:txBody>
+        </p:sp>
+      </p:grpSp>
+      <p:cxnSp>
+        <p:nvCxnSpPr>
+          <p:cNvPr id="72" name="Connector: Elbow 71">
+            <a:extLst>
+              <a:ext uri="{FF2B5EF4-FFF2-40B4-BE49-F238E27FC236}">
+                <a16:creationId xmlns:a16="http://schemas.microsoft.com/office/drawing/2014/main" id="{31C1A72B-8D41-46E6-83ED-89DCF054125F}"/>
+              </a:ext>
+            </a:extLst>
+          </p:cNvPr>
+          <p:cNvCxnSpPr>
+            <a:cxnSpLocks/>
+            <a:stCxn id="114" idx="1"/>
+            <a:endCxn id="173" idx="2"/>
+          </p:cNvCxnSpPr>
+          <p:nvPr/>
+        </p:nvCxnSpPr>
+        <p:spPr>
+          <a:xfrm rot="10800000" flipV="1">
+            <a:off x="4378099" y="4133582"/>
+            <a:ext cx="1318815" cy="1246266"/>
+          </a:xfrm>
+          <a:prstGeom prst="bentConnector2">
+            <a:avLst/>
+          </a:prstGeom>
+          <a:ln>
+            <a:tailEnd type="triangle"/>
+          </a:ln>
+        </p:spPr>
+        <p:style>
+          <a:lnRef idx="1">
+            <a:schemeClr val="accent1"/>
+          </a:lnRef>
+          <a:fillRef idx="0">
+            <a:schemeClr val="accent1"/>
+          </a:fillRef>
+          <a:effectRef idx="0">
+            <a:schemeClr val="accent1"/>
+          </a:effectRef>
+          <a:fontRef idx="minor">
+            <a:schemeClr val="tx1"/>
+          </a:fontRef>
+        </p:style>
+      </p:cxnSp>
+      <p:grpSp>
+        <p:nvGrpSpPr>
+          <p:cNvPr id="168" name="Group 167">
+            <a:extLst>
+              <a:ext uri="{FF2B5EF4-FFF2-40B4-BE49-F238E27FC236}">
+                <a16:creationId xmlns:a16="http://schemas.microsoft.com/office/drawing/2014/main" id="{8B45DF9D-2A00-4F9C-8D74-EDE7E83D69BA}"/>
+              </a:ext>
+            </a:extLst>
+          </p:cNvPr>
+          <p:cNvGrpSpPr/>
+          <p:nvPr/>
+        </p:nvGrpSpPr>
+        <p:grpSpPr>
+          <a:xfrm flipV="1">
+            <a:off x="2901934" y="5374912"/>
+            <a:ext cx="2448272" cy="428769"/>
+            <a:chOff x="4780743" y="4587645"/>
+            <a:chExt cx="2448272" cy="428769"/>
+          </a:xfrm>
+        </p:grpSpPr>
+        <p:sp>
+          <p:nvSpPr>
+            <p:cNvPr id="169" name="Rectangle 168">
+              <a:extLst>
+                <a:ext uri="{FF2B5EF4-FFF2-40B4-BE49-F238E27FC236}">
+                  <a16:creationId xmlns:a16="http://schemas.microsoft.com/office/drawing/2014/main" id="{8AA01354-017F-471A-A0E0-0647939DEA9A}"/>
+                </a:ext>
+              </a:extLst>
+            </p:cNvPr>
+            <p:cNvSpPr/>
+            <p:nvPr/>
+          </p:nvSpPr>
+          <p:spPr>
+            <a:xfrm>
+              <a:off x="4780743" y="4587645"/>
+              <a:ext cx="2448272" cy="356761"/>
+            </a:xfrm>
+            <a:prstGeom prst="rect">
+              <a:avLst/>
+            </a:prstGeom>
+          </p:spPr>
+          <p:style>
+            <a:lnRef idx="2">
+              <a:schemeClr val="accent1">
+                <a:shade val="50000"/>
+              </a:schemeClr>
+            </a:lnRef>
+            <a:fillRef idx="1">
+              <a:schemeClr val="accent1"/>
+            </a:fillRef>
+            <a:effectRef idx="0">
+              <a:schemeClr val="accent1"/>
+            </a:effectRef>
+            <a:fontRef idx="minor">
+              <a:schemeClr val="lt1"/>
+            </a:fontRef>
+          </p:style>
+          <p:txBody>
+            <a:bodyPr rtlCol="0" anchor="ctr"/>
+            <a:lstStyle/>
+            <a:p>
+              <a:pPr algn="ctr"/>
+              <a:endParaRPr lang="en-CA" dirty="0"/>
+            </a:p>
+          </p:txBody>
+        </p:sp>
+        <p:sp>
+          <p:nvSpPr>
+            <p:cNvPr id="171" name="Rectangle 170">
+              <a:extLst>
+                <a:ext uri="{FF2B5EF4-FFF2-40B4-BE49-F238E27FC236}">
+                  <a16:creationId xmlns:a16="http://schemas.microsoft.com/office/drawing/2014/main" id="{74E4660E-819F-46A2-9220-D84B2ABD1F53}"/>
+                </a:ext>
+              </a:extLst>
+            </p:cNvPr>
+            <p:cNvSpPr/>
+            <p:nvPr/>
+          </p:nvSpPr>
+          <p:spPr>
+            <a:xfrm>
+              <a:off x="5140783" y="4944406"/>
+              <a:ext cx="216024" cy="72008"/>
+            </a:xfrm>
+            <a:prstGeom prst="rect">
+              <a:avLst/>
+            </a:prstGeom>
+          </p:spPr>
+          <p:style>
+            <a:lnRef idx="2">
+              <a:schemeClr val="accent1">
+                <a:shade val="50000"/>
+              </a:schemeClr>
+            </a:lnRef>
+            <a:fillRef idx="1">
+              <a:schemeClr val="accent1"/>
+            </a:fillRef>
+            <a:effectRef idx="0">
+              <a:schemeClr val="accent1"/>
+            </a:effectRef>
+            <a:fontRef idx="minor">
+              <a:schemeClr val="lt1"/>
+            </a:fontRef>
+          </p:style>
+          <p:txBody>
+            <a:bodyPr rtlCol="0" anchor="ctr"/>
+            <a:lstStyle/>
+            <a:p>
+              <a:pPr algn="ctr"/>
+              <a:endParaRPr lang="en-CA" dirty="0"/>
+            </a:p>
+          </p:txBody>
+        </p:sp>
+        <p:sp>
+          <p:nvSpPr>
+            <p:cNvPr id="172" name="Rectangle 171">
+              <a:extLst>
+                <a:ext uri="{FF2B5EF4-FFF2-40B4-BE49-F238E27FC236}">
+                  <a16:creationId xmlns:a16="http://schemas.microsoft.com/office/drawing/2014/main" id="{ACC8A185-A00F-48A1-ACF8-D6821819AC79}"/>
+                </a:ext>
+              </a:extLst>
+            </p:cNvPr>
+            <p:cNvSpPr/>
+            <p:nvPr/>
+          </p:nvSpPr>
+          <p:spPr>
+            <a:xfrm>
+              <a:off x="5644839" y="4941938"/>
+              <a:ext cx="216024" cy="72008"/>
+            </a:xfrm>
+            <a:prstGeom prst="rect">
+              <a:avLst/>
+            </a:prstGeom>
+          </p:spPr>
+          <p:style>
+            <a:lnRef idx="2">
+              <a:schemeClr val="accent1">
+                <a:shade val="50000"/>
+              </a:schemeClr>
+            </a:lnRef>
+            <a:fillRef idx="1">
+              <a:schemeClr val="accent1"/>
+            </a:fillRef>
+            <a:effectRef idx="0">
+              <a:schemeClr val="accent1"/>
+            </a:effectRef>
+            <a:fontRef idx="minor">
+              <a:schemeClr val="lt1"/>
+            </a:fontRef>
+          </p:style>
+          <p:txBody>
+            <a:bodyPr rtlCol="0" anchor="ctr"/>
+            <a:lstStyle/>
+            <a:p>
+              <a:pPr algn="ctr"/>
+              <a:endParaRPr lang="en-CA" dirty="0"/>
+            </a:p>
+          </p:txBody>
+        </p:sp>
+        <p:sp>
+          <p:nvSpPr>
+            <p:cNvPr id="173" name="Rectangle 172">
+              <a:extLst>
+                <a:ext uri="{FF2B5EF4-FFF2-40B4-BE49-F238E27FC236}">
+                  <a16:creationId xmlns:a16="http://schemas.microsoft.com/office/drawing/2014/main" id="{B93DDE75-CC01-4B6A-A28A-2D0D1271EF70}"/>
+                </a:ext>
+              </a:extLst>
+            </p:cNvPr>
+            <p:cNvSpPr/>
+            <p:nvPr/>
+          </p:nvSpPr>
+          <p:spPr>
+            <a:xfrm>
+              <a:off x="6148895" y="4939470"/>
+              <a:ext cx="216024" cy="72008"/>
+            </a:xfrm>
+            <a:prstGeom prst="rect">
+              <a:avLst/>
+            </a:prstGeom>
+          </p:spPr>
+          <p:style>
+            <a:lnRef idx="2">
+              <a:schemeClr val="accent1">
+                <a:shade val="50000"/>
+              </a:schemeClr>
+            </a:lnRef>
+            <a:fillRef idx="1">
+              <a:schemeClr val="accent1"/>
+            </a:fillRef>
+            <a:effectRef idx="0">
+              <a:schemeClr val="accent1"/>
+            </a:effectRef>
+            <a:fontRef idx="minor">
+              <a:schemeClr val="lt1"/>
+            </a:fontRef>
+          </p:style>
+          <p:txBody>
+            <a:bodyPr rtlCol="0" anchor="ctr"/>
+            <a:lstStyle/>
+            <a:p>
+              <a:pPr algn="ctr"/>
+              <a:endParaRPr lang="en-CA" dirty="0"/>
+            </a:p>
+          </p:txBody>
+        </p:sp>
+        <p:sp>
+          <p:nvSpPr>
+            <p:cNvPr id="174" name="Rectangle 173">
+              <a:extLst>
+                <a:ext uri="{FF2B5EF4-FFF2-40B4-BE49-F238E27FC236}">
+                  <a16:creationId xmlns:a16="http://schemas.microsoft.com/office/drawing/2014/main" id="{DC6E9037-609E-4546-B1CE-E98DCA3C58F4}"/>
+                </a:ext>
+              </a:extLst>
+            </p:cNvPr>
+            <p:cNvSpPr/>
+            <p:nvPr/>
+          </p:nvSpPr>
+          <p:spPr>
+            <a:xfrm>
+              <a:off x="6652951" y="4937002"/>
+              <a:ext cx="216024" cy="72008"/>
+            </a:xfrm>
+            <a:prstGeom prst="rect">
+              <a:avLst/>
+            </a:prstGeom>
+          </p:spPr>
+          <p:style>
+            <a:lnRef idx="2">
+              <a:schemeClr val="accent1">
+                <a:shade val="50000"/>
+              </a:schemeClr>
+            </a:lnRef>
+            <a:fillRef idx="1">
+              <a:schemeClr val="accent1"/>
+            </a:fillRef>
+            <a:effectRef idx="0">
+              <a:schemeClr val="accent1"/>
+            </a:effectRef>
+            <a:fontRef idx="minor">
+              <a:schemeClr val="lt1"/>
+            </a:fontRef>
+          </p:style>
+          <p:txBody>
+            <a:bodyPr rtlCol="0" anchor="ctr"/>
+            <a:lstStyle/>
+            <a:p>
+              <a:pPr algn="ctr"/>
+              <a:endParaRPr lang="en-CA" dirty="0"/>
+            </a:p>
+          </p:txBody>
+        </p:sp>
+      </p:grpSp>
+      <p:cxnSp>
+        <p:nvCxnSpPr>
+          <p:cNvPr id="90" name="Connector: Elbow 89">
+            <a:extLst>
+              <a:ext uri="{FF2B5EF4-FFF2-40B4-BE49-F238E27FC236}">
+                <a16:creationId xmlns:a16="http://schemas.microsoft.com/office/drawing/2014/main" id="{2B420ACC-0919-48DE-BE45-28E71249465C}"/>
+              </a:ext>
+            </a:extLst>
+          </p:cNvPr>
+          <p:cNvCxnSpPr>
+            <a:cxnSpLocks/>
+            <a:stCxn id="172" idx="2"/>
+            <a:endCxn id="43" idx="2"/>
+          </p:cNvCxnSpPr>
+          <p:nvPr/>
+        </p:nvCxnSpPr>
+        <p:spPr>
+          <a:xfrm rot="16200000" flipV="1">
+            <a:off x="2522314" y="4025651"/>
+            <a:ext cx="2694991" cy="8467"/>
+          </a:xfrm>
+          <a:prstGeom prst="bentConnector3">
+            <a:avLst>
+              <a:gd name="adj1" fmla="val 50000"/>
+            </a:avLst>
+          </a:prstGeom>
+          <a:ln>
+            <a:tailEnd type="triangle"/>
+          </a:ln>
+        </p:spPr>
+        <p:style>
+          <a:lnRef idx="1">
+            <a:schemeClr val="accent1"/>
+          </a:lnRef>
+          <a:fillRef idx="0">
+            <a:schemeClr val="accent1"/>
+          </a:fillRef>
+          <a:effectRef idx="0">
+            <a:schemeClr val="accent1"/>
+          </a:effectRef>
+          <a:fontRef idx="minor">
+            <a:schemeClr val="tx1"/>
+          </a:fontRef>
+        </p:style>
+      </p:cxnSp>
+      <p:cxnSp>
+        <p:nvCxnSpPr>
+          <p:cNvPr id="100" name="Connector: Elbow 99">
+            <a:extLst>
+              <a:ext uri="{FF2B5EF4-FFF2-40B4-BE49-F238E27FC236}">
+                <a16:creationId xmlns:a16="http://schemas.microsoft.com/office/drawing/2014/main" id="{8839BAA5-F733-4EE0-9EA4-151B91595FCD}"/>
+              </a:ext>
+            </a:extLst>
+          </p:cNvPr>
+          <p:cNvCxnSpPr>
+            <a:stCxn id="148" idx="2"/>
+            <a:endCxn id="81" idx="2"/>
+          </p:cNvCxnSpPr>
+          <p:nvPr/>
+        </p:nvCxnSpPr>
+        <p:spPr>
+          <a:xfrm rot="5400000">
+            <a:off x="1751701" y="4761216"/>
+            <a:ext cx="747422" cy="488073"/>
+          </a:xfrm>
+          <a:prstGeom prst="bentConnector3">
+            <a:avLst>
+              <a:gd name="adj1" fmla="val 10353"/>
+            </a:avLst>
+          </a:prstGeom>
+          <a:ln>
+            <a:tailEnd type="triangle"/>
+          </a:ln>
+        </p:spPr>
+        <p:style>
+          <a:lnRef idx="1">
+            <a:schemeClr val="accent1"/>
+          </a:lnRef>
+          <a:fillRef idx="0">
+            <a:schemeClr val="accent1"/>
+          </a:fillRef>
+          <a:effectRef idx="0">
+            <a:schemeClr val="accent1"/>
+          </a:effectRef>
+          <a:fontRef idx="minor">
+            <a:schemeClr val="tx1"/>
+          </a:fontRef>
+        </p:style>
+      </p:cxnSp>
+      <p:pic>
+        <p:nvPicPr>
+          <p:cNvPr id="193" name="Graphic 157" descr="Laptop">
+            <a:extLst>
+              <a:ext uri="{FF2B5EF4-FFF2-40B4-BE49-F238E27FC236}">
+                <a16:creationId xmlns:a16="http://schemas.microsoft.com/office/drawing/2014/main" id="{3339E372-530B-4EBF-9743-34AE32E90DA4}"/>
+              </a:ext>
+            </a:extLst>
+          </p:cNvPr>
+          <p:cNvPicPr>
+            <a:picLocks noChangeAspect="1" noChangeArrowheads="1"/>
+          </p:cNvPicPr>
+          <p:nvPr/>
+        </p:nvPicPr>
+        <p:blipFill>
+          <a:blip r:embed="rId5">
+            <a:extLst>
+              <a:ext uri="{28A0092B-C50C-407E-A947-70E740481C1C}">
+                <a14:useLocalDpi xmlns:a14="http://schemas.microsoft.com/office/drawing/2010/main" val="0"/>
+              </a:ext>
+            </a:extLst>
+          </a:blip>
+          <a:srcRect/>
+          <a:stretch>
+            <a:fillRect/>
+          </a:stretch>
+        </p:blipFill>
+        <p:spPr bwMode="auto">
+          <a:xfrm>
+            <a:off x="1390324" y="3437294"/>
+            <a:ext cx="457204" cy="457204"/>
+          </a:xfrm>
+          <a:prstGeom prst="rect">
+            <a:avLst/>
+          </a:prstGeom>
+          <a:noFill/>
+          <a:ln>
+            <a:noFill/>
+          </a:ln>
+          <a:extLst>
+            <a:ext uri="{909E8E84-426E-40DD-AFC4-6F175D3DCCD1}">
+              <a14:hiddenFill xmlns:a14="http://schemas.microsoft.com/office/drawing/2010/main">
+                <a:solidFill>
+                  <a:srgbClr val="FFFFFF"/>
+                </a:solidFill>
+              </a14:hiddenFill>
+            </a:ext>
+            <a:ext uri="{91240B29-F687-4F45-9708-019B960494DF}">
+              <a14:hiddenLine xmlns:a14="http://schemas.microsoft.com/office/drawing/2010/main" w="9525">
+                <a:solidFill>
+                  <a:srgbClr val="000000"/>
+                </a:solidFill>
+                <a:miter lim="800000"/>
+                <a:headEnd/>
+                <a:tailEnd/>
+              </a14:hiddenLine>
+            </a:ext>
+          </a:extLst>
+        </p:spPr>
+      </p:pic>
+      <p:sp>
+        <p:nvSpPr>
+          <p:cNvPr id="166" name="TextBox 165">
+            <a:extLst>
+              <a:ext uri="{FF2B5EF4-FFF2-40B4-BE49-F238E27FC236}">
+                <a16:creationId xmlns:a16="http://schemas.microsoft.com/office/drawing/2014/main" id="{15E201A6-3F91-40F1-A01A-A58790C9C3F2}"/>
+              </a:ext>
+            </a:extLst>
+          </p:cNvPr>
+          <p:cNvSpPr txBox="1"/>
+          <p:nvPr/>
+        </p:nvSpPr>
+        <p:spPr>
+          <a:xfrm>
+            <a:off x="5796161" y="5455993"/>
+            <a:ext cx="997389" cy="369332"/>
+          </a:xfrm>
+          <a:prstGeom prst="rect">
+            <a:avLst/>
+          </a:prstGeom>
+          <a:noFill/>
+        </p:spPr>
+        <p:txBody>
+          <a:bodyPr wrap="none" rtlCol="0">
+            <a:spAutoFit/>
+          </a:bodyPr>
+          <a:lstStyle/>
+          <a:p>
+            <a:r>
+              <a:rPr lang="fr-CA" sz="900" dirty="0" err="1"/>
+              <a:t>Additional</a:t>
+            </a:r>
+            <a:r>
+              <a:rPr lang="fr-CA" sz="900" dirty="0"/>
+              <a:t> switch</a:t>
+            </a:r>
+            <a:br>
+              <a:rPr lang="fr-CA" sz="900" dirty="0"/>
+            </a:br>
+            <a:r>
+              <a:rPr lang="fr-CA" sz="900" dirty="0"/>
+              <a:t>for platform 2</a:t>
+            </a:r>
+          </a:p>
+        </p:txBody>
+      </p:sp>
+      <p:cxnSp>
+        <p:nvCxnSpPr>
+          <p:cNvPr id="175" name="Connector: Elbow 174">
+            <a:extLst>
+              <a:ext uri="{FF2B5EF4-FFF2-40B4-BE49-F238E27FC236}">
+                <a16:creationId xmlns:a16="http://schemas.microsoft.com/office/drawing/2014/main" id="{41DC2A35-0D0E-46C3-92D7-406DFA1D2045}"/>
+              </a:ext>
+            </a:extLst>
+          </p:cNvPr>
+          <p:cNvCxnSpPr>
+            <a:stCxn id="166" idx="0"/>
+            <a:endCxn id="174" idx="2"/>
+          </p:cNvCxnSpPr>
+          <p:nvPr/>
+        </p:nvCxnSpPr>
+        <p:spPr>
+          <a:xfrm rot="16200000" flipV="1">
+            <a:off x="5551667" y="4712804"/>
+            <a:ext cx="73677" cy="1412702"/>
+          </a:xfrm>
+          <a:prstGeom prst="bentConnector3">
+            <a:avLst>
+              <a:gd name="adj1" fmla="val 410273"/>
+            </a:avLst>
+          </a:prstGeom>
+          <a:ln>
+            <a:tailEnd type="triangle"/>
+          </a:ln>
+        </p:spPr>
+        <p:style>
+          <a:lnRef idx="1">
+            <a:schemeClr val="accent1"/>
+          </a:lnRef>
+          <a:fillRef idx="0">
+            <a:schemeClr val="accent1"/>
+          </a:fillRef>
+          <a:effectRef idx="0">
+            <a:schemeClr val="accent1"/>
+          </a:effectRef>
+          <a:fontRef idx="minor">
+            <a:schemeClr val="tx1"/>
+          </a:fontRef>
+        </p:style>
+      </p:cxnSp>
+      <p:sp>
+        <p:nvSpPr>
+          <p:cNvPr id="176" name="TextBox 175">
+            <a:extLst>
+              <a:ext uri="{FF2B5EF4-FFF2-40B4-BE49-F238E27FC236}">
+                <a16:creationId xmlns:a16="http://schemas.microsoft.com/office/drawing/2014/main" id="{E5878553-636F-4E9F-8CD9-A749F5F87023}"/>
+              </a:ext>
+            </a:extLst>
+          </p:cNvPr>
+          <p:cNvSpPr txBox="1"/>
+          <p:nvPr/>
+        </p:nvSpPr>
+        <p:spPr>
+          <a:xfrm>
+            <a:off x="2893467" y="1814518"/>
+            <a:ext cx="397866" cy="584775"/>
+          </a:xfrm>
+          <a:prstGeom prst="rect">
+            <a:avLst/>
+          </a:prstGeom>
+          <a:noFill/>
+        </p:spPr>
+        <p:txBody>
+          <a:bodyPr wrap="none" rtlCol="0">
+            <a:spAutoFit/>
+          </a:bodyPr>
+          <a:lstStyle/>
+          <a:p>
+            <a:r>
+              <a:rPr lang="fr-CA" sz="3200" dirty="0">
+                <a:solidFill>
+                  <a:srgbClr val="FF0000"/>
+                </a:solidFill>
+              </a:rPr>
+              <a:t>X</a:t>
+            </a:r>
+          </a:p>
+        </p:txBody>
+      </p:sp>
+      <p:sp>
+        <p:nvSpPr>
+          <p:cNvPr id="152" name="TextBox 151">
+            <a:extLst>
+              <a:ext uri="{FF2B5EF4-FFF2-40B4-BE49-F238E27FC236}">
+                <a16:creationId xmlns:a16="http://schemas.microsoft.com/office/drawing/2014/main" id="{984213BE-DC2C-4862-8E3A-4AEDFD7DDEDD}"/>
+              </a:ext>
+            </a:extLst>
+          </p:cNvPr>
+          <p:cNvSpPr txBox="1"/>
+          <p:nvPr/>
+        </p:nvSpPr>
+        <p:spPr>
+          <a:xfrm>
+            <a:off x="1434212" y="5494838"/>
+            <a:ext cx="2188420" cy="246221"/>
+          </a:xfrm>
+          <a:prstGeom prst="rect">
+            <a:avLst/>
+          </a:prstGeom>
+          <a:noFill/>
+        </p:spPr>
+        <p:txBody>
+          <a:bodyPr wrap="none" rtlCol="0">
+            <a:spAutoFit/>
+          </a:bodyPr>
+          <a:lstStyle/>
+          <a:p>
+            <a:r>
+              <a:rPr lang="en-CA" sz="1000" dirty="0"/>
+              <a:t>PoE-capable Switch (one per platform)</a:t>
+            </a:r>
+          </a:p>
+        </p:txBody>
+      </p:sp>
+      <p:sp>
+        <p:nvSpPr>
+          <p:cNvPr id="197" name="TextBox 196">
+            <a:extLst>
+              <a:ext uri="{FF2B5EF4-FFF2-40B4-BE49-F238E27FC236}">
+                <a16:creationId xmlns:a16="http://schemas.microsoft.com/office/drawing/2014/main" id="{8E12A0B5-4A81-48D7-A2B9-75F0C8A44135}"/>
+              </a:ext>
+            </a:extLst>
+          </p:cNvPr>
+          <p:cNvSpPr txBox="1"/>
+          <p:nvPr/>
+        </p:nvSpPr>
+        <p:spPr>
+          <a:xfrm>
+            <a:off x="963641" y="5259496"/>
+            <a:ext cx="360996" cy="230832"/>
+          </a:xfrm>
+          <a:prstGeom prst="rect">
+            <a:avLst/>
+          </a:prstGeom>
+          <a:noFill/>
+        </p:spPr>
+        <p:txBody>
+          <a:bodyPr wrap="none" rtlCol="0">
+            <a:spAutoFit/>
+          </a:bodyPr>
+          <a:lstStyle/>
+          <a:p>
+            <a:r>
+              <a:rPr lang="fr-CA" sz="900" dirty="0"/>
+              <a:t>PoE</a:t>
+            </a:r>
+          </a:p>
+        </p:txBody>
+      </p:sp>
+      <p:sp>
+        <p:nvSpPr>
+          <p:cNvPr id="198" name="TextBox 197">
+            <a:extLst>
+              <a:ext uri="{FF2B5EF4-FFF2-40B4-BE49-F238E27FC236}">
+                <a16:creationId xmlns:a16="http://schemas.microsoft.com/office/drawing/2014/main" id="{6AD1BDFE-56B3-4FC5-B934-184F3036490F}"/>
+              </a:ext>
+            </a:extLst>
+          </p:cNvPr>
+          <p:cNvSpPr txBox="1"/>
+          <p:nvPr/>
+        </p:nvSpPr>
+        <p:spPr>
+          <a:xfrm>
+            <a:off x="1487175" y="5269077"/>
+            <a:ext cx="360996" cy="230832"/>
+          </a:xfrm>
+          <a:prstGeom prst="rect">
+            <a:avLst/>
+          </a:prstGeom>
+          <a:noFill/>
+        </p:spPr>
+        <p:txBody>
+          <a:bodyPr wrap="none" rtlCol="0">
+            <a:spAutoFit/>
+          </a:bodyPr>
+          <a:lstStyle/>
+          <a:p>
+            <a:r>
+              <a:rPr lang="fr-CA" sz="900" dirty="0"/>
+              <a:t>PoE</a:t>
+            </a:r>
+          </a:p>
+        </p:txBody>
+      </p:sp>
+      <p:cxnSp>
+        <p:nvCxnSpPr>
+          <p:cNvPr id="109" name="Connector: Elbow 108">
+            <a:extLst>
+              <a:ext uri="{FF2B5EF4-FFF2-40B4-BE49-F238E27FC236}">
+                <a16:creationId xmlns:a16="http://schemas.microsoft.com/office/drawing/2014/main" id="{AEC82425-A89A-42BA-B85F-16428A514966}"/>
+              </a:ext>
+            </a:extLst>
+          </p:cNvPr>
+          <p:cNvCxnSpPr>
+            <a:cxnSpLocks/>
+            <a:stCxn id="110" idx="1"/>
+            <a:endCxn id="44" idx="2"/>
+          </p:cNvCxnSpPr>
+          <p:nvPr/>
+        </p:nvCxnSpPr>
+        <p:spPr>
+          <a:xfrm rot="10800000">
+            <a:off x="4369631" y="2679921"/>
+            <a:ext cx="1371556" cy="312168"/>
+          </a:xfrm>
+          <a:prstGeom prst="bentConnector2">
+            <a:avLst/>
+          </a:prstGeom>
+          <a:ln>
+            <a:tailEnd type="triangle"/>
+          </a:ln>
+        </p:spPr>
+        <p:style>
+          <a:lnRef idx="1">
+            <a:schemeClr val="accent1"/>
+          </a:lnRef>
+          <a:fillRef idx="0">
+            <a:schemeClr val="accent1"/>
+          </a:fillRef>
+          <a:effectRef idx="0">
+            <a:schemeClr val="accent1"/>
+          </a:effectRef>
+          <a:fontRef idx="minor">
+            <a:schemeClr val="tx1"/>
+          </a:fontRef>
+        </p:style>
+      </p:cxnSp>
+      <p:sp>
+        <p:nvSpPr>
+          <p:cNvPr id="117" name="TextBox 116">
+            <a:extLst>
+              <a:ext uri="{FF2B5EF4-FFF2-40B4-BE49-F238E27FC236}">
+                <a16:creationId xmlns:a16="http://schemas.microsoft.com/office/drawing/2014/main" id="{BC06E766-A8E7-4CF5-901C-D42ADF90D9DC}"/>
+              </a:ext>
+            </a:extLst>
+          </p:cNvPr>
+          <p:cNvSpPr txBox="1"/>
+          <p:nvPr/>
+        </p:nvSpPr>
+        <p:spPr>
+          <a:xfrm>
+            <a:off x="4774142" y="3562974"/>
+            <a:ext cx="772969" cy="246221"/>
+          </a:xfrm>
+          <a:prstGeom prst="rect">
+            <a:avLst/>
+          </a:prstGeom>
+          <a:noFill/>
+        </p:spPr>
+        <p:txBody>
+          <a:bodyPr wrap="none" rtlCol="0">
+            <a:spAutoFit/>
+          </a:bodyPr>
+          <a:lstStyle/>
+          <a:p>
+            <a:pPr algn="ctr"/>
+            <a:r>
+              <a:rPr lang="en-CA" sz="1000" dirty="0">
+                <a:effectLst/>
+              </a:rPr>
+              <a:t>scoreboard</a:t>
+            </a:r>
+            <a:endParaRPr lang="en-CA" sz="1000" dirty="0"/>
+          </a:p>
+        </p:txBody>
+      </p:sp>
+      <p:pic>
+        <p:nvPicPr>
+          <p:cNvPr id="119" name="Graphic 157" descr="Laptop">
+            <a:extLst>
+              <a:ext uri="{FF2B5EF4-FFF2-40B4-BE49-F238E27FC236}">
+                <a16:creationId xmlns:a16="http://schemas.microsoft.com/office/drawing/2014/main" id="{E43A20B3-CDE1-4410-AF15-A16C814A106D}"/>
+              </a:ext>
+            </a:extLst>
+          </p:cNvPr>
+          <p:cNvPicPr>
+            <a:picLocks noChangeAspect="1" noChangeArrowheads="1"/>
+          </p:cNvPicPr>
+          <p:nvPr/>
+        </p:nvPicPr>
+        <p:blipFill>
+          <a:blip r:embed="rId5">
+            <a:extLst>
+              <a:ext uri="{28A0092B-C50C-407E-A947-70E740481C1C}">
+                <a14:useLocalDpi xmlns:a14="http://schemas.microsoft.com/office/drawing/2010/main" val="0"/>
+              </a:ext>
+            </a:extLst>
+          </a:blip>
+          <a:srcRect/>
+          <a:stretch>
+            <a:fillRect/>
+          </a:stretch>
+        </p:blipFill>
+        <p:spPr bwMode="auto">
+          <a:xfrm>
+            <a:off x="3135916" y="4733815"/>
+            <a:ext cx="457204" cy="457204"/>
+          </a:xfrm>
+          <a:prstGeom prst="rect">
+            <a:avLst/>
+          </a:prstGeom>
+          <a:noFill/>
+          <a:ln>
+            <a:noFill/>
+          </a:ln>
+          <a:extLst>
+            <a:ext uri="{909E8E84-426E-40DD-AFC4-6F175D3DCCD1}">
+              <a14:hiddenFill xmlns:a14="http://schemas.microsoft.com/office/drawing/2010/main">
+                <a:solidFill>
+                  <a:srgbClr val="FFFFFF"/>
+                </a:solidFill>
+              </a14:hiddenFill>
+            </a:ext>
+            <a:ext uri="{91240B29-F687-4F45-9708-019B960494DF}">
+              <a14:hiddenLine xmlns:a14="http://schemas.microsoft.com/office/drawing/2010/main" w="9525">
+                <a:solidFill>
+                  <a:srgbClr val="000000"/>
+                </a:solidFill>
+                <a:miter lim="800000"/>
+                <a:headEnd/>
+                <a:tailEnd/>
+              </a14:hiddenLine>
+            </a:ext>
+          </a:extLst>
+        </p:spPr>
+      </p:pic>
+      <p:cxnSp>
+        <p:nvCxnSpPr>
+          <p:cNvPr id="121" name="Straight Arrow Connector 120">
+            <a:extLst>
+              <a:ext uri="{FF2B5EF4-FFF2-40B4-BE49-F238E27FC236}">
+                <a16:creationId xmlns:a16="http://schemas.microsoft.com/office/drawing/2014/main" id="{892FBF72-BD18-4A41-A916-74C44E9B84B2}"/>
+              </a:ext>
+            </a:extLst>
+          </p:cNvPr>
+          <p:cNvCxnSpPr>
+            <a:cxnSpLocks/>
+            <a:stCxn id="119" idx="2"/>
+          </p:cNvCxnSpPr>
+          <p:nvPr/>
+        </p:nvCxnSpPr>
+        <p:spPr>
+          <a:xfrm flipH="1">
+            <a:off x="3357769" y="5191019"/>
+            <a:ext cx="6749" cy="216648"/>
+          </a:xfrm>
+          <a:prstGeom prst="straightConnector1">
+            <a:avLst/>
+          </a:prstGeom>
+          <a:ln>
+            <a:tailEnd type="triangle"/>
+          </a:ln>
+        </p:spPr>
+        <p:style>
+          <a:lnRef idx="1">
+            <a:schemeClr val="accent1"/>
+          </a:lnRef>
+          <a:fillRef idx="0">
+            <a:schemeClr val="accent1"/>
+          </a:fillRef>
+          <a:effectRef idx="0">
+            <a:schemeClr val="accent1"/>
+          </a:effectRef>
+          <a:fontRef idx="minor">
+            <a:schemeClr val="tx1"/>
+          </a:fontRef>
+        </p:style>
+      </p:cxnSp>
+      <p:pic>
+        <p:nvPicPr>
+          <p:cNvPr id="122" name="Graphic 157" descr="Laptop">
+            <a:extLst>
+              <a:ext uri="{FF2B5EF4-FFF2-40B4-BE49-F238E27FC236}">
+                <a16:creationId xmlns:a16="http://schemas.microsoft.com/office/drawing/2014/main" id="{7330CD68-28EC-46AE-872A-649A1DA27DAC}"/>
+              </a:ext>
+            </a:extLst>
+          </p:cNvPr>
+          <p:cNvPicPr>
+            <a:picLocks noChangeAspect="1" noChangeArrowheads="1"/>
+          </p:cNvPicPr>
+          <p:nvPr/>
+        </p:nvPicPr>
+        <p:blipFill>
+          <a:blip r:embed="rId5">
+            <a:extLst>
+              <a:ext uri="{28A0092B-C50C-407E-A947-70E740481C1C}">
+                <a14:useLocalDpi xmlns:a14="http://schemas.microsoft.com/office/drawing/2010/main" val="0"/>
+              </a:ext>
+            </a:extLst>
+          </a:blip>
+          <a:srcRect/>
+          <a:stretch>
+            <a:fillRect/>
+          </a:stretch>
+        </p:blipFill>
+        <p:spPr bwMode="auto">
+          <a:xfrm>
+            <a:off x="2153632" y="4733815"/>
+            <a:ext cx="457204" cy="457204"/>
+          </a:xfrm>
+          <a:prstGeom prst="rect">
+            <a:avLst/>
+          </a:prstGeom>
+          <a:noFill/>
+          <a:ln>
+            <a:noFill/>
+          </a:ln>
+          <a:extLst>
+            <a:ext uri="{909E8E84-426E-40DD-AFC4-6F175D3DCCD1}">
+              <a14:hiddenFill xmlns:a14="http://schemas.microsoft.com/office/drawing/2010/main">
+                <a:solidFill>
+                  <a:srgbClr val="FFFFFF"/>
+                </a:solidFill>
+              </a14:hiddenFill>
+            </a:ext>
+            <a:ext uri="{91240B29-F687-4F45-9708-019B960494DF}">
+              <a14:hiddenLine xmlns:a14="http://schemas.microsoft.com/office/drawing/2010/main" w="9525">
+                <a:solidFill>
+                  <a:srgbClr val="000000"/>
+                </a:solidFill>
+                <a:miter lim="800000"/>
+                <a:headEnd/>
+                <a:tailEnd/>
+              </a14:hiddenLine>
+            </a:ext>
+          </a:extLst>
+        </p:spPr>
+      </p:pic>
+      <p:cxnSp>
+        <p:nvCxnSpPr>
+          <p:cNvPr id="123" name="Straight Arrow Connector 122">
+            <a:extLst>
+              <a:ext uri="{FF2B5EF4-FFF2-40B4-BE49-F238E27FC236}">
+                <a16:creationId xmlns:a16="http://schemas.microsoft.com/office/drawing/2014/main" id="{E7093D47-FF37-44E2-9CCE-A72C8A838EEA}"/>
+              </a:ext>
+            </a:extLst>
+          </p:cNvPr>
+          <p:cNvCxnSpPr>
+            <a:cxnSpLocks/>
+            <a:stCxn id="122" idx="2"/>
+          </p:cNvCxnSpPr>
+          <p:nvPr/>
+        </p:nvCxnSpPr>
+        <p:spPr>
+          <a:xfrm flipH="1">
+            <a:off x="2375485" y="5191019"/>
+            <a:ext cx="6749" cy="216648"/>
+          </a:xfrm>
+          <a:prstGeom prst="straightConnector1">
+            <a:avLst/>
+          </a:prstGeom>
+          <a:ln>
+            <a:tailEnd type="triangle"/>
+          </a:ln>
+        </p:spPr>
+        <p:style>
+          <a:lnRef idx="1">
+            <a:schemeClr val="accent1"/>
+          </a:lnRef>
+          <a:fillRef idx="0">
+            <a:schemeClr val="accent1"/>
+          </a:fillRef>
+          <a:effectRef idx="0">
+            <a:schemeClr val="accent1"/>
+          </a:effectRef>
+          <a:fontRef idx="minor">
+            <a:schemeClr val="tx1"/>
+          </a:fontRef>
+        </p:style>
+      </p:cxnSp>
+      <p:cxnSp>
+        <p:nvCxnSpPr>
+          <p:cNvPr id="132" name="Straight Connector 131">
+            <a:extLst>
+              <a:ext uri="{FF2B5EF4-FFF2-40B4-BE49-F238E27FC236}">
+                <a16:creationId xmlns:a16="http://schemas.microsoft.com/office/drawing/2014/main" id="{34372815-FCE1-4050-8C5B-1A2A708A5D67}"/>
+              </a:ext>
+            </a:extLst>
+          </p:cNvPr>
+          <p:cNvCxnSpPr>
+            <a:cxnSpLocks/>
+            <a:stCxn id="110" idx="0"/>
+            <a:endCxn id="186" idx="2"/>
+          </p:cNvCxnSpPr>
+          <p:nvPr/>
+        </p:nvCxnSpPr>
+        <p:spPr>
+          <a:xfrm flipH="1" flipV="1">
+            <a:off x="5962135" y="1458726"/>
+            <a:ext cx="7654" cy="1304761"/>
+          </a:xfrm>
+          <a:prstGeom prst="line">
+            <a:avLst/>
+          </a:prstGeom>
+          <a:ln w="44450">
+            <a:solidFill>
+              <a:schemeClr val="accent6"/>
+            </a:solidFill>
+            <a:prstDash val="dash"/>
+            <a:tailEnd type="triangle"/>
+          </a:ln>
+        </p:spPr>
+        <p:style>
+          <a:lnRef idx="1">
+            <a:schemeClr val="accent1"/>
+          </a:lnRef>
+          <a:fillRef idx="0">
+            <a:schemeClr val="accent1"/>
+          </a:fillRef>
+          <a:effectRef idx="0">
+            <a:schemeClr val="accent1"/>
+          </a:effectRef>
+          <a:fontRef idx="minor">
+            <a:schemeClr val="tx1"/>
+          </a:fontRef>
+        </p:style>
+      </p:cxnSp>
+      <p:cxnSp>
+        <p:nvCxnSpPr>
+          <p:cNvPr id="58" name="Connector: Elbow 57">
+            <a:extLst>
+              <a:ext uri="{FF2B5EF4-FFF2-40B4-BE49-F238E27FC236}">
+                <a16:creationId xmlns:a16="http://schemas.microsoft.com/office/drawing/2014/main" id="{9EF73B51-DF07-4452-BBF7-D6763C4248EE}"/>
+              </a:ext>
+            </a:extLst>
+          </p:cNvPr>
+          <p:cNvCxnSpPr>
+            <a:cxnSpLocks/>
+            <a:stCxn id="113" idx="3"/>
+            <a:endCxn id="185" idx="2"/>
+          </p:cNvCxnSpPr>
+          <p:nvPr/>
+        </p:nvCxnSpPr>
+        <p:spPr>
+          <a:xfrm flipV="1">
+            <a:off x="6208813" y="1443337"/>
+            <a:ext cx="508092" cy="2422051"/>
+          </a:xfrm>
+          <a:prstGeom prst="bentConnector2">
+            <a:avLst/>
+          </a:prstGeom>
+          <a:ln w="44450">
+            <a:solidFill>
+              <a:schemeClr val="accent6"/>
+            </a:solidFill>
+            <a:prstDash val="dash"/>
+            <a:tailEnd type="triangle"/>
+          </a:ln>
+        </p:spPr>
+        <p:style>
+          <a:lnRef idx="1">
+            <a:schemeClr val="accent1"/>
+          </a:lnRef>
+          <a:fillRef idx="0">
+            <a:schemeClr val="accent1"/>
+          </a:fillRef>
+          <a:effectRef idx="0">
+            <a:schemeClr val="accent1"/>
+          </a:effectRef>
+          <a:fontRef idx="minor">
+            <a:schemeClr val="tx1"/>
+          </a:fontRef>
+        </p:style>
+      </p:cxnSp>
+      <p:sp>
+        <p:nvSpPr>
+          <p:cNvPr id="141" name="TextBox 140">
+            <a:extLst>
+              <a:ext uri="{FF2B5EF4-FFF2-40B4-BE49-F238E27FC236}">
+                <a16:creationId xmlns:a16="http://schemas.microsoft.com/office/drawing/2014/main" id="{4A9E4F60-3958-49B3-AA87-53E0BB3CBC8F}"/>
+              </a:ext>
+            </a:extLst>
+          </p:cNvPr>
+          <p:cNvSpPr txBox="1"/>
+          <p:nvPr/>
+        </p:nvSpPr>
+        <p:spPr>
+          <a:xfrm>
+            <a:off x="8112225" y="764704"/>
+            <a:ext cx="3456383" cy="5909310"/>
+          </a:xfrm>
+          <a:prstGeom prst="rect">
+            <a:avLst/>
+          </a:prstGeom>
+          <a:noFill/>
+        </p:spPr>
+        <p:txBody>
+          <a:bodyPr wrap="square" rtlCol="0">
+            <a:spAutoFit/>
+          </a:bodyPr>
+          <a:lstStyle/>
+          <a:p>
+            <a:r>
+              <a:rPr lang="en-CA" dirty="0"/>
+              <a:t>Large </a:t>
+            </a:r>
+            <a:r>
+              <a:rPr lang="en-CA"/>
+              <a:t>venue setup</a:t>
+            </a:r>
+            <a:endParaRPr lang="en-CA" dirty="0"/>
+          </a:p>
+          <a:p>
+            <a:pPr marL="285750" indent="-285750">
+              <a:buFont typeface="Arial" panose="020B0604020202020204" pitchFamily="34" charset="0"/>
+              <a:buChar char="•"/>
+            </a:pPr>
+            <a:r>
+              <a:rPr lang="en-CA" dirty="0"/>
+              <a:t>Main laptop is on a </a:t>
+            </a:r>
+            <a:r>
+              <a:rPr lang="en-CA" u="sng" dirty="0"/>
+              <a:t>wired</a:t>
+            </a:r>
+            <a:r>
+              <a:rPr lang="en-CA" dirty="0"/>
+              <a:t> connection on the first platform switch</a:t>
+            </a:r>
+          </a:p>
+          <a:p>
+            <a:pPr marL="285750" indent="-285750">
+              <a:buFont typeface="Arial" panose="020B0604020202020204" pitchFamily="34" charset="0"/>
+              <a:buChar char="•"/>
+            </a:pPr>
+            <a:r>
+              <a:rPr lang="en-CA" dirty="0"/>
+              <a:t>One platform = one switch</a:t>
+            </a:r>
+          </a:p>
+          <a:p>
+            <a:pPr marL="285750" indent="-285750">
+              <a:buFont typeface="Arial" panose="020B0604020202020204" pitchFamily="34" charset="0"/>
+              <a:buChar char="•"/>
+            </a:pPr>
+            <a:r>
+              <a:rPr lang="en-CA" dirty="0"/>
+              <a:t>Power over Ethernet for redundant </a:t>
+            </a:r>
+            <a:r>
+              <a:rPr lang="en-CA" dirty="0" err="1"/>
+              <a:t>WiFi</a:t>
+            </a:r>
+            <a:r>
+              <a:rPr lang="en-CA" dirty="0"/>
+              <a:t> Access Points </a:t>
+            </a:r>
+          </a:p>
+          <a:p>
+            <a:pPr marL="285750" indent="-285750">
+              <a:buFont typeface="Arial" panose="020B0604020202020204" pitchFamily="34" charset="0"/>
+              <a:buChar char="•"/>
+            </a:pPr>
+            <a:r>
+              <a:rPr lang="en-CA" dirty="0"/>
+              <a:t>Other platform switches connect directly to main switch</a:t>
+            </a:r>
+          </a:p>
+          <a:p>
+            <a:pPr marL="285750" indent="-285750">
+              <a:buFont typeface="Arial" panose="020B0604020202020204" pitchFamily="34" charset="0"/>
+              <a:buChar char="•"/>
+            </a:pPr>
+            <a:r>
+              <a:rPr lang="en-CA" dirty="0"/>
+              <a:t>Announcer, ref console can be wired if desired using free ports</a:t>
+            </a:r>
+          </a:p>
+          <a:p>
+            <a:pPr marL="285750" indent="-285750">
+              <a:buFont typeface="Arial" panose="020B0604020202020204" pitchFamily="34" charset="0"/>
+              <a:buChar char="•"/>
+            </a:pPr>
+            <a:r>
+              <a:rPr lang="en-CA" dirty="0"/>
+              <a:t>No interference from video traffic</a:t>
+            </a:r>
+          </a:p>
+          <a:p>
+            <a:endParaRPr lang="en-CA" dirty="0"/>
+          </a:p>
+          <a:p>
+            <a:r>
+              <a:rPr lang="en-CA" dirty="0"/>
+              <a:t>Router</a:t>
+            </a:r>
+          </a:p>
+          <a:p>
+            <a:pPr marL="285750" indent="-285750">
+              <a:buFont typeface="Arial" panose="020B0604020202020204" pitchFamily="34" charset="0"/>
+              <a:buChar char="•"/>
+            </a:pPr>
+            <a:r>
+              <a:rPr lang="en-CA" dirty="0"/>
+              <a:t>Provides DHCP addresses</a:t>
+            </a:r>
+          </a:p>
+          <a:p>
+            <a:pPr marL="285750" indent="-285750">
+              <a:buFont typeface="Arial" panose="020B0604020202020204" pitchFamily="34" charset="0"/>
+              <a:buChar char="•"/>
+            </a:pPr>
+            <a:r>
+              <a:rPr lang="en-CA" dirty="0"/>
+              <a:t>Allows OBS to fetch scoreboards from owlcms</a:t>
+            </a:r>
+          </a:p>
+          <a:p>
+            <a:pPr marL="285750" indent="-285750">
+              <a:buFont typeface="Arial" panose="020B0604020202020204" pitchFamily="34" charset="0"/>
+              <a:buChar char="•"/>
+            </a:pPr>
+            <a:r>
+              <a:rPr lang="en-CA" dirty="0"/>
+              <a:t>Allows OBS to stream out</a:t>
+            </a:r>
+          </a:p>
+          <a:p>
+            <a:pPr marL="285750" indent="-285750">
+              <a:buFont typeface="Arial" panose="020B0604020202020204" pitchFamily="34" charset="0"/>
+              <a:buChar char="•"/>
+            </a:pPr>
+            <a:r>
+              <a:rPr lang="en-CA" dirty="0"/>
+              <a:t>Allows owlcms to feed Heroku public scoreboards</a:t>
+            </a:r>
+          </a:p>
+        </p:txBody>
+      </p:sp>
+      <p:cxnSp>
+        <p:nvCxnSpPr>
+          <p:cNvPr id="146" name="Straight Arrow Connector 145">
+            <a:extLst>
+              <a:ext uri="{FF2B5EF4-FFF2-40B4-BE49-F238E27FC236}">
+                <a16:creationId xmlns:a16="http://schemas.microsoft.com/office/drawing/2014/main" id="{867EF123-D39F-45EF-9AEE-C5EE0C73975C}"/>
+              </a:ext>
+            </a:extLst>
+          </p:cNvPr>
+          <p:cNvCxnSpPr>
+            <a:cxnSpLocks/>
+            <a:stCxn id="149" idx="2"/>
+          </p:cNvCxnSpPr>
+          <p:nvPr/>
+        </p:nvCxnSpPr>
+        <p:spPr>
+          <a:xfrm>
+            <a:off x="1152891" y="3894498"/>
+            <a:ext cx="0" cy="255579"/>
+          </a:xfrm>
+          <a:prstGeom prst="straightConnector1">
+            <a:avLst/>
+          </a:prstGeom>
+          <a:ln>
+            <a:tailEnd type="triangle"/>
+          </a:ln>
+        </p:spPr>
+        <p:style>
+          <a:lnRef idx="1">
+            <a:schemeClr val="accent1"/>
+          </a:lnRef>
+          <a:fillRef idx="0">
+            <a:schemeClr val="accent1"/>
+          </a:fillRef>
+          <a:effectRef idx="0">
+            <a:schemeClr val="accent1"/>
+          </a:effectRef>
+          <a:fontRef idx="minor">
+            <a:schemeClr val="tx1"/>
+          </a:fontRef>
+        </p:style>
+      </p:cxnSp>
+      <p:pic>
+        <p:nvPicPr>
+          <p:cNvPr id="149" name="Graphic 157" descr="Laptop">
+            <a:extLst>
+              <a:ext uri="{FF2B5EF4-FFF2-40B4-BE49-F238E27FC236}">
+                <a16:creationId xmlns:a16="http://schemas.microsoft.com/office/drawing/2014/main" id="{95F53995-5A56-43D1-9E24-7471331526DC}"/>
+              </a:ext>
+            </a:extLst>
+          </p:cNvPr>
+          <p:cNvPicPr>
+            <a:picLocks noChangeAspect="1" noChangeArrowheads="1"/>
+          </p:cNvPicPr>
+          <p:nvPr/>
+        </p:nvPicPr>
+        <p:blipFill>
+          <a:blip r:embed="rId5">
+            <a:extLst>
+              <a:ext uri="{28A0092B-C50C-407E-A947-70E740481C1C}">
+                <a14:useLocalDpi xmlns:a14="http://schemas.microsoft.com/office/drawing/2010/main" val="0"/>
+              </a:ext>
+            </a:extLst>
+          </a:blip>
+          <a:srcRect/>
+          <a:stretch>
+            <a:fillRect/>
+          </a:stretch>
+        </p:blipFill>
+        <p:spPr bwMode="auto">
+          <a:xfrm>
+            <a:off x="924289" y="3437294"/>
+            <a:ext cx="457204" cy="457204"/>
+          </a:xfrm>
+          <a:prstGeom prst="rect">
+            <a:avLst/>
+          </a:prstGeom>
+          <a:noFill/>
+          <a:ln>
+            <a:noFill/>
+          </a:ln>
+          <a:extLst>
+            <a:ext uri="{909E8E84-426E-40DD-AFC4-6F175D3DCCD1}">
+              <a14:hiddenFill xmlns:a14="http://schemas.microsoft.com/office/drawing/2010/main">
+                <a:solidFill>
+                  <a:srgbClr val="FFFFFF"/>
+                </a:solidFill>
+              </a14:hiddenFill>
+            </a:ext>
+            <a:ext uri="{91240B29-F687-4F45-9708-019B960494DF}">
+              <a14:hiddenLine xmlns:a14="http://schemas.microsoft.com/office/drawing/2010/main" w="9525">
+                <a:solidFill>
+                  <a:srgbClr val="000000"/>
+                </a:solidFill>
+                <a:miter lim="800000"/>
+                <a:headEnd/>
+                <a:tailEnd/>
+              </a14:hiddenLine>
+            </a:ext>
+          </a:extLst>
+        </p:spPr>
+      </p:pic>
+      <p:pic>
+        <p:nvPicPr>
+          <p:cNvPr id="151" name="Graphic 157" descr="Laptop">
+            <a:extLst>
+              <a:ext uri="{FF2B5EF4-FFF2-40B4-BE49-F238E27FC236}">
+                <a16:creationId xmlns:a16="http://schemas.microsoft.com/office/drawing/2014/main" id="{30635837-B33C-40E8-A905-4F274D3F6726}"/>
+              </a:ext>
+            </a:extLst>
+          </p:cNvPr>
+          <p:cNvPicPr>
+            <a:picLocks noChangeAspect="1" noChangeArrowheads="1"/>
+          </p:cNvPicPr>
+          <p:nvPr/>
+        </p:nvPicPr>
+        <p:blipFill>
+          <a:blip r:embed="rId5">
+            <a:extLst>
+              <a:ext uri="{28A0092B-C50C-407E-A947-70E740481C1C}">
+                <a14:useLocalDpi xmlns:a14="http://schemas.microsoft.com/office/drawing/2010/main" val="0"/>
+              </a:ext>
+            </a:extLst>
+          </a:blip>
+          <a:srcRect/>
+          <a:stretch>
+            <a:fillRect/>
+          </a:stretch>
+        </p:blipFill>
+        <p:spPr bwMode="auto">
+          <a:xfrm>
+            <a:off x="2326428" y="3429000"/>
+            <a:ext cx="457204" cy="457204"/>
+          </a:xfrm>
+          <a:prstGeom prst="rect">
+            <a:avLst/>
+          </a:prstGeom>
+          <a:noFill/>
+          <a:ln>
+            <a:noFill/>
+          </a:ln>
+          <a:extLst>
+            <a:ext uri="{909E8E84-426E-40DD-AFC4-6F175D3DCCD1}">
+              <a14:hiddenFill xmlns:a14="http://schemas.microsoft.com/office/drawing/2010/main">
+                <a:solidFill>
+                  <a:srgbClr val="FFFFFF"/>
+                </a:solidFill>
+              </a14:hiddenFill>
+            </a:ext>
+            <a:ext uri="{91240B29-F687-4F45-9708-019B960494DF}">
+              <a14:hiddenLine xmlns:a14="http://schemas.microsoft.com/office/drawing/2010/main" w="9525">
+                <a:solidFill>
+                  <a:srgbClr val="000000"/>
+                </a:solidFill>
+                <a:miter lim="800000"/>
+                <a:headEnd/>
+                <a:tailEnd/>
+              </a14:hiddenLine>
+            </a:ext>
+          </a:extLst>
+        </p:spPr>
+      </p:pic>
+      <p:pic>
+        <p:nvPicPr>
+          <p:cNvPr id="156" name="Graphic 157" descr="Laptop">
+            <a:extLst>
+              <a:ext uri="{FF2B5EF4-FFF2-40B4-BE49-F238E27FC236}">
+                <a16:creationId xmlns:a16="http://schemas.microsoft.com/office/drawing/2014/main" id="{9BC63793-B798-4BAE-B68A-0DC58CD10EB3}"/>
+              </a:ext>
+            </a:extLst>
+          </p:cNvPr>
+          <p:cNvPicPr>
+            <a:picLocks noChangeAspect="1" noChangeArrowheads="1"/>
+          </p:cNvPicPr>
+          <p:nvPr/>
+        </p:nvPicPr>
+        <p:blipFill>
+          <a:blip r:embed="rId5">
+            <a:extLst>
+              <a:ext uri="{28A0092B-C50C-407E-A947-70E740481C1C}">
+                <a14:useLocalDpi xmlns:a14="http://schemas.microsoft.com/office/drawing/2010/main" val="0"/>
+              </a:ext>
+            </a:extLst>
+          </a:blip>
+          <a:srcRect/>
+          <a:stretch>
+            <a:fillRect/>
+          </a:stretch>
+        </p:blipFill>
+        <p:spPr bwMode="auto">
+          <a:xfrm>
+            <a:off x="1860393" y="3429000"/>
+            <a:ext cx="457204" cy="457204"/>
+          </a:xfrm>
+          <a:prstGeom prst="rect">
+            <a:avLst/>
+          </a:prstGeom>
+          <a:noFill/>
+          <a:ln>
+            <a:noFill/>
+          </a:ln>
+          <a:extLst>
+            <a:ext uri="{909E8E84-426E-40DD-AFC4-6F175D3DCCD1}">
+              <a14:hiddenFill xmlns:a14="http://schemas.microsoft.com/office/drawing/2010/main">
+                <a:solidFill>
+                  <a:srgbClr val="FFFFFF"/>
+                </a:solidFill>
+              </a14:hiddenFill>
+            </a:ext>
+            <a:ext uri="{91240B29-F687-4F45-9708-019B960494DF}">
+              <a14:hiddenLine xmlns:a14="http://schemas.microsoft.com/office/drawing/2010/main" w="9525">
+                <a:solidFill>
+                  <a:srgbClr val="000000"/>
+                </a:solidFill>
+                <a:miter lim="800000"/>
+                <a:headEnd/>
+                <a:tailEnd/>
+              </a14:hiddenLine>
+            </a:ext>
+          </a:extLst>
+        </p:spPr>
+      </p:pic>
+      <p:cxnSp>
+        <p:nvCxnSpPr>
+          <p:cNvPr id="157" name="Straight Arrow Connector 156">
+            <a:extLst>
+              <a:ext uri="{FF2B5EF4-FFF2-40B4-BE49-F238E27FC236}">
+                <a16:creationId xmlns:a16="http://schemas.microsoft.com/office/drawing/2014/main" id="{A5F02202-F3B0-4B18-9770-973FF1825057}"/>
+              </a:ext>
+            </a:extLst>
+          </p:cNvPr>
+          <p:cNvCxnSpPr>
+            <a:cxnSpLocks/>
+          </p:cNvCxnSpPr>
+          <p:nvPr/>
+        </p:nvCxnSpPr>
+        <p:spPr>
+          <a:xfrm>
+            <a:off x="1606103" y="3894916"/>
+            <a:ext cx="0" cy="255579"/>
+          </a:xfrm>
+          <a:prstGeom prst="straightConnector1">
+            <a:avLst/>
+          </a:prstGeom>
+          <a:ln>
+            <a:tailEnd type="triangle"/>
+          </a:ln>
+        </p:spPr>
+        <p:style>
+          <a:lnRef idx="1">
+            <a:schemeClr val="accent1"/>
+          </a:lnRef>
+          <a:fillRef idx="0">
+            <a:schemeClr val="accent1"/>
+          </a:fillRef>
+          <a:effectRef idx="0">
+            <a:schemeClr val="accent1"/>
+          </a:effectRef>
+          <a:fontRef idx="minor">
+            <a:schemeClr val="tx1"/>
+          </a:fontRef>
+        </p:style>
+      </p:cxnSp>
+      <p:cxnSp>
+        <p:nvCxnSpPr>
+          <p:cNvPr id="158" name="Straight Arrow Connector 157">
+            <a:extLst>
+              <a:ext uri="{FF2B5EF4-FFF2-40B4-BE49-F238E27FC236}">
+                <a16:creationId xmlns:a16="http://schemas.microsoft.com/office/drawing/2014/main" id="{2B74CCEF-77C4-474D-A2B3-DD8178830CAE}"/>
+              </a:ext>
+            </a:extLst>
+          </p:cNvPr>
+          <p:cNvCxnSpPr>
+            <a:cxnSpLocks/>
+          </p:cNvCxnSpPr>
+          <p:nvPr/>
+        </p:nvCxnSpPr>
+        <p:spPr>
+          <a:xfrm>
+            <a:off x="2076249" y="3895334"/>
+            <a:ext cx="0" cy="255579"/>
+          </a:xfrm>
+          <a:prstGeom prst="straightConnector1">
+            <a:avLst/>
+          </a:prstGeom>
+          <a:ln>
+            <a:tailEnd type="triangle"/>
+          </a:ln>
+        </p:spPr>
+        <p:style>
+          <a:lnRef idx="1">
+            <a:schemeClr val="accent1"/>
+          </a:lnRef>
+          <a:fillRef idx="0">
+            <a:schemeClr val="accent1"/>
+          </a:fillRef>
+          <a:effectRef idx="0">
+            <a:schemeClr val="accent1"/>
+          </a:effectRef>
+          <a:fontRef idx="minor">
+            <a:schemeClr val="tx1"/>
+          </a:fontRef>
+        </p:style>
+      </p:cxnSp>
+      <p:cxnSp>
+        <p:nvCxnSpPr>
+          <p:cNvPr id="159" name="Straight Arrow Connector 158">
+            <a:extLst>
+              <a:ext uri="{FF2B5EF4-FFF2-40B4-BE49-F238E27FC236}">
+                <a16:creationId xmlns:a16="http://schemas.microsoft.com/office/drawing/2014/main" id="{4207F031-DBCA-4DAC-903E-2AAE0C4CE036}"/>
+              </a:ext>
+            </a:extLst>
+          </p:cNvPr>
+          <p:cNvCxnSpPr>
+            <a:cxnSpLocks/>
+          </p:cNvCxnSpPr>
+          <p:nvPr/>
+        </p:nvCxnSpPr>
+        <p:spPr>
+          <a:xfrm>
+            <a:off x="2546395" y="3895752"/>
+            <a:ext cx="0" cy="255579"/>
+          </a:xfrm>
+          <a:prstGeom prst="straightConnector1">
+            <a:avLst/>
+          </a:prstGeom>
+          <a:ln>
+            <a:tailEnd type="triangle"/>
+          </a:ln>
+        </p:spPr>
+        <p:style>
+          <a:lnRef idx="1">
+            <a:schemeClr val="accent1"/>
+          </a:lnRef>
+          <a:fillRef idx="0">
+            <a:schemeClr val="accent1"/>
+          </a:fillRef>
+          <a:effectRef idx="0">
+            <a:schemeClr val="accent1"/>
+          </a:effectRef>
+          <a:fontRef idx="minor">
+            <a:schemeClr val="tx1"/>
+          </a:fontRef>
+        </p:style>
+      </p:cxnSp>
+      <p:cxnSp>
+        <p:nvCxnSpPr>
+          <p:cNvPr id="160" name="Connector: Elbow 159">
+            <a:extLst>
+              <a:ext uri="{FF2B5EF4-FFF2-40B4-BE49-F238E27FC236}">
+                <a16:creationId xmlns:a16="http://schemas.microsoft.com/office/drawing/2014/main" id="{06CDE222-7D9F-4A89-B42E-54B91DE51B30}"/>
+              </a:ext>
+            </a:extLst>
+          </p:cNvPr>
+          <p:cNvCxnSpPr>
+            <a:cxnSpLocks/>
+            <a:stCxn id="110" idx="2"/>
+            <a:endCxn id="113" idx="1"/>
+          </p:cNvCxnSpPr>
+          <p:nvPr/>
+        </p:nvCxnSpPr>
+        <p:spPr>
+          <a:xfrm rot="5400000">
+            <a:off x="5538351" y="3433949"/>
+            <a:ext cx="644697" cy="218180"/>
+          </a:xfrm>
+          <a:prstGeom prst="bentConnector4">
+            <a:avLst>
+              <a:gd name="adj1" fmla="val -1710"/>
+              <a:gd name="adj2" fmla="val 706827"/>
+            </a:avLst>
+          </a:prstGeom>
+          <a:ln w="44450">
+            <a:solidFill>
+              <a:schemeClr val="accent6"/>
+            </a:solidFill>
+            <a:prstDash val="dash"/>
+            <a:tailEnd type="triangle"/>
+          </a:ln>
+        </p:spPr>
+        <p:style>
+          <a:lnRef idx="1">
+            <a:schemeClr val="accent1"/>
+          </a:lnRef>
+          <a:fillRef idx="0">
+            <a:schemeClr val="accent1"/>
+          </a:fillRef>
+          <a:effectRef idx="0">
+            <a:schemeClr val="accent1"/>
+          </a:effectRef>
+          <a:fontRef idx="minor">
+            <a:schemeClr val="tx1"/>
+          </a:fontRef>
+        </p:style>
+      </p:cxnSp>
+    </p:spTree>
+    <p:extLst>
+      <p:ext uri="{BB962C8B-B14F-4D97-AF65-F5344CB8AC3E}">
+        <p14:creationId xmlns:p14="http://schemas.microsoft.com/office/powerpoint/2010/main" val="1684855729"/>
       </p:ext>
     </p:extLst>
   </p:cSld>
